--- a/docs/ppt/nop-orm.pptx
+++ b/docs/ppt/nop-orm.pptx
@@ -6,13 +6,15 @@
   </p:sldMasterIdLst>
   <p:sldIdLst>
     <p:sldId id="258" r:id="rId2"/>
-    <p:sldId id="269" r:id="rId3"/>
+    <p:sldId id="297" r:id="rId3"/>
     <p:sldId id="291" r:id="rId4"/>
-    <p:sldId id="293" r:id="rId5"/>
-    <p:sldId id="294" r:id="rId6"/>
-    <p:sldId id="295" r:id="rId7"/>
-    <p:sldId id="296" r:id="rId8"/>
-    <p:sldId id="292" r:id="rId9"/>
+    <p:sldId id="298" r:id="rId5"/>
+    <p:sldId id="293" r:id="rId6"/>
+    <p:sldId id="294" r:id="rId7"/>
+    <p:sldId id="295" r:id="rId8"/>
+    <p:sldId id="296" r:id="rId9"/>
+    <p:sldId id="269" r:id="rId10"/>
+    <p:sldId id="292" r:id="rId11"/>
   </p:sldIdLst>
   <p:sldSz cx="12192000" cy="6858000"/>
   <p:notesSz cx="6858000" cy="9144000"/>
@@ -278,7 +280,7 @@
           <a:p>
             <a:fld id="{781BEADB-AF5A-4392-865E-B1E711821C65}" type="datetimeFigureOut">
               <a:rPr lang="zh-CN" altLang="en-US" smtClean="0"/>
-              <a:t>2023/8/14</a:t>
+              <a:t>2024/2/22</a:t>
             </a:fld>
             <a:endParaRPr lang="zh-CN" altLang="en-US"/>
           </a:p>
@@ -476,7 +478,7 @@
           <a:p>
             <a:fld id="{781BEADB-AF5A-4392-865E-B1E711821C65}" type="datetimeFigureOut">
               <a:rPr lang="zh-CN" altLang="en-US" smtClean="0"/>
-              <a:t>2023/8/14</a:t>
+              <a:t>2024/2/22</a:t>
             </a:fld>
             <a:endParaRPr lang="zh-CN" altLang="en-US"/>
           </a:p>
@@ -684,7 +686,7 @@
           <a:p>
             <a:fld id="{781BEADB-AF5A-4392-865E-B1E711821C65}" type="datetimeFigureOut">
               <a:rPr lang="zh-CN" altLang="en-US" smtClean="0"/>
-              <a:t>2023/8/14</a:t>
+              <a:t>2024/2/22</a:t>
             </a:fld>
             <a:endParaRPr lang="zh-CN" altLang="en-US"/>
           </a:p>
@@ -882,7 +884,7 @@
           <a:p>
             <a:fld id="{781BEADB-AF5A-4392-865E-B1E711821C65}" type="datetimeFigureOut">
               <a:rPr lang="zh-CN" altLang="en-US" smtClean="0"/>
-              <a:t>2023/8/14</a:t>
+              <a:t>2024/2/22</a:t>
             </a:fld>
             <a:endParaRPr lang="zh-CN" altLang="en-US"/>
           </a:p>
@@ -1157,7 +1159,7 @@
           <a:p>
             <a:fld id="{781BEADB-AF5A-4392-865E-B1E711821C65}" type="datetimeFigureOut">
               <a:rPr lang="zh-CN" altLang="en-US" smtClean="0"/>
-              <a:t>2023/8/14</a:t>
+              <a:t>2024/2/22</a:t>
             </a:fld>
             <a:endParaRPr lang="zh-CN" altLang="en-US"/>
           </a:p>
@@ -1422,7 +1424,7 @@
           <a:p>
             <a:fld id="{781BEADB-AF5A-4392-865E-B1E711821C65}" type="datetimeFigureOut">
               <a:rPr lang="zh-CN" altLang="en-US" smtClean="0"/>
-              <a:t>2023/8/14</a:t>
+              <a:t>2024/2/22</a:t>
             </a:fld>
             <a:endParaRPr lang="zh-CN" altLang="en-US"/>
           </a:p>
@@ -1834,7 +1836,7 @@
           <a:p>
             <a:fld id="{781BEADB-AF5A-4392-865E-B1E711821C65}" type="datetimeFigureOut">
               <a:rPr lang="zh-CN" altLang="en-US" smtClean="0"/>
-              <a:t>2023/8/14</a:t>
+              <a:t>2024/2/22</a:t>
             </a:fld>
             <a:endParaRPr lang="zh-CN" altLang="en-US"/>
           </a:p>
@@ -1975,7 +1977,7 @@
           <a:p>
             <a:fld id="{781BEADB-AF5A-4392-865E-B1E711821C65}" type="datetimeFigureOut">
               <a:rPr lang="zh-CN" altLang="en-US" smtClean="0"/>
-              <a:t>2023/8/14</a:t>
+              <a:t>2024/2/22</a:t>
             </a:fld>
             <a:endParaRPr lang="zh-CN" altLang="en-US"/>
           </a:p>
@@ -2088,7 +2090,7 @@
           <a:p>
             <a:fld id="{781BEADB-AF5A-4392-865E-B1E711821C65}" type="datetimeFigureOut">
               <a:rPr lang="zh-CN" altLang="en-US" smtClean="0"/>
-              <a:t>2023/8/14</a:t>
+              <a:t>2024/2/22</a:t>
             </a:fld>
             <a:endParaRPr lang="zh-CN" altLang="en-US"/>
           </a:p>
@@ -2399,7 +2401,7 @@
           <a:p>
             <a:fld id="{781BEADB-AF5A-4392-865E-B1E711821C65}" type="datetimeFigureOut">
               <a:rPr lang="zh-CN" altLang="en-US" smtClean="0"/>
-              <a:t>2023/8/14</a:t>
+              <a:t>2024/2/22</a:t>
             </a:fld>
             <a:endParaRPr lang="zh-CN" altLang="en-US"/>
           </a:p>
@@ -2687,7 +2689,7 @@
           <a:p>
             <a:fld id="{781BEADB-AF5A-4392-865E-B1E711821C65}" type="datetimeFigureOut">
               <a:rPr lang="zh-CN" altLang="en-US" smtClean="0"/>
-              <a:t>2023/8/14</a:t>
+              <a:t>2024/2/22</a:t>
             </a:fld>
             <a:endParaRPr lang="zh-CN" altLang="en-US"/>
           </a:p>
@@ -2928,7 +2930,7 @@
           <a:p>
             <a:fld id="{781BEADB-AF5A-4392-865E-B1E711821C65}" type="datetimeFigureOut">
               <a:rPr lang="zh-CN" altLang="en-US" smtClean="0"/>
-              <a:t>2023/8/14</a:t>
+              <a:t>2024/2/22</a:t>
             </a:fld>
             <a:endParaRPr lang="zh-CN" altLang="en-US"/>
           </a:p>
@@ -3438,7 +3440,7 @@
 </p:sld>
 </file>
 
-<file path=ppt/slides/slide2.xml><?xml version="1.0" encoding="utf-8"?>
+<file path=ppt/slides/slide10.xml><?xml version="1.0" encoding="utf-8"?>
 <p:sld xmlns:a="http://schemas.openxmlformats.org/drawingml/2006/main" xmlns:r="http://schemas.openxmlformats.org/officeDocument/2006/relationships" xmlns:p="http://schemas.openxmlformats.org/presentationml/2006/main">
   <p:cSld>
     <p:spTree>
@@ -3455,12 +3457,214 @@
           <a:chExt cx="0" cy="0"/>
         </a:xfrm>
       </p:grpSpPr>
+      <p:sp>
+        <p:nvSpPr>
+          <p:cNvPr id="2" name="标题 1">
+            <a:extLst>
+              <a:ext uri="{FF2B5EF4-FFF2-40B4-BE49-F238E27FC236}">
+                <a16:creationId xmlns:a16="http://schemas.microsoft.com/office/drawing/2014/main" id="{7B078A78-F1A6-B200-A327-496477BABCB1}"/>
+              </a:ext>
+            </a:extLst>
+          </p:cNvPr>
+          <p:cNvSpPr>
+            <a:spLocks noGrp="1"/>
+          </p:cNvSpPr>
+          <p:nvPr>
+            <p:ph type="title"/>
+          </p:nvPr>
+        </p:nvSpPr>
+        <p:spPr/>
+        <p:txBody>
+          <a:bodyPr/>
+          <a:lstStyle/>
+          <a:p>
+            <a:r>
+              <a:rPr lang="en-US" altLang="zh-CN" b="1" dirty="0" err="1"/>
+              <a:t>Nop</a:t>
+            </a:r>
+            <a:r>
+              <a:rPr lang="zh-CN" altLang="en-US" b="1" dirty="0"/>
+              <a:t>平台中的</a:t>
+            </a:r>
+            <a:r>
+              <a:rPr lang="en-US" altLang="zh-CN" b="1" dirty="0"/>
+              <a:t>DDD</a:t>
+            </a:r>
+            <a:endParaRPr lang="zh-CN" altLang="en-US" b="1" dirty="0"/>
+          </a:p>
+        </p:txBody>
+      </p:sp>
+      <p:sp>
+        <p:nvSpPr>
+          <p:cNvPr id="9" name="文本框 8">
+            <a:extLst>
+              <a:ext uri="{FF2B5EF4-FFF2-40B4-BE49-F238E27FC236}">
+                <a16:creationId xmlns:a16="http://schemas.microsoft.com/office/drawing/2014/main" id="{540A60B3-93A5-7288-4BDF-50258236F659}"/>
+              </a:ext>
+            </a:extLst>
+          </p:cNvPr>
+          <p:cNvSpPr txBox="1"/>
+          <p:nvPr/>
+        </p:nvSpPr>
+        <p:spPr>
+          <a:xfrm>
+            <a:off x="838200" y="1583872"/>
+            <a:ext cx="10208079" cy="2062103"/>
+          </a:xfrm>
+          <a:prstGeom prst="rect">
+            <a:avLst/>
+          </a:prstGeom>
+          <a:noFill/>
+        </p:spPr>
+        <p:txBody>
+          <a:bodyPr wrap="square" rtlCol="0">
+            <a:spAutoFit/>
+          </a:bodyPr>
+          <a:lstStyle/>
+          <a:p>
+            <a:pPr marL="457200" indent="-457200">
+              <a:buFont typeface="Wingdings" panose="05000000000000000000" pitchFamily="2" charset="2"/>
+              <a:buChar char="Ø"/>
+            </a:pPr>
+            <a:r>
+              <a:rPr lang="zh-CN" altLang="en-US" sz="3200" dirty="0"/>
+              <a:t>聚合根，主题对象</a:t>
+            </a:r>
+            <a:endParaRPr lang="en-US" altLang="zh-CN" sz="3200" dirty="0"/>
+          </a:p>
+          <a:p>
+            <a:pPr marL="457200" indent="-457200">
+              <a:buFont typeface="Wingdings" panose="05000000000000000000" pitchFamily="2" charset="2"/>
+              <a:buChar char="Ø"/>
+            </a:pPr>
+            <a:r>
+              <a:rPr lang="en-US" altLang="zh-CN" sz="3200" dirty="0"/>
+              <a:t>Entity </a:t>
+            </a:r>
+            <a:r>
+              <a:rPr lang="zh-CN" altLang="en-US" sz="3200" dirty="0"/>
+              <a:t>：数据的聚合</a:t>
+            </a:r>
+            <a:endParaRPr lang="en-US" altLang="zh-CN" sz="3200" dirty="0"/>
+          </a:p>
+          <a:p>
+            <a:pPr marL="457200" indent="-457200">
+              <a:buFont typeface="Wingdings" panose="05000000000000000000" pitchFamily="2" charset="2"/>
+              <a:buChar char="Ø"/>
+            </a:pPr>
+            <a:r>
+              <a:rPr lang="en-US" altLang="zh-CN" sz="3200" dirty="0" err="1"/>
+              <a:t>BizObject</a:t>
+            </a:r>
+            <a:r>
+              <a:rPr lang="en-US" altLang="zh-CN" sz="3200" dirty="0"/>
+              <a:t>: </a:t>
+            </a:r>
+            <a:r>
+              <a:rPr lang="zh-CN" altLang="en-US" sz="3200" dirty="0"/>
+              <a:t>行为的聚合</a:t>
+            </a:r>
+            <a:endParaRPr lang="en-US" altLang="zh-CN" sz="3200" dirty="0"/>
+          </a:p>
+          <a:p>
+            <a:pPr marL="457200" indent="-457200">
+              <a:buFont typeface="Wingdings" panose="05000000000000000000" pitchFamily="2" charset="2"/>
+              <a:buChar char="Ø"/>
+            </a:pPr>
+            <a:r>
+              <a:rPr lang="en-US" altLang="zh-CN" sz="3200" dirty="0" err="1"/>
+              <a:t>GraphQL</a:t>
+            </a:r>
+            <a:r>
+              <a:rPr lang="en-US" altLang="zh-CN" sz="3200" dirty="0"/>
+              <a:t> </a:t>
+            </a:r>
+            <a:r>
+              <a:rPr lang="zh-CN" altLang="en-US" sz="3200" dirty="0"/>
+              <a:t>：对象的组合和选择</a:t>
+            </a:r>
+            <a:endParaRPr lang="en-US" altLang="zh-CN" sz="3200" dirty="0"/>
+          </a:p>
+        </p:txBody>
+      </p:sp>
+    </p:spTree>
+    <p:extLst>
+      <p:ext uri="{BB962C8B-B14F-4D97-AF65-F5344CB8AC3E}">
+        <p14:creationId xmlns:p14="http://schemas.microsoft.com/office/powerpoint/2010/main" val="3671654214"/>
+      </p:ext>
+    </p:extLst>
+  </p:cSld>
+  <p:clrMapOvr>
+    <a:masterClrMapping/>
+  </p:clrMapOvr>
+</p:sld>
+</file>
+
+<file path=ppt/slides/slide2.xml><?xml version="1.0" encoding="utf-8"?>
+<p:sld xmlns:a="http://schemas.openxmlformats.org/drawingml/2006/main" xmlns:r="http://schemas.openxmlformats.org/officeDocument/2006/relationships" xmlns:p="http://schemas.openxmlformats.org/presentationml/2006/main">
+  <p:cSld>
+    <p:spTree>
+      <p:nvGrpSpPr>
+        <p:cNvPr id="1" name="">
+          <a:extLst>
+            <a:ext uri="{FF2B5EF4-FFF2-40B4-BE49-F238E27FC236}">
+              <a16:creationId xmlns:a16="http://schemas.microsoft.com/office/drawing/2014/main" id="{1A998E85-E2B1-0FCD-2390-7072243D14DD}"/>
+            </a:ext>
+          </a:extLst>
+        </p:cNvPr>
+        <p:cNvGrpSpPr/>
+        <p:nvPr/>
+      </p:nvGrpSpPr>
+      <p:grpSpPr>
+        <a:xfrm>
+          <a:off x="0" y="0"/>
+          <a:ext cx="0" cy="0"/>
+          <a:chOff x="0" y="0"/>
+          <a:chExt cx="0" cy="0"/>
+        </a:xfrm>
+      </p:grpSpPr>
+      <p:sp>
+        <p:nvSpPr>
+          <p:cNvPr id="2" name="标题 1">
+            <a:extLst>
+              <a:ext uri="{FF2B5EF4-FFF2-40B4-BE49-F238E27FC236}">
+                <a16:creationId xmlns:a16="http://schemas.microsoft.com/office/drawing/2014/main" id="{AB5090CD-FA4A-E2F9-D349-ECCD44B0F282}"/>
+              </a:ext>
+            </a:extLst>
+          </p:cNvPr>
+          <p:cNvSpPr>
+            <a:spLocks noGrp="1"/>
+          </p:cNvSpPr>
+          <p:nvPr>
+            <p:ph type="title"/>
+          </p:nvPr>
+        </p:nvSpPr>
+        <p:spPr/>
+        <p:txBody>
+          <a:bodyPr/>
+          <a:lstStyle/>
+          <a:p>
+            <a:r>
+              <a:rPr lang="zh-CN" altLang="en-US" b="1" dirty="0"/>
+              <a:t>面向</a:t>
+            </a:r>
+            <a:r>
+              <a:rPr lang="en-US" altLang="zh-CN" b="1" dirty="0"/>
+              <a:t>DSL</a:t>
+            </a:r>
+            <a:r>
+              <a:rPr lang="zh-CN" altLang="en-US" b="1" dirty="0"/>
+              <a:t>的设计</a:t>
+            </a:r>
+          </a:p>
+        </p:txBody>
+      </p:sp>
       <p:pic>
         <p:nvPicPr>
-          <p:cNvPr id="3" name="图片 2">
-            <a:extLst>
-              <a:ext uri="{FF2B5EF4-FFF2-40B4-BE49-F238E27FC236}">
-                <a16:creationId xmlns:a16="http://schemas.microsoft.com/office/drawing/2014/main" id="{AC87EDDB-1E43-486E-03E5-6E6C0523EFB0}"/>
+          <p:cNvPr id="7" name="图片 6">
+            <a:extLst>
+              <a:ext uri="{FF2B5EF4-FFF2-40B4-BE49-F238E27FC236}">
+                <a16:creationId xmlns:a16="http://schemas.microsoft.com/office/drawing/2014/main" id="{ECC88CA4-4957-E35E-BC44-1EFEB8765903}"/>
               </a:ext>
             </a:extLst>
           </p:cNvPr>
@@ -3470,61 +3674,31 @@
           <p:nvPr/>
         </p:nvPicPr>
         <p:blipFill>
-          <a:blip r:embed="rId2"/>
+          <a:blip r:embed="rId2">
+            <a:extLst>
+              <a:ext uri="{28A0092B-C50C-407E-A947-70E740481C1C}">
+                <a14:useLocalDpi xmlns:a14="http://schemas.microsoft.com/office/drawing/2010/main" val="0"/>
+              </a:ext>
+            </a:extLst>
+          </a:blip>
           <a:stretch>
             <a:fillRect/>
           </a:stretch>
         </p:blipFill>
         <p:spPr>
           <a:xfrm>
-            <a:off x="1547130" y="506189"/>
-            <a:ext cx="8726076" cy="6328222"/>
+            <a:off x="1638134" y="1922689"/>
+            <a:ext cx="8915731" cy="3012622"/>
           </a:xfrm>
           <a:prstGeom prst="rect">
             <a:avLst/>
           </a:prstGeom>
         </p:spPr>
       </p:pic>
-      <p:sp>
-        <p:nvSpPr>
-          <p:cNvPr id="8" name="文本框 7">
-            <a:extLst>
-              <a:ext uri="{FF2B5EF4-FFF2-40B4-BE49-F238E27FC236}">
-                <a16:creationId xmlns:a16="http://schemas.microsoft.com/office/drawing/2014/main" id="{DFB1FE9B-8B28-28F7-2F2F-187EBC612C0D}"/>
-              </a:ext>
-            </a:extLst>
-          </p:cNvPr>
-          <p:cNvSpPr txBox="1"/>
-          <p:nvPr/>
-        </p:nvSpPr>
-        <p:spPr>
-          <a:xfrm>
-            <a:off x="204105" y="506189"/>
-            <a:ext cx="2669723" cy="579665"/>
-          </a:xfrm>
-          <a:prstGeom prst="rect">
-            <a:avLst/>
-          </a:prstGeom>
-          <a:noFill/>
-        </p:spPr>
-        <p:txBody>
-          <a:bodyPr wrap="square" rtlCol="0">
-            <a:spAutoFit/>
-          </a:bodyPr>
-          <a:lstStyle/>
-          <a:p>
-            <a:r>
-              <a:rPr lang="en-US" altLang="zh-CN" sz="3200" b="1" dirty="0" err="1"/>
-              <a:t>BizModel</a:t>
-            </a:r>
-            <a:endParaRPr lang="zh-CN" altLang="en-US" sz="3200" b="1" dirty="0"/>
-          </a:p>
-        </p:txBody>
-      </p:sp>
     </p:spTree>
     <p:extLst>
       <p:ext uri="{BB962C8B-B14F-4D97-AF65-F5344CB8AC3E}">
-        <p14:creationId xmlns:p14="http://schemas.microsoft.com/office/powerpoint/2010/main" val="881827011"/>
+        <p14:creationId xmlns:p14="http://schemas.microsoft.com/office/powerpoint/2010/main" val="813164614"/>
       </p:ext>
     </p:extLst>
   </p:cSld>
@@ -3751,7 +3925,13 @@
   <p:cSld>
     <p:spTree>
       <p:nvGrpSpPr>
-        <p:cNvPr id="1" name=""/>
+        <p:cNvPr id="1" name="">
+          <a:extLst>
+            <a:ext uri="{FF2B5EF4-FFF2-40B4-BE49-F238E27FC236}">
+              <a16:creationId xmlns:a16="http://schemas.microsoft.com/office/drawing/2014/main" id="{8F85055B-23FD-4C3E-43FD-6FD31D4E3E07}"/>
+            </a:ext>
+          </a:extLst>
+        </p:cNvPr>
         <p:cNvGrpSpPr/>
         <p:nvPr/>
       </p:nvGrpSpPr>
@@ -3768,7 +3948,7 @@
           <p:cNvPr id="2" name="标题 1">
             <a:extLst>
               <a:ext uri="{FF2B5EF4-FFF2-40B4-BE49-F238E27FC236}">
-                <a16:creationId xmlns:a16="http://schemas.microsoft.com/office/drawing/2014/main" id="{7B078A78-F1A6-B200-A327-496477BABCB1}"/>
+                <a16:creationId xmlns:a16="http://schemas.microsoft.com/office/drawing/2014/main" id="{E644D40E-3705-6462-6790-1D4C8E63FE38}"/>
               </a:ext>
             </a:extLst>
           </p:cNvPr>
@@ -3786,17 +3966,17 @@
           <a:p>
             <a:r>
               <a:rPr lang="zh-CN" altLang="en-US" b="1" dirty="0"/>
-              <a:t>通用的横纵变换</a:t>
-            </a:r>
-          </a:p>
-        </p:txBody>
-      </p:sp>
-      <p:sp>
-        <p:nvSpPr>
-          <p:cNvPr id="9" name="文本框 8">
-            <a:extLst>
-              <a:ext uri="{FF2B5EF4-FFF2-40B4-BE49-F238E27FC236}">
-                <a16:creationId xmlns:a16="http://schemas.microsoft.com/office/drawing/2014/main" id="{540A60B3-93A5-7288-4BDF-50258236F659}"/>
+              <a:t>一次表达，多次使用</a:t>
+            </a:r>
+          </a:p>
+        </p:txBody>
+      </p:sp>
+      <p:sp>
+        <p:nvSpPr>
+          <p:cNvPr id="3" name="文本框 2">
+            <a:extLst>
+              <a:ext uri="{FF2B5EF4-FFF2-40B4-BE49-F238E27FC236}">
+                <a16:creationId xmlns:a16="http://schemas.microsoft.com/office/drawing/2014/main" id="{65C8FC0A-153D-DDA4-6EFC-AAF8EC0E00F2}"/>
               </a:ext>
             </a:extLst>
           </p:cNvPr>
@@ -3805,8 +3985,8 @@
         </p:nvSpPr>
         <p:spPr>
           <a:xfrm>
-            <a:off x="1338943" y="3739244"/>
-            <a:ext cx="7413172" cy="584775"/>
+            <a:off x="1338944" y="1904481"/>
+            <a:ext cx="7739742" cy="584775"/>
           </a:xfrm>
           <a:prstGeom prst="rect">
             <a:avLst/>
@@ -3820,12 +4000,8 @@
           <a:lstStyle/>
           <a:p>
             <a:r>
-              <a:rPr lang="en-US" altLang="zh-CN" sz="3200" dirty="0"/>
-              <a:t>2. </a:t>
-            </a:r>
-            <a:r>
-              <a:rPr lang="zh-CN" altLang="en-US" sz="3200" dirty="0"/>
-              <a:t>通过别名隐藏属性路径</a:t>
+              <a:rPr lang="en-US" altLang="zh-CN" sz="3200" dirty="0" err="1"/>
+              <a:t>entity.relatedEntity.displayName</a:t>
             </a:r>
             <a:endParaRPr lang="en-US" altLang="zh-CN" sz="3200" dirty="0"/>
           </a:p>
@@ -3833,10 +4009,10 @@
       </p:sp>
       <p:sp>
         <p:nvSpPr>
-          <p:cNvPr id="3" name="文本框 2">
-            <a:extLst>
-              <a:ext uri="{FF2B5EF4-FFF2-40B4-BE49-F238E27FC236}">
-                <a16:creationId xmlns:a16="http://schemas.microsoft.com/office/drawing/2014/main" id="{A494B263-3F60-AD20-F673-BB98C8BC9B90}"/>
+          <p:cNvPr id="4" name="文本框 3">
+            <a:extLst>
+              <a:ext uri="{FF2B5EF4-FFF2-40B4-BE49-F238E27FC236}">
+                <a16:creationId xmlns:a16="http://schemas.microsoft.com/office/drawing/2014/main" id="{23694840-3E17-8C47-9CC6-CC3E7D9BC8B7}"/>
               </a:ext>
             </a:extLst>
           </p:cNvPr>
@@ -3845,8 +4021,8 @@
         </p:nvSpPr>
         <p:spPr>
           <a:xfrm>
-            <a:off x="1338943" y="1904481"/>
-            <a:ext cx="10303327" cy="584775"/>
+            <a:off x="1466852" y="2816159"/>
+            <a:ext cx="9620248" cy="584775"/>
           </a:xfrm>
           <a:prstGeom prst="rect">
             <a:avLst/>
@@ -3860,112 +4036,33 @@
           <a:lstStyle/>
           <a:p>
             <a:r>
+              <a:rPr lang="zh-CN" altLang="en-US" sz="3200" dirty="0"/>
+              <a:t>关联属性在</a:t>
+            </a:r>
+            <a:r>
               <a:rPr lang="en-US" altLang="zh-CN" sz="3200" dirty="0"/>
-              <a:t>1. </a:t>
+              <a:t>Java</a:t>
             </a:r>
             <a:r>
               <a:rPr lang="zh-CN" altLang="en-US" sz="3200" dirty="0"/>
-              <a:t>将属性访问语法扩展到一对多子表</a:t>
+              <a:t>和</a:t>
+            </a:r>
+            <a:r>
+              <a:rPr lang="en-US" altLang="zh-CN" sz="3200" dirty="0"/>
+              <a:t>EQL</a:t>
+            </a:r>
+            <a:r>
+              <a:rPr lang="zh-CN" altLang="en-US" sz="3200"/>
+              <a:t>层面的自动推理</a:t>
             </a:r>
             <a:endParaRPr lang="en-US" altLang="zh-CN" sz="3200" dirty="0"/>
-          </a:p>
-        </p:txBody>
-      </p:sp>
-      <p:sp>
-        <p:nvSpPr>
-          <p:cNvPr id="4" name="文本框 3">
-            <a:extLst>
-              <a:ext uri="{FF2B5EF4-FFF2-40B4-BE49-F238E27FC236}">
-                <a16:creationId xmlns:a16="http://schemas.microsoft.com/office/drawing/2014/main" id="{83348266-1580-CA90-F558-1275B72C088F}"/>
-              </a:ext>
-            </a:extLst>
-          </p:cNvPr>
-          <p:cNvSpPr txBox="1"/>
-          <p:nvPr/>
-        </p:nvSpPr>
-        <p:spPr>
-          <a:xfrm>
-            <a:off x="1232808" y="2710024"/>
-            <a:ext cx="10199912" cy="523220"/>
-          </a:xfrm>
-          <a:prstGeom prst="rect">
-            <a:avLst/>
-          </a:prstGeom>
-          <a:noFill/>
-        </p:spPr>
-        <p:txBody>
-          <a:bodyPr wrap="square" rtlCol="0">
-            <a:spAutoFit/>
-          </a:bodyPr>
-          <a:lstStyle/>
-          <a:p>
-            <a:r>
-              <a:rPr lang="en-US" altLang="zh-CN" sz="2800" dirty="0" err="1"/>
-              <a:t>entity.subList.a</a:t>
-            </a:r>
-            <a:r>
-              <a:rPr lang="en-US" altLang="zh-CN" sz="2800" dirty="0"/>
-              <a:t> == </a:t>
-            </a:r>
-            <a:r>
-              <a:rPr lang="en-US" altLang="zh-CN" sz="2800" dirty="0" err="1"/>
-              <a:t>entity.subList.find</a:t>
-            </a:r>
-            <a:r>
-              <a:rPr lang="en-US" altLang="zh-CN" sz="2800" dirty="0"/>
-              <a:t>(sub=&gt;sub.name==‘a’)</a:t>
-            </a:r>
-          </a:p>
-        </p:txBody>
-      </p:sp>
-      <p:sp>
-        <p:nvSpPr>
-          <p:cNvPr id="5" name="文本框 4">
-            <a:extLst>
-              <a:ext uri="{FF2B5EF4-FFF2-40B4-BE49-F238E27FC236}">
-                <a16:creationId xmlns:a16="http://schemas.microsoft.com/office/drawing/2014/main" id="{36CB2863-D4E8-FF10-B471-3C8E52237EEB}"/>
-              </a:ext>
-            </a:extLst>
-          </p:cNvPr>
-          <p:cNvSpPr txBox="1"/>
-          <p:nvPr/>
-        </p:nvSpPr>
-        <p:spPr>
-          <a:xfrm>
-            <a:off x="1714500" y="4610100"/>
-            <a:ext cx="5078187" cy="523220"/>
-          </a:xfrm>
-          <a:prstGeom prst="rect">
-            <a:avLst/>
-          </a:prstGeom>
-          <a:noFill/>
-        </p:spPr>
-        <p:txBody>
-          <a:bodyPr wrap="square" rtlCol="0">
-            <a:spAutoFit/>
-          </a:bodyPr>
-          <a:lstStyle/>
-          <a:p>
-            <a:r>
-              <a:rPr lang="en-US" altLang="zh-CN" sz="2800" dirty="0" err="1"/>
-              <a:t>entity.ext_a</a:t>
-            </a:r>
-            <a:r>
-              <a:rPr lang="en-US" altLang="zh-CN" sz="2800" dirty="0"/>
-              <a:t> = </a:t>
-            </a:r>
-            <a:r>
-              <a:rPr lang="en-US" altLang="zh-CN" sz="2800" dirty="0" err="1"/>
-              <a:t>entity.subList.a</a:t>
-            </a:r>
-            <a:endParaRPr lang="en-US" altLang="zh-CN" sz="2800" dirty="0"/>
           </a:p>
         </p:txBody>
       </p:sp>
     </p:spTree>
     <p:extLst>
       <p:ext uri="{BB962C8B-B14F-4D97-AF65-F5344CB8AC3E}">
-        <p14:creationId xmlns:p14="http://schemas.microsoft.com/office/powerpoint/2010/main" val="2737684326"/>
+        <p14:creationId xmlns:p14="http://schemas.microsoft.com/office/powerpoint/2010/main" val="1866375095"/>
       </p:ext>
     </p:extLst>
   </p:cSld>
@@ -4015,25 +4112,17 @@
           <a:p>
             <a:r>
               <a:rPr lang="zh-CN" altLang="en-US" b="1" dirty="0"/>
-              <a:t>纵表的</a:t>
-            </a:r>
-            <a:r>
-              <a:rPr lang="en-US" altLang="zh-CN" b="1" dirty="0"/>
-              <a:t>SQL</a:t>
-            </a:r>
-            <a:r>
-              <a:rPr lang="zh-CN" altLang="en-US" b="1" dirty="0"/>
-              <a:t>转换</a:t>
-            </a:r>
-          </a:p>
-        </p:txBody>
-      </p:sp>
-      <p:sp>
-        <p:nvSpPr>
-          <p:cNvPr id="3" name="文本框 2">
-            <a:extLst>
-              <a:ext uri="{FF2B5EF4-FFF2-40B4-BE49-F238E27FC236}">
-                <a16:creationId xmlns:a16="http://schemas.microsoft.com/office/drawing/2014/main" id="{A494B263-3F60-AD20-F673-BB98C8BC9B90}"/>
+              <a:t>通用的横纵变换</a:t>
+            </a:r>
+          </a:p>
+        </p:txBody>
+      </p:sp>
+      <p:sp>
+        <p:nvSpPr>
+          <p:cNvPr id="9" name="文本框 8">
+            <a:extLst>
+              <a:ext uri="{FF2B5EF4-FFF2-40B4-BE49-F238E27FC236}">
+                <a16:creationId xmlns:a16="http://schemas.microsoft.com/office/drawing/2014/main" id="{540A60B3-93A5-7288-4BDF-50258236F659}"/>
               </a:ext>
             </a:extLst>
           </p:cNvPr>
@@ -4042,8 +4131,8 @@
         </p:nvSpPr>
         <p:spPr>
           <a:xfrm>
-            <a:off x="1338943" y="1765688"/>
-            <a:ext cx="10303327" cy="1384995"/>
+            <a:off x="1338943" y="3739244"/>
+            <a:ext cx="7413172" cy="584775"/>
           </a:xfrm>
           <a:prstGeom prst="rect">
             <a:avLst/>
@@ -4057,46 +4146,23 @@
           <a:lstStyle/>
           <a:p>
             <a:r>
-              <a:rPr lang="en-US" altLang="zh-CN" sz="2800" dirty="0"/>
-              <a:t>Select * from </a:t>
-            </a:r>
-            <a:r>
-              <a:rPr lang="en-US" altLang="zh-CN" sz="2800" dirty="0" err="1"/>
-              <a:t>MyEntity</a:t>
-            </a:r>
-            <a:r>
-              <a:rPr lang="en-US" altLang="zh-CN" sz="2800" dirty="0"/>
-              <a:t> o </a:t>
-            </a:r>
-          </a:p>
-          <a:p>
-            <a:r>
-              <a:rPr lang="en-US" altLang="zh-CN" sz="2800" dirty="0"/>
-              <a:t>where </a:t>
-            </a:r>
-            <a:r>
-              <a:rPr lang="en-US" altLang="zh-CN" sz="2800" dirty="0" err="1"/>
-              <a:t>substr</a:t>
-            </a:r>
-            <a:r>
-              <a:rPr lang="en-US" altLang="zh-CN" sz="2800" dirty="0"/>
-              <a:t>(o.extFields.a.string,1) = ‘1’</a:t>
-            </a:r>
-          </a:p>
-          <a:p>
-            <a:r>
-              <a:rPr lang="en-US" altLang="zh-CN" sz="2800" dirty="0"/>
-              <a:t>order by o.extFields.b.int</a:t>
-            </a:r>
-          </a:p>
-        </p:txBody>
-      </p:sp>
-      <p:sp>
-        <p:nvSpPr>
-          <p:cNvPr id="4" name="文本框 3">
-            <a:extLst>
-              <a:ext uri="{FF2B5EF4-FFF2-40B4-BE49-F238E27FC236}">
-                <a16:creationId xmlns:a16="http://schemas.microsoft.com/office/drawing/2014/main" id="{83348266-1580-CA90-F558-1275B72C088F}"/>
+              <a:rPr lang="en-US" altLang="zh-CN" sz="3200" dirty="0"/>
+              <a:t>2. </a:t>
+            </a:r>
+            <a:r>
+              <a:rPr lang="zh-CN" altLang="en-US" sz="3200" dirty="0"/>
+              <a:t>通过别名隐藏属性路径</a:t>
+            </a:r>
+            <a:endParaRPr lang="en-US" altLang="zh-CN" sz="3200" dirty="0"/>
+          </a:p>
+        </p:txBody>
+      </p:sp>
+      <p:sp>
+        <p:nvSpPr>
+          <p:cNvPr id="3" name="文本框 2">
+            <a:extLst>
+              <a:ext uri="{FF2B5EF4-FFF2-40B4-BE49-F238E27FC236}">
+                <a16:creationId xmlns:a16="http://schemas.microsoft.com/office/drawing/2014/main" id="{A494B263-3F60-AD20-F673-BB98C8BC9B90}"/>
               </a:ext>
             </a:extLst>
           </p:cNvPr>
@@ -4105,8 +4171,8 @@
         </p:nvSpPr>
         <p:spPr>
           <a:xfrm>
-            <a:off x="1338943" y="3567274"/>
-            <a:ext cx="10199912" cy="3108543"/>
+            <a:off x="1338943" y="1904481"/>
+            <a:ext cx="10303327" cy="584775"/>
           </a:xfrm>
           <a:prstGeom prst="rect">
             <a:avLst/>
@@ -4120,100 +4186,112 @@
           <a:lstStyle/>
           <a:p>
             <a:r>
+              <a:rPr lang="en-US" altLang="zh-CN" sz="3200" dirty="0"/>
+              <a:t>1. </a:t>
+            </a:r>
+            <a:r>
+              <a:rPr lang="zh-CN" altLang="en-US" sz="3200" dirty="0"/>
+              <a:t>将属性访问语法扩展到一对多子表</a:t>
+            </a:r>
+            <a:endParaRPr lang="en-US" altLang="zh-CN" sz="3200" dirty="0"/>
+          </a:p>
+        </p:txBody>
+      </p:sp>
+      <p:sp>
+        <p:nvSpPr>
+          <p:cNvPr id="4" name="文本框 3">
+            <a:extLst>
+              <a:ext uri="{FF2B5EF4-FFF2-40B4-BE49-F238E27FC236}">
+                <a16:creationId xmlns:a16="http://schemas.microsoft.com/office/drawing/2014/main" id="{83348266-1580-CA90-F558-1275B72C088F}"/>
+              </a:ext>
+            </a:extLst>
+          </p:cNvPr>
+          <p:cNvSpPr txBox="1"/>
+          <p:nvPr/>
+        </p:nvSpPr>
+        <p:spPr>
+          <a:xfrm>
+            <a:off x="1232808" y="2710024"/>
+            <a:ext cx="10199912" cy="523220"/>
+          </a:xfrm>
+          <a:prstGeom prst="rect">
+            <a:avLst/>
+          </a:prstGeom>
+          <a:noFill/>
+        </p:spPr>
+        <p:txBody>
+          <a:bodyPr wrap="square" rtlCol="0">
+            <a:spAutoFit/>
+          </a:bodyPr>
+          <a:lstStyle/>
+          <a:p>
+            <a:r>
+              <a:rPr lang="en-US" altLang="zh-CN" sz="2800" dirty="0" err="1"/>
+              <a:t>entity.subList.a</a:t>
+            </a:r>
+            <a:r>
               <a:rPr lang="en-US" altLang="zh-CN" sz="2800" dirty="0"/>
-              <a:t>Select * from </a:t>
+              <a:t> == </a:t>
             </a:r>
             <a:r>
               <a:rPr lang="en-US" altLang="zh-CN" sz="2800" dirty="0" err="1"/>
-              <a:t>MyEntity</a:t>
+              <a:t>entity.subList.find</a:t>
             </a:r>
             <a:r>
               <a:rPr lang="en-US" altLang="zh-CN" sz="2800" dirty="0"/>
-              <a:t> o </a:t>
-            </a:r>
-          </a:p>
-          <a:p>
+              <a:t>(sub=&gt;sub.name==‘a’)</a:t>
+            </a:r>
+          </a:p>
+        </p:txBody>
+      </p:sp>
+      <p:sp>
+        <p:nvSpPr>
+          <p:cNvPr id="5" name="文本框 4">
+            <a:extLst>
+              <a:ext uri="{FF2B5EF4-FFF2-40B4-BE49-F238E27FC236}">
+                <a16:creationId xmlns:a16="http://schemas.microsoft.com/office/drawing/2014/main" id="{36CB2863-D4E8-FF10-B471-3C8E52237EEB}"/>
+              </a:ext>
+            </a:extLst>
+          </p:cNvPr>
+          <p:cNvSpPr txBox="1"/>
+          <p:nvPr/>
+        </p:nvSpPr>
+        <p:spPr>
+          <a:xfrm>
+            <a:off x="1714500" y="4610100"/>
+            <a:ext cx="5078187" cy="523220"/>
+          </a:xfrm>
+          <a:prstGeom prst="rect">
+            <a:avLst/>
+          </a:prstGeom>
+          <a:noFill/>
+        </p:spPr>
+        <p:txBody>
+          <a:bodyPr wrap="square" rtlCol="0">
+            <a:spAutoFit/>
+          </a:bodyPr>
+          <a:lstStyle/>
+          <a:p>
+            <a:r>
+              <a:rPr lang="en-US" altLang="zh-CN" sz="2800" dirty="0" err="1"/>
+              <a:t>entity.ext_a</a:t>
+            </a:r>
             <a:r>
               <a:rPr lang="en-US" altLang="zh-CN" sz="2800" dirty="0"/>
-              <a:t>join </a:t>
+              <a:t> = </a:t>
             </a:r>
             <a:r>
               <a:rPr lang="en-US" altLang="zh-CN" sz="2800" dirty="0" err="1"/>
-              <a:t>ExtFields</a:t>
-            </a:r>
-            <a:r>
-              <a:rPr lang="en-US" altLang="zh-CN" sz="2800" dirty="0"/>
-              <a:t> e1 on e1.entityName = ‘</a:t>
-            </a:r>
-            <a:r>
-              <a:rPr lang="en-US" altLang="zh-CN" sz="2800" dirty="0" err="1"/>
-              <a:t>MyEntity</a:t>
-            </a:r>
-            <a:r>
-              <a:rPr lang="en-US" altLang="zh-CN" sz="2800" dirty="0"/>
-              <a:t>’ </a:t>
-            </a:r>
-          </a:p>
-          <a:p>
-            <a:r>
-              <a:rPr lang="en-US" altLang="zh-CN" sz="2800" dirty="0"/>
-              <a:t>        and e1.fieldName = ‘a’</a:t>
-            </a:r>
-          </a:p>
-          <a:p>
-            <a:r>
-              <a:rPr lang="en-US" altLang="zh-CN" sz="2800" dirty="0"/>
-              <a:t>left Join </a:t>
-            </a:r>
-            <a:r>
-              <a:rPr lang="en-US" altLang="zh-CN" sz="2800" dirty="0" err="1"/>
-              <a:t>ExtFIelds</a:t>
-            </a:r>
-            <a:r>
-              <a:rPr lang="en-US" altLang="zh-CN" sz="2800" dirty="0"/>
-              <a:t> e2 on e2.entityName = ‘</a:t>
-            </a:r>
-            <a:r>
-              <a:rPr lang="en-US" altLang="zh-CN" sz="2800" dirty="0" err="1"/>
-              <a:t>MyEntity</a:t>
-            </a:r>
-            <a:r>
-              <a:rPr lang="en-US" altLang="zh-CN" sz="2800" dirty="0"/>
-              <a:t>’</a:t>
-            </a:r>
-          </a:p>
-          <a:p>
-            <a:r>
-              <a:rPr lang="en-US" altLang="zh-CN" sz="2800" dirty="0"/>
-              <a:t>        and e2.fieldName = ‘b’</a:t>
-            </a:r>
-          </a:p>
-          <a:p>
-            <a:r>
-              <a:rPr lang="en-US" altLang="zh-CN" sz="2800" dirty="0"/>
-              <a:t>Where </a:t>
-            </a:r>
-            <a:r>
-              <a:rPr lang="en-US" altLang="zh-CN" sz="2800" dirty="0" err="1"/>
-              <a:t>substr</a:t>
-            </a:r>
-            <a:r>
-              <a:rPr lang="en-US" altLang="zh-CN" sz="2800" dirty="0"/>
-              <a:t>(e1.stringValue,1) = ‘1’</a:t>
-            </a:r>
-          </a:p>
-          <a:p>
-            <a:r>
-              <a:rPr lang="en-US" altLang="zh-CN" sz="2800" dirty="0"/>
-              <a:t>Order by e2.intValue </a:t>
-            </a:r>
+              <a:t>entity.subList.a</a:t>
+            </a:r>
+            <a:endParaRPr lang="en-US" altLang="zh-CN" sz="2800" dirty="0"/>
           </a:p>
         </p:txBody>
       </p:sp>
     </p:spTree>
     <p:extLst>
       <p:ext uri="{BB962C8B-B14F-4D97-AF65-F5344CB8AC3E}">
-        <p14:creationId xmlns:p14="http://schemas.microsoft.com/office/powerpoint/2010/main" val="2186576242"/>
+        <p14:creationId xmlns:p14="http://schemas.microsoft.com/office/powerpoint/2010/main" val="2737684326"/>
       </p:ext>
     </p:extLst>
   </p:cSld>
@@ -4328,19 +4406,14 @@
             </a:r>
             <a:r>
               <a:rPr lang="en-US" altLang="zh-CN" sz="2800" dirty="0"/>
-              <a:t>(o.extFields.a,1) = ‘1’</a:t>
+              <a:t>(o.extFields.a.string,1) = ‘1’</a:t>
             </a:r>
           </a:p>
           <a:p>
             <a:r>
               <a:rPr lang="en-US" altLang="zh-CN" sz="2800" dirty="0"/>
-              <a:t>order by </a:t>
-            </a:r>
-            <a:r>
-              <a:rPr lang="en-US" altLang="zh-CN" sz="2800" dirty="0" err="1"/>
-              <a:t>o.extFields.b</a:t>
-            </a:r>
-            <a:endParaRPr lang="en-US" altLang="zh-CN" sz="2800" dirty="0"/>
+              <a:t>order by o.extFields.b.int</a:t>
+            </a:r>
           </a:p>
         </p:txBody>
       </p:sp>
@@ -4416,7 +4489,7 @@
           <a:p>
             <a:r>
               <a:rPr lang="en-US" altLang="zh-CN" sz="2800" dirty="0"/>
-              <a:t>Left Join </a:t>
+              <a:t>left Join </a:t>
             </a:r>
             <a:r>
               <a:rPr lang="en-US" altLang="zh-CN" sz="2800" dirty="0" err="1"/>
@@ -4452,13 +4525,13 @@
             </a:r>
             <a:r>
               <a:rPr lang="en-US" altLang="zh-CN" sz="2800" dirty="0"/>
-              <a:t>(e1.value,1) = ‘1’</a:t>
+              <a:t>(e1.stringValue,1) = ‘1’</a:t>
             </a:r>
           </a:p>
           <a:p>
             <a:r>
               <a:rPr lang="en-US" altLang="zh-CN" sz="2800" dirty="0"/>
-              <a:t>Order by e2.value </a:t>
+              <a:t>Order by e2.intValue </a:t>
             </a:r>
           </a:p>
         </p:txBody>
@@ -4466,7 +4539,7 @@
     </p:spTree>
     <p:extLst>
       <p:ext uri="{BB962C8B-B14F-4D97-AF65-F5344CB8AC3E}">
-        <p14:creationId xmlns:p14="http://schemas.microsoft.com/office/powerpoint/2010/main" val="2317064406"/>
+        <p14:creationId xmlns:p14="http://schemas.microsoft.com/office/powerpoint/2010/main" val="2186576242"/>
       </p:ext>
     </p:extLst>
   </p:cSld>
@@ -4515,23 +4588,26 @@
           <a:lstStyle/>
           <a:p>
             <a:r>
+              <a:rPr lang="zh-CN" altLang="en-US" b="1" dirty="0"/>
+              <a:t>纵表的</a:t>
+            </a:r>
+            <a:r>
               <a:rPr lang="en-US" altLang="zh-CN" b="1" dirty="0"/>
-              <a:t>N+1</a:t>
-            </a:r>
-            <a:r>
-              <a:rPr lang="zh-CN" altLang="en-US" b="1"/>
-              <a:t>问题</a:t>
-            </a:r>
-            <a:endParaRPr lang="zh-CN" altLang="en-US" b="1" dirty="0"/>
-          </a:p>
-        </p:txBody>
-      </p:sp>
-      <p:sp>
-        <p:nvSpPr>
-          <p:cNvPr id="9" name="文本框 8">
-            <a:extLst>
-              <a:ext uri="{FF2B5EF4-FFF2-40B4-BE49-F238E27FC236}">
-                <a16:creationId xmlns:a16="http://schemas.microsoft.com/office/drawing/2014/main" id="{540A60B3-93A5-7288-4BDF-50258236F659}"/>
+              <a:t>SQL</a:t>
+            </a:r>
+            <a:r>
+              <a:rPr lang="zh-CN" altLang="en-US" b="1" dirty="0"/>
+              <a:t>转换</a:t>
+            </a:r>
+          </a:p>
+        </p:txBody>
+      </p:sp>
+      <p:sp>
+        <p:nvSpPr>
+          <p:cNvPr id="3" name="文本框 2">
+            <a:extLst>
+              <a:ext uri="{FF2B5EF4-FFF2-40B4-BE49-F238E27FC236}">
+                <a16:creationId xmlns:a16="http://schemas.microsoft.com/office/drawing/2014/main" id="{A494B263-3F60-AD20-F673-BB98C8BC9B90}"/>
               </a:ext>
             </a:extLst>
           </p:cNvPr>
@@ -4540,8 +4616,8 @@
         </p:nvSpPr>
         <p:spPr>
           <a:xfrm>
-            <a:off x="838200" y="1583872"/>
-            <a:ext cx="10208079" cy="2062103"/>
+            <a:off x="1338943" y="1765688"/>
+            <a:ext cx="10303327" cy="1384995"/>
           </a:xfrm>
           <a:prstGeom prst="rect">
             <a:avLst/>
@@ -4554,75 +4630,169 @@
           </a:bodyPr>
           <a:lstStyle/>
           <a:p>
-            <a:pPr marL="457200" indent="-457200">
-              <a:buFont typeface="Wingdings" panose="05000000000000000000" pitchFamily="2" charset="2"/>
-              <a:buChar char="Ø"/>
-            </a:pPr>
-            <a:r>
-              <a:rPr lang="zh-CN" altLang="en-US" sz="3200" dirty="0"/>
-              <a:t>聚合根，主题对象</a:t>
-            </a:r>
-            <a:endParaRPr lang="en-US" altLang="zh-CN" sz="3200" dirty="0"/>
-          </a:p>
-          <a:p>
-            <a:pPr marL="457200" indent="-457200">
-              <a:buFont typeface="Wingdings" panose="05000000000000000000" pitchFamily="2" charset="2"/>
-              <a:buChar char="Ø"/>
-            </a:pPr>
-            <a:r>
-              <a:rPr lang="en-US" altLang="zh-CN" sz="3200" dirty="0"/>
-              <a:t>Entity </a:t>
-            </a:r>
-            <a:r>
-              <a:rPr lang="zh-CN" altLang="en-US" sz="3200" dirty="0"/>
-              <a:t>：数据的聚合</a:t>
-            </a:r>
-            <a:endParaRPr lang="en-US" altLang="zh-CN" sz="3200" dirty="0"/>
-          </a:p>
-          <a:p>
-            <a:pPr marL="457200" indent="-457200">
-              <a:buFont typeface="Wingdings" panose="05000000000000000000" pitchFamily="2" charset="2"/>
-              <a:buChar char="Ø"/>
-            </a:pPr>
-            <a:r>
-              <a:rPr lang="en-US" altLang="zh-CN" sz="3200" dirty="0" err="1"/>
-              <a:t>BizObject</a:t>
-            </a:r>
-            <a:r>
-              <a:rPr lang="en-US" altLang="zh-CN" sz="3200" dirty="0"/>
-              <a:t>: </a:t>
-            </a:r>
-            <a:r>
-              <a:rPr lang="zh-CN" altLang="en-US" sz="3200" dirty="0"/>
-              <a:t>行为的聚合</a:t>
-            </a:r>
-            <a:endParaRPr lang="en-US" altLang="zh-CN" sz="3200" dirty="0"/>
-          </a:p>
-          <a:p>
-            <a:pPr marL="457200" indent="-457200">
-              <a:buFont typeface="Wingdings" panose="05000000000000000000" pitchFamily="2" charset="2"/>
-              <a:buChar char="Ø"/>
-            </a:pPr>
-            <a:r>
-              <a:rPr lang="en-US" altLang="zh-CN" sz="3200" dirty="0" err="1"/>
-              <a:t>GraphQL</a:t>
-            </a:r>
-            <a:r>
-              <a:rPr lang="en-US" altLang="zh-CN" sz="3200" dirty="0"/>
-              <a:t> </a:t>
-            </a:r>
-            <a:r>
-              <a:rPr lang="zh-CN" altLang="en-US" sz="3200" dirty="0"/>
-              <a:t>：对象的组合和选择</a:t>
-            </a:r>
-            <a:endParaRPr lang="en-US" altLang="zh-CN" sz="3200" dirty="0"/>
+            <a:r>
+              <a:rPr lang="en-US" altLang="zh-CN" sz="2800" dirty="0"/>
+              <a:t>Select * from </a:t>
+            </a:r>
+            <a:r>
+              <a:rPr lang="en-US" altLang="zh-CN" sz="2800" dirty="0" err="1"/>
+              <a:t>MyEntity</a:t>
+            </a:r>
+            <a:r>
+              <a:rPr lang="en-US" altLang="zh-CN" sz="2800" dirty="0"/>
+              <a:t> o </a:t>
+            </a:r>
+          </a:p>
+          <a:p>
+            <a:r>
+              <a:rPr lang="en-US" altLang="zh-CN" sz="2800" dirty="0"/>
+              <a:t>where </a:t>
+            </a:r>
+            <a:r>
+              <a:rPr lang="en-US" altLang="zh-CN" sz="2800" dirty="0" err="1"/>
+              <a:t>substr</a:t>
+            </a:r>
+            <a:r>
+              <a:rPr lang="en-US" altLang="zh-CN" sz="2800" dirty="0"/>
+              <a:t>(o.extFields.a,1) = ‘1’</a:t>
+            </a:r>
+          </a:p>
+          <a:p>
+            <a:r>
+              <a:rPr lang="en-US" altLang="zh-CN" sz="2800" dirty="0"/>
+              <a:t>order by </a:t>
+            </a:r>
+            <a:r>
+              <a:rPr lang="en-US" altLang="zh-CN" sz="2800" dirty="0" err="1"/>
+              <a:t>o.extFields.b</a:t>
+            </a:r>
+            <a:endParaRPr lang="en-US" altLang="zh-CN" sz="2800" dirty="0"/>
+          </a:p>
+        </p:txBody>
+      </p:sp>
+      <p:sp>
+        <p:nvSpPr>
+          <p:cNvPr id="4" name="文本框 3">
+            <a:extLst>
+              <a:ext uri="{FF2B5EF4-FFF2-40B4-BE49-F238E27FC236}">
+                <a16:creationId xmlns:a16="http://schemas.microsoft.com/office/drawing/2014/main" id="{83348266-1580-CA90-F558-1275B72C088F}"/>
+              </a:ext>
+            </a:extLst>
+          </p:cNvPr>
+          <p:cNvSpPr txBox="1"/>
+          <p:nvPr/>
+        </p:nvSpPr>
+        <p:spPr>
+          <a:xfrm>
+            <a:off x="1338943" y="3567274"/>
+            <a:ext cx="10199912" cy="3108543"/>
+          </a:xfrm>
+          <a:prstGeom prst="rect">
+            <a:avLst/>
+          </a:prstGeom>
+          <a:noFill/>
+        </p:spPr>
+        <p:txBody>
+          <a:bodyPr wrap="square" rtlCol="0">
+            <a:spAutoFit/>
+          </a:bodyPr>
+          <a:lstStyle/>
+          <a:p>
+            <a:r>
+              <a:rPr lang="en-US" altLang="zh-CN" sz="2800" dirty="0"/>
+              <a:t>Select * from </a:t>
+            </a:r>
+            <a:r>
+              <a:rPr lang="en-US" altLang="zh-CN" sz="2800" dirty="0" err="1"/>
+              <a:t>MyEntity</a:t>
+            </a:r>
+            <a:r>
+              <a:rPr lang="en-US" altLang="zh-CN" sz="2800" dirty="0"/>
+              <a:t> o </a:t>
+            </a:r>
+          </a:p>
+          <a:p>
+            <a:r>
+              <a:rPr lang="en-US" altLang="zh-CN" sz="2800" dirty="0"/>
+              <a:t>join </a:t>
+            </a:r>
+            <a:r>
+              <a:rPr lang="en-US" altLang="zh-CN" sz="2800" dirty="0" err="1"/>
+              <a:t>ExtFields</a:t>
+            </a:r>
+            <a:r>
+              <a:rPr lang="en-US" altLang="zh-CN" sz="2800" dirty="0"/>
+              <a:t> e1 on e1.entityName = ‘</a:t>
+            </a:r>
+            <a:r>
+              <a:rPr lang="en-US" altLang="zh-CN" sz="2800" dirty="0" err="1"/>
+              <a:t>MyEntity</a:t>
+            </a:r>
+            <a:r>
+              <a:rPr lang="en-US" altLang="zh-CN" sz="2800" dirty="0"/>
+              <a:t>’ </a:t>
+            </a:r>
+          </a:p>
+          <a:p>
+            <a:r>
+              <a:rPr lang="en-US" altLang="zh-CN" sz="2800" dirty="0"/>
+              <a:t>        and e1.fieldName = ‘a’</a:t>
+            </a:r>
+          </a:p>
+          <a:p>
+            <a:r>
+              <a:rPr lang="en-US" altLang="zh-CN" sz="2800" dirty="0"/>
+              <a:t>Left Join </a:t>
+            </a:r>
+            <a:r>
+              <a:rPr lang="en-US" altLang="zh-CN" sz="2800" dirty="0" err="1"/>
+              <a:t>ExtFIelds</a:t>
+            </a:r>
+            <a:r>
+              <a:rPr lang="en-US" altLang="zh-CN" sz="2800" dirty="0"/>
+              <a:t> e2 on e2.entityName = ‘</a:t>
+            </a:r>
+            <a:r>
+              <a:rPr lang="en-US" altLang="zh-CN" sz="2800" dirty="0" err="1"/>
+              <a:t>MyEntity</a:t>
+            </a:r>
+            <a:r>
+              <a:rPr lang="en-US" altLang="zh-CN" sz="2800" dirty="0"/>
+              <a:t>’</a:t>
+            </a:r>
+          </a:p>
+          <a:p>
+            <a:r>
+              <a:rPr lang="en-US" altLang="zh-CN" sz="2800" dirty="0"/>
+              <a:t>        and e2.fieldName = ‘b’</a:t>
+            </a:r>
+          </a:p>
+          <a:p>
+            <a:r>
+              <a:rPr lang="en-US" altLang="zh-CN" sz="2800" dirty="0"/>
+              <a:t>Where </a:t>
+            </a:r>
+            <a:r>
+              <a:rPr lang="en-US" altLang="zh-CN" sz="2800" dirty="0" err="1"/>
+              <a:t>substr</a:t>
+            </a:r>
+            <a:r>
+              <a:rPr lang="en-US" altLang="zh-CN" sz="2800" dirty="0"/>
+              <a:t>(e1.value,1) = ‘1’</a:t>
+            </a:r>
+          </a:p>
+          <a:p>
+            <a:r>
+              <a:rPr lang="en-US" altLang="zh-CN" sz="2800" dirty="0"/>
+              <a:t>Order by e2.value </a:t>
+            </a:r>
           </a:p>
         </p:txBody>
       </p:sp>
     </p:spTree>
     <p:extLst>
       <p:ext uri="{BB962C8B-B14F-4D97-AF65-F5344CB8AC3E}">
-        <p14:creationId xmlns:p14="http://schemas.microsoft.com/office/powerpoint/2010/main" val="95777387"/>
+        <p14:creationId xmlns:p14="http://schemas.microsoft.com/office/powerpoint/2010/main" val="2317064406"/>
       </p:ext>
     </p:extLst>
   </p:cSld>
@@ -4671,27 +4841,1017 @@
           <a:lstStyle/>
           <a:p>
             <a:r>
-              <a:rPr lang="en-US" altLang="zh-CN" b="1" dirty="0" err="1"/>
-              <a:t>Nop</a:t>
+              <a:rPr lang="en-US" altLang="zh-CN" b="1" dirty="0"/>
+              <a:t>N+1</a:t>
             </a:r>
             <a:r>
               <a:rPr lang="zh-CN" altLang="en-US" b="1" dirty="0"/>
-              <a:t>平台中的</a:t>
-            </a:r>
-            <a:r>
-              <a:rPr lang="en-US" altLang="zh-CN" b="1" dirty="0"/>
-              <a:t>DDD</a:t>
-            </a:r>
-            <a:endParaRPr lang="zh-CN" altLang="en-US" b="1" dirty="0"/>
-          </a:p>
-        </p:txBody>
-      </p:sp>
-      <p:sp>
-        <p:nvSpPr>
-          <p:cNvPr id="9" name="文本框 8">
-            <a:extLst>
-              <a:ext uri="{FF2B5EF4-FFF2-40B4-BE49-F238E27FC236}">
-                <a16:creationId xmlns:a16="http://schemas.microsoft.com/office/drawing/2014/main" id="{540A60B3-93A5-7288-4BDF-50258236F659}"/>
+              <a:t>问题的解决</a:t>
+            </a:r>
+          </a:p>
+        </p:txBody>
+      </p:sp>
+      <p:sp>
+        <p:nvSpPr>
+          <p:cNvPr id="4" name="Rectangle 2">
+            <a:extLst>
+              <a:ext uri="{FF2B5EF4-FFF2-40B4-BE49-F238E27FC236}">
+                <a16:creationId xmlns:a16="http://schemas.microsoft.com/office/drawing/2014/main" id="{90A53CA6-6DFF-4725-2DD5-6EE81603D6CF}"/>
+              </a:ext>
+            </a:extLst>
+          </p:cNvPr>
+          <p:cNvSpPr>
+            <a:spLocks noChangeArrowheads="1"/>
+          </p:cNvSpPr>
+          <p:nvPr/>
+        </p:nvSpPr>
+        <p:spPr bwMode="auto">
+          <a:xfrm>
+            <a:off x="1036258" y="1887579"/>
+            <a:ext cx="10317542" cy="3785652"/>
+          </a:xfrm>
+          <a:prstGeom prst="rect">
+            <a:avLst/>
+          </a:prstGeom>
+          <a:noFill/>
+          <a:ln>
+            <a:noFill/>
+          </a:ln>
+          <a:effectLst/>
+          <a:extLst>
+            <a:ext uri="{909E8E84-426E-40DD-AFC4-6F175D3DCCD1}">
+              <a14:hiddenFill xmlns:a14="http://schemas.microsoft.com/office/drawing/2010/main">
+                <a:solidFill>
+                  <a:schemeClr val="accent1"/>
+                </a:solidFill>
+              </a14:hiddenFill>
+            </a:ext>
+            <a:ext uri="{91240B29-F687-4F45-9708-019B960494DF}">
+              <a14:hiddenLine xmlns:a14="http://schemas.microsoft.com/office/drawing/2010/main" w="9525">
+                <a:solidFill>
+                  <a:schemeClr val="tx1"/>
+                </a:solidFill>
+                <a:miter lim="800000"/>
+                <a:headEnd/>
+                <a:tailEnd/>
+              </a14:hiddenLine>
+            </a:ext>
+            <a:ext uri="{AF507438-7753-43E0-B8FC-AC1667EBCBE1}">
+              <a14:hiddenEffects xmlns:a14="http://schemas.microsoft.com/office/drawing/2010/main">
+                <a:effectLst>
+                  <a:outerShdw dist="35921" dir="2700000" algn="ctr" rotWithShape="0">
+                    <a:schemeClr val="bg2"/>
+                  </a:outerShdw>
+                </a:effectLst>
+              </a14:hiddenEffects>
+            </a:ext>
+          </a:extLst>
+        </p:spPr>
+        <p:txBody>
+          <a:bodyPr vert="horz" wrap="square" lIns="91440" tIns="45720" rIns="91440" bIns="45720" numCol="1" anchor="ctr" anchorCtr="0" compatLnSpc="1">
+            <a:prstTxWarp prst="textNoShape">
+              <a:avLst/>
+            </a:prstTxWarp>
+            <a:spAutoFit/>
+          </a:bodyPr>
+          <a:lstStyle>
+            <a:lvl1pPr eaLnBrk="0" fontAlgn="base" hangingPunct="0">
+              <a:spcBef>
+                <a:spcPct val="30000"/>
+              </a:spcBef>
+              <a:spcAft>
+                <a:spcPct val="0"/>
+              </a:spcAft>
+              <a:defRPr sz="1200">
+                <a:solidFill>
+                  <a:schemeClr val="tx1"/>
+                </a:solidFill>
+                <a:latin typeface="Arial" panose="020B0604020202020204" pitchFamily="34" charset="0"/>
+              </a:defRPr>
+            </a:lvl1pPr>
+            <a:lvl2pPr eaLnBrk="0" fontAlgn="base" hangingPunct="0">
+              <a:spcBef>
+                <a:spcPct val="30000"/>
+              </a:spcBef>
+              <a:spcAft>
+                <a:spcPct val="0"/>
+              </a:spcAft>
+              <a:defRPr sz="1200">
+                <a:solidFill>
+                  <a:schemeClr val="tx1"/>
+                </a:solidFill>
+                <a:latin typeface="Arial" panose="020B0604020202020204" pitchFamily="34" charset="0"/>
+              </a:defRPr>
+            </a:lvl2pPr>
+            <a:lvl3pPr eaLnBrk="0" fontAlgn="base" hangingPunct="0">
+              <a:spcBef>
+                <a:spcPct val="30000"/>
+              </a:spcBef>
+              <a:spcAft>
+                <a:spcPct val="0"/>
+              </a:spcAft>
+              <a:defRPr sz="1200">
+                <a:solidFill>
+                  <a:schemeClr val="tx1"/>
+                </a:solidFill>
+                <a:latin typeface="Arial" panose="020B0604020202020204" pitchFamily="34" charset="0"/>
+              </a:defRPr>
+            </a:lvl3pPr>
+            <a:lvl4pPr eaLnBrk="0" fontAlgn="base" hangingPunct="0">
+              <a:spcBef>
+                <a:spcPct val="30000"/>
+              </a:spcBef>
+              <a:spcAft>
+                <a:spcPct val="0"/>
+              </a:spcAft>
+              <a:defRPr sz="1200">
+                <a:solidFill>
+                  <a:schemeClr val="tx1"/>
+                </a:solidFill>
+                <a:latin typeface="Arial" panose="020B0604020202020204" pitchFamily="34" charset="0"/>
+              </a:defRPr>
+            </a:lvl4pPr>
+            <a:lvl5pPr eaLnBrk="0" fontAlgn="base" hangingPunct="0">
+              <a:spcBef>
+                <a:spcPct val="30000"/>
+              </a:spcBef>
+              <a:spcAft>
+                <a:spcPct val="0"/>
+              </a:spcAft>
+              <a:defRPr sz="1200">
+                <a:solidFill>
+                  <a:schemeClr val="tx1"/>
+                </a:solidFill>
+                <a:latin typeface="Arial" panose="020B0604020202020204" pitchFamily="34" charset="0"/>
+              </a:defRPr>
+            </a:lvl5pPr>
+            <a:lvl6pPr eaLnBrk="0" fontAlgn="base" hangingPunct="0">
+              <a:spcBef>
+                <a:spcPct val="30000"/>
+              </a:spcBef>
+              <a:spcAft>
+                <a:spcPct val="0"/>
+              </a:spcAft>
+              <a:defRPr sz="1200">
+                <a:solidFill>
+                  <a:schemeClr val="tx1"/>
+                </a:solidFill>
+                <a:latin typeface="Arial" panose="020B0604020202020204" pitchFamily="34" charset="0"/>
+              </a:defRPr>
+            </a:lvl6pPr>
+            <a:lvl7pPr eaLnBrk="0" fontAlgn="base" hangingPunct="0">
+              <a:spcBef>
+                <a:spcPct val="30000"/>
+              </a:spcBef>
+              <a:spcAft>
+                <a:spcPct val="0"/>
+              </a:spcAft>
+              <a:defRPr sz="1200">
+                <a:solidFill>
+                  <a:schemeClr val="tx1"/>
+                </a:solidFill>
+                <a:latin typeface="Arial" panose="020B0604020202020204" pitchFamily="34" charset="0"/>
+              </a:defRPr>
+            </a:lvl7pPr>
+            <a:lvl8pPr eaLnBrk="0" fontAlgn="base" hangingPunct="0">
+              <a:spcBef>
+                <a:spcPct val="30000"/>
+              </a:spcBef>
+              <a:spcAft>
+                <a:spcPct val="0"/>
+              </a:spcAft>
+              <a:defRPr sz="1200">
+                <a:solidFill>
+                  <a:schemeClr val="tx1"/>
+                </a:solidFill>
+                <a:latin typeface="Arial" panose="020B0604020202020204" pitchFamily="34" charset="0"/>
+              </a:defRPr>
+            </a:lvl8pPr>
+            <a:lvl9pPr eaLnBrk="0" fontAlgn="base" hangingPunct="0">
+              <a:spcBef>
+                <a:spcPct val="30000"/>
+              </a:spcBef>
+              <a:spcAft>
+                <a:spcPct val="0"/>
+              </a:spcAft>
+              <a:defRPr sz="1200">
+                <a:solidFill>
+                  <a:schemeClr val="tx1"/>
+                </a:solidFill>
+                <a:latin typeface="Arial" panose="020B0604020202020204" pitchFamily="34" charset="0"/>
+              </a:defRPr>
+            </a:lvl9pPr>
+          </a:lstStyle>
+          <a:p>
+            <a:pPr marL="0" marR="0" lvl="0" indent="0" algn="l" defTabSz="914400" rtl="0" eaLnBrk="0" fontAlgn="base" latinLnBrk="0" hangingPunct="0">
+              <a:lnSpc>
+                <a:spcPct val="100000"/>
+              </a:lnSpc>
+              <a:spcBef>
+                <a:spcPct val="0"/>
+              </a:spcBef>
+              <a:spcAft>
+                <a:spcPct val="0"/>
+              </a:spcAft>
+              <a:buClrTx/>
+              <a:buSzTx/>
+              <a:buFontTx/>
+              <a:buNone/>
+              <a:tabLst/>
+            </a:pPr>
+            <a:r>
+              <a:rPr kumimoji="0" lang="zh-CN" altLang="zh-CN" sz="2400" b="0" i="0" u="none" strike="noStrike" cap="none" normalizeH="0" baseline="0" dirty="0">
+                <a:ln>
+                  <a:noFill/>
+                </a:ln>
+                <a:solidFill>
+                  <a:schemeClr val="tx1"/>
+                </a:solidFill>
+                <a:effectLst/>
+                <a:latin typeface="Arial" panose="020B0604020202020204" pitchFamily="34" charset="0"/>
+              </a:rPr>
+              <a:t>Customer</a:t>
+            </a:r>
+            <a:r>
+              <a:rPr kumimoji="0" lang="zh-CN" altLang="zh-CN" sz="2400" b="0" i="0" u="none" strike="noStrike" cap="none" normalizeH="0" baseline="0" dirty="0">
+                <a:ln>
+                  <a:noFill/>
+                </a:ln>
+                <a:solidFill>
+                  <a:schemeClr val="tx1"/>
+                </a:solidFill>
+                <a:effectLst/>
+                <a:latin typeface="Arial Unicode MS"/>
+              </a:rPr>
+              <a:t> </a:t>
+            </a:r>
+            <a:r>
+              <a:rPr kumimoji="0" lang="zh-CN" altLang="zh-CN" sz="2400" b="0" i="0" u="none" strike="noStrike" cap="none" normalizeH="0" baseline="0" dirty="0">
+                <a:ln>
+                  <a:noFill/>
+                </a:ln>
+                <a:solidFill>
+                  <a:schemeClr val="tx1"/>
+                </a:solidFill>
+                <a:effectLst/>
+                <a:latin typeface="Arial" panose="020B0604020202020204" pitchFamily="34" charset="0"/>
+              </a:rPr>
+              <a:t>customer</a:t>
+            </a:r>
+            <a:r>
+              <a:rPr kumimoji="0" lang="zh-CN" altLang="zh-CN" sz="2400" b="0" i="0" u="none" strike="noStrike" cap="none" normalizeH="0" baseline="0" dirty="0">
+                <a:ln>
+                  <a:noFill/>
+                </a:ln>
+                <a:solidFill>
+                  <a:schemeClr val="tx1"/>
+                </a:solidFill>
+                <a:effectLst/>
+                <a:latin typeface="Arial Unicode MS"/>
+              </a:rPr>
+              <a:t> </a:t>
+            </a:r>
+            <a:r>
+              <a:rPr kumimoji="0" lang="zh-CN" altLang="zh-CN" sz="2400" b="0" i="0" u="none" strike="noStrike" cap="none" normalizeH="0" baseline="0" dirty="0">
+                <a:ln>
+                  <a:noFill/>
+                </a:ln>
+                <a:solidFill>
+                  <a:schemeClr val="tx1"/>
+                </a:solidFill>
+                <a:effectLst/>
+                <a:latin typeface="Arial" panose="020B0604020202020204" pitchFamily="34" charset="0"/>
+              </a:rPr>
+              <a:t>=</a:t>
+            </a:r>
+            <a:r>
+              <a:rPr kumimoji="0" lang="zh-CN" altLang="zh-CN" sz="2400" b="0" i="0" u="none" strike="noStrike" cap="none" normalizeH="0" baseline="0" dirty="0">
+                <a:ln>
+                  <a:noFill/>
+                </a:ln>
+                <a:solidFill>
+                  <a:schemeClr val="tx1"/>
+                </a:solidFill>
+                <a:effectLst/>
+                <a:latin typeface="Arial Unicode MS"/>
+              </a:rPr>
+              <a:t> </a:t>
+            </a:r>
+            <a:r>
+              <a:rPr kumimoji="0" lang="zh-CN" altLang="zh-CN" sz="2400" b="0" i="0" u="none" strike="noStrike" cap="none" normalizeH="0" baseline="0" dirty="0">
+                <a:ln>
+                  <a:noFill/>
+                </a:ln>
+                <a:solidFill>
+                  <a:schemeClr val="tx1"/>
+                </a:solidFill>
+                <a:effectLst/>
+                <a:latin typeface="Arial" panose="020B0604020202020204" pitchFamily="34" charset="0"/>
+              </a:rPr>
+              <a:t>...</a:t>
+            </a:r>
+            <a:r>
+              <a:rPr kumimoji="0" lang="zh-CN" altLang="zh-CN" sz="2400" b="0" i="0" u="none" strike="noStrike" cap="none" normalizeH="0" baseline="0" dirty="0">
+                <a:ln>
+                  <a:noFill/>
+                </a:ln>
+                <a:solidFill>
+                  <a:schemeClr val="tx1"/>
+                </a:solidFill>
+                <a:effectLst/>
+                <a:latin typeface="Arial Unicode MS"/>
+              </a:rPr>
+              <a:t> </a:t>
+            </a:r>
+            <a:endParaRPr kumimoji="0" lang="en-US" altLang="zh-CN" sz="2400" b="0" i="0" u="none" strike="noStrike" cap="none" normalizeH="0" baseline="0" dirty="0">
+              <a:ln>
+                <a:noFill/>
+              </a:ln>
+              <a:solidFill>
+                <a:schemeClr val="tx1"/>
+              </a:solidFill>
+              <a:effectLst/>
+              <a:latin typeface="Arial Unicode MS"/>
+            </a:endParaRPr>
+          </a:p>
+          <a:p>
+            <a:pPr marL="0" marR="0" lvl="0" indent="0" algn="l" defTabSz="914400" rtl="0" eaLnBrk="0" fontAlgn="base" latinLnBrk="0" hangingPunct="0">
+              <a:lnSpc>
+                <a:spcPct val="100000"/>
+              </a:lnSpc>
+              <a:spcBef>
+                <a:spcPct val="0"/>
+              </a:spcBef>
+              <a:spcAft>
+                <a:spcPct val="0"/>
+              </a:spcAft>
+              <a:buClrTx/>
+              <a:buSzTx/>
+              <a:buFontTx/>
+              <a:buNone/>
+              <a:tabLst/>
+            </a:pPr>
+            <a:endParaRPr kumimoji="0" lang="en-US" altLang="zh-CN" sz="2400" b="0" i="0" u="none" strike="noStrike" cap="none" normalizeH="0" baseline="0" dirty="0">
+              <a:ln>
+                <a:noFill/>
+              </a:ln>
+              <a:solidFill>
+                <a:schemeClr val="tx1"/>
+              </a:solidFill>
+              <a:effectLst/>
+              <a:latin typeface="Arial Unicode MS"/>
+            </a:endParaRPr>
+          </a:p>
+          <a:p>
+            <a:pPr marL="0" marR="0" lvl="0" indent="0" algn="l" defTabSz="914400" rtl="0" eaLnBrk="0" fontAlgn="base" latinLnBrk="0" hangingPunct="0">
+              <a:lnSpc>
+                <a:spcPct val="100000"/>
+              </a:lnSpc>
+              <a:spcBef>
+                <a:spcPct val="0"/>
+              </a:spcBef>
+              <a:spcAft>
+                <a:spcPct val="0"/>
+              </a:spcAft>
+              <a:buClrTx/>
+              <a:buSzTx/>
+              <a:buFontTx/>
+              <a:buNone/>
+              <a:tabLst/>
+            </a:pPr>
+            <a:r>
+              <a:rPr kumimoji="0" lang="zh-CN" altLang="zh-CN" sz="2400" b="0" i="0" u="none" strike="noStrike" cap="none" normalizeH="0" baseline="0" dirty="0">
+                <a:ln>
+                  <a:noFill/>
+                </a:ln>
+                <a:solidFill>
+                  <a:schemeClr val="tx1"/>
+                </a:solidFill>
+                <a:effectLst/>
+                <a:latin typeface="Arial Unicode MS"/>
+              </a:rPr>
+              <a:t>// </a:t>
+            </a:r>
+            <a:r>
+              <a:rPr kumimoji="0" lang="zh-CN" altLang="en-US" sz="2400" b="0" i="0" u="none" strike="noStrike" cap="none" normalizeH="0" baseline="0" dirty="0">
+                <a:ln>
+                  <a:noFill/>
+                </a:ln>
+                <a:solidFill>
+                  <a:schemeClr val="tx1"/>
+                </a:solidFill>
+                <a:effectLst/>
+                <a:latin typeface="Arial Unicode MS"/>
+              </a:rPr>
+              <a:t>如果可以</a:t>
+            </a:r>
+            <a:r>
+              <a:rPr kumimoji="0" lang="zh-CN" altLang="zh-CN" sz="2400" b="0" i="0" u="none" strike="noStrike" cap="none" normalizeH="0" baseline="0" dirty="0">
+                <a:ln>
+                  <a:noFill/>
+                </a:ln>
+                <a:solidFill>
+                  <a:schemeClr val="tx1"/>
+                </a:solidFill>
+                <a:effectLst/>
+                <a:latin typeface="Arial Unicode MS"/>
+              </a:rPr>
+              <a:t>插入一条神秘的数据获取指令 </a:t>
+            </a:r>
+            <a:r>
+              <a:rPr kumimoji="0" lang="zh-CN" altLang="zh-CN" sz="2400" b="0" i="0" u="none" strike="noStrike" cap="none" normalizeH="0" baseline="0" dirty="0">
+                <a:ln>
+                  <a:noFill/>
+                </a:ln>
+                <a:solidFill>
+                  <a:schemeClr val="tx1"/>
+                </a:solidFill>
+                <a:effectLst/>
+                <a:latin typeface="Arial" panose="020B0604020202020204" pitchFamily="34" charset="0"/>
+              </a:rPr>
+              <a:t>fetchAndAssembleDataInAMagicalWay(customer);</a:t>
+            </a:r>
+            <a:endParaRPr kumimoji="0" lang="en-US" altLang="zh-CN" sz="2400" b="0" i="0" u="none" strike="noStrike" cap="none" normalizeH="0" baseline="0" dirty="0">
+              <a:ln>
+                <a:noFill/>
+              </a:ln>
+              <a:solidFill>
+                <a:schemeClr val="tx1"/>
+              </a:solidFill>
+              <a:effectLst/>
+              <a:latin typeface="Arial" panose="020B0604020202020204" pitchFamily="34" charset="0"/>
+            </a:endParaRPr>
+          </a:p>
+          <a:p>
+            <a:pPr marL="0" marR="0" lvl="0" indent="0" algn="l" defTabSz="914400" rtl="0" eaLnBrk="0" fontAlgn="base" latinLnBrk="0" hangingPunct="0">
+              <a:lnSpc>
+                <a:spcPct val="100000"/>
+              </a:lnSpc>
+              <a:spcBef>
+                <a:spcPct val="0"/>
+              </a:spcBef>
+              <a:spcAft>
+                <a:spcPct val="0"/>
+              </a:spcAft>
+              <a:buClrTx/>
+              <a:buSzTx/>
+              <a:buFontTx/>
+              <a:buNone/>
+              <a:tabLst/>
+            </a:pPr>
+            <a:r>
+              <a:rPr kumimoji="0" lang="zh-CN" altLang="zh-CN" sz="2400" b="0" i="0" u="none" strike="noStrike" cap="none" normalizeH="0" baseline="0" dirty="0">
+                <a:ln>
+                  <a:noFill/>
+                </a:ln>
+                <a:solidFill>
+                  <a:schemeClr val="tx1"/>
+                </a:solidFill>
+                <a:effectLst/>
+                <a:latin typeface="Arial Unicode MS"/>
+              </a:rPr>
+              <a:t> </a:t>
+            </a:r>
+            <a:endParaRPr kumimoji="0" lang="en-US" altLang="zh-CN" sz="2400" b="0" i="0" u="none" strike="noStrike" cap="none" normalizeH="0" baseline="0" dirty="0">
+              <a:ln>
+                <a:noFill/>
+              </a:ln>
+              <a:solidFill>
+                <a:schemeClr val="tx1"/>
+              </a:solidFill>
+              <a:effectLst/>
+              <a:latin typeface="Arial Unicode MS"/>
+            </a:endParaRPr>
+          </a:p>
+          <a:p>
+            <a:pPr marL="0" marR="0" lvl="0" indent="0" algn="l" defTabSz="914400" rtl="0" eaLnBrk="0" fontAlgn="base" latinLnBrk="0" hangingPunct="0">
+              <a:lnSpc>
+                <a:spcPct val="100000"/>
+              </a:lnSpc>
+              <a:spcBef>
+                <a:spcPct val="0"/>
+              </a:spcBef>
+              <a:spcAft>
+                <a:spcPct val="0"/>
+              </a:spcAft>
+              <a:buClrTx/>
+              <a:buSzTx/>
+              <a:buFontTx/>
+              <a:buNone/>
+              <a:tabLst/>
+            </a:pPr>
+            <a:r>
+              <a:rPr kumimoji="0" lang="zh-CN" altLang="zh-CN" sz="2400" b="0" i="0" u="none" strike="noStrike" cap="none" normalizeH="0" baseline="0" dirty="0">
+                <a:ln>
+                  <a:noFill/>
+                </a:ln>
+                <a:solidFill>
+                  <a:schemeClr val="tx1"/>
+                </a:solidFill>
+                <a:effectLst/>
+                <a:latin typeface="Arial Unicode MS"/>
+              </a:rPr>
+              <a:t>// 数据已经在内存中存在，可以安全的遍历并使用，</a:t>
+            </a:r>
+            <a:r>
+              <a:rPr kumimoji="0" lang="zh-CN" altLang="en-US" sz="2400" b="0" i="0" u="none" strike="noStrike" cap="none" normalizeH="0" baseline="0" dirty="0">
+                <a:ln>
+                  <a:noFill/>
+                </a:ln>
+                <a:solidFill>
+                  <a:schemeClr val="tx1"/>
+                </a:solidFill>
+                <a:effectLst/>
+                <a:latin typeface="Arial Unicode MS"/>
+              </a:rPr>
+              <a:t>不</a:t>
+            </a:r>
+            <a:r>
+              <a:rPr kumimoji="0" lang="zh-CN" altLang="zh-CN" sz="2400" b="0" i="0" u="none" strike="noStrike" cap="none" normalizeH="0" baseline="0" dirty="0">
+                <a:ln>
+                  <a:noFill/>
+                </a:ln>
+                <a:solidFill>
+                  <a:schemeClr val="tx1"/>
+                </a:solidFill>
+                <a:effectLst/>
+                <a:latin typeface="Arial Unicode MS"/>
+              </a:rPr>
+              <a:t>再产生数据加载动作 </a:t>
+            </a:r>
+            <a:endParaRPr kumimoji="0" lang="en-US" altLang="zh-CN" sz="2400" b="0" i="0" u="none" strike="noStrike" cap="none" normalizeH="0" baseline="0" dirty="0">
+              <a:ln>
+                <a:noFill/>
+              </a:ln>
+              <a:solidFill>
+                <a:schemeClr val="tx1"/>
+              </a:solidFill>
+              <a:effectLst/>
+              <a:latin typeface="Arial Unicode MS"/>
+            </a:endParaRPr>
+          </a:p>
+          <a:p>
+            <a:pPr marL="0" marR="0" lvl="0" indent="0" algn="l" defTabSz="914400" rtl="0" eaLnBrk="0" fontAlgn="base" latinLnBrk="0" hangingPunct="0">
+              <a:lnSpc>
+                <a:spcPct val="100000"/>
+              </a:lnSpc>
+              <a:spcBef>
+                <a:spcPct val="0"/>
+              </a:spcBef>
+              <a:spcAft>
+                <a:spcPct val="0"/>
+              </a:spcAft>
+              <a:buClrTx/>
+              <a:buSzTx/>
+              <a:buFontTx/>
+              <a:buNone/>
+              <a:tabLst/>
+            </a:pPr>
+            <a:r>
+              <a:rPr kumimoji="0" lang="zh-CN" altLang="zh-CN" sz="2400" b="0" i="0" u="none" strike="noStrike" cap="none" normalizeH="0" baseline="0" dirty="0">
+                <a:ln>
+                  <a:noFill/>
+                </a:ln>
+                <a:solidFill>
+                  <a:schemeClr val="tx1"/>
+                </a:solidFill>
+                <a:effectLst/>
+                <a:latin typeface="Arial" panose="020B0604020202020204" pitchFamily="34" charset="0"/>
+              </a:rPr>
+              <a:t>Set&lt;Order&gt;</a:t>
+            </a:r>
+            <a:r>
+              <a:rPr kumimoji="0" lang="zh-CN" altLang="zh-CN" sz="2400" b="0" i="0" u="none" strike="noStrike" cap="none" normalizeH="0" baseline="0" dirty="0">
+                <a:ln>
+                  <a:noFill/>
+                </a:ln>
+                <a:solidFill>
+                  <a:schemeClr val="tx1"/>
+                </a:solidFill>
+                <a:effectLst/>
+                <a:latin typeface="Arial Unicode MS"/>
+              </a:rPr>
+              <a:t> </a:t>
+            </a:r>
+            <a:r>
+              <a:rPr kumimoji="0" lang="zh-CN" altLang="zh-CN" sz="2400" b="0" i="0" u="none" strike="noStrike" cap="none" normalizeH="0" baseline="0" dirty="0">
+                <a:ln>
+                  <a:noFill/>
+                </a:ln>
+                <a:solidFill>
+                  <a:schemeClr val="tx1"/>
+                </a:solidFill>
+                <a:effectLst/>
+                <a:latin typeface="Arial" panose="020B0604020202020204" pitchFamily="34" charset="0"/>
+              </a:rPr>
+              <a:t>orders</a:t>
+            </a:r>
+            <a:r>
+              <a:rPr kumimoji="0" lang="zh-CN" altLang="zh-CN" sz="2400" b="0" i="0" u="none" strike="noStrike" cap="none" normalizeH="0" baseline="0" dirty="0">
+                <a:ln>
+                  <a:noFill/>
+                </a:ln>
+                <a:solidFill>
+                  <a:schemeClr val="tx1"/>
+                </a:solidFill>
+                <a:effectLst/>
+                <a:latin typeface="Arial Unicode MS"/>
+              </a:rPr>
+              <a:t> </a:t>
+            </a:r>
+            <a:r>
+              <a:rPr kumimoji="0" lang="zh-CN" altLang="zh-CN" sz="2400" b="0" i="0" u="none" strike="noStrike" cap="none" normalizeH="0" baseline="0" dirty="0">
+                <a:ln>
+                  <a:noFill/>
+                </a:ln>
+                <a:solidFill>
+                  <a:schemeClr val="tx1"/>
+                </a:solidFill>
+                <a:effectLst/>
+                <a:latin typeface="Arial" panose="020B0604020202020204" pitchFamily="34" charset="0"/>
+              </a:rPr>
+              <a:t>=</a:t>
+            </a:r>
+            <a:r>
+              <a:rPr kumimoji="0" lang="zh-CN" altLang="zh-CN" sz="2400" b="0" i="0" u="none" strike="noStrike" cap="none" normalizeH="0" baseline="0" dirty="0">
+                <a:ln>
+                  <a:noFill/>
+                </a:ln>
+                <a:solidFill>
+                  <a:schemeClr val="tx1"/>
+                </a:solidFill>
+                <a:effectLst/>
+                <a:latin typeface="Arial Unicode MS"/>
+              </a:rPr>
+              <a:t> </a:t>
+            </a:r>
+            <a:r>
+              <a:rPr kumimoji="0" lang="zh-CN" altLang="zh-CN" sz="2400" b="0" i="0" u="none" strike="noStrike" cap="none" normalizeH="0" baseline="0" dirty="0">
+                <a:ln>
+                  <a:noFill/>
+                </a:ln>
+                <a:solidFill>
+                  <a:schemeClr val="tx1"/>
+                </a:solidFill>
+                <a:effectLst/>
+                <a:latin typeface="Arial" panose="020B0604020202020204" pitchFamily="34" charset="0"/>
+              </a:rPr>
+              <a:t>customer.</a:t>
+            </a:r>
+            <a:r>
+              <a:rPr kumimoji="0" lang="zh-CN" altLang="zh-CN" sz="2400" b="0" i="0" u="none" strike="noStrike" cap="none" normalizeH="0" baseline="0" dirty="0">
+                <a:ln>
+                  <a:noFill/>
+                </a:ln>
+                <a:solidFill>
+                  <a:schemeClr val="tx1"/>
+                </a:solidFill>
+                <a:effectLst/>
+                <a:latin typeface="Arial Unicode MS"/>
+              </a:rPr>
+              <a:t>getOrders</a:t>
+            </a:r>
+            <a:r>
+              <a:rPr kumimoji="0" lang="zh-CN" altLang="zh-CN" sz="2400" b="0" i="0" u="none" strike="noStrike" cap="none" normalizeH="0" baseline="0" dirty="0">
+                <a:ln>
+                  <a:noFill/>
+                </a:ln>
+                <a:solidFill>
+                  <a:schemeClr val="tx1"/>
+                </a:solidFill>
+                <a:effectLst/>
+                <a:latin typeface="Arial" panose="020B0604020202020204" pitchFamily="34" charset="0"/>
+              </a:rPr>
+              <a:t>();</a:t>
+            </a:r>
+            <a:r>
+              <a:rPr kumimoji="0" lang="zh-CN" altLang="zh-CN" sz="2400" b="0" i="0" u="none" strike="noStrike" cap="none" normalizeH="0" baseline="0" dirty="0">
+                <a:ln>
+                  <a:noFill/>
+                </a:ln>
+                <a:solidFill>
+                  <a:schemeClr val="tx1"/>
+                </a:solidFill>
+                <a:effectLst/>
+                <a:latin typeface="Arial Unicode MS"/>
+              </a:rPr>
+              <a:t> </a:t>
+            </a:r>
+            <a:endParaRPr kumimoji="0" lang="en-US" altLang="zh-CN" sz="2400" b="0" i="0" u="none" strike="noStrike" cap="none" normalizeH="0" baseline="0" dirty="0">
+              <a:ln>
+                <a:noFill/>
+              </a:ln>
+              <a:solidFill>
+                <a:schemeClr val="tx1"/>
+              </a:solidFill>
+              <a:effectLst/>
+              <a:latin typeface="Arial Unicode MS"/>
+            </a:endParaRPr>
+          </a:p>
+          <a:p>
+            <a:pPr marL="0" marR="0" lvl="0" indent="0" algn="l" defTabSz="914400" rtl="0" eaLnBrk="0" fontAlgn="base" latinLnBrk="0" hangingPunct="0">
+              <a:lnSpc>
+                <a:spcPct val="100000"/>
+              </a:lnSpc>
+              <a:spcBef>
+                <a:spcPct val="0"/>
+              </a:spcBef>
+              <a:spcAft>
+                <a:spcPct val="0"/>
+              </a:spcAft>
+              <a:buClrTx/>
+              <a:buSzTx/>
+              <a:buFontTx/>
+              <a:buNone/>
+              <a:tabLst/>
+            </a:pPr>
+            <a:r>
+              <a:rPr kumimoji="0" lang="zh-CN" altLang="zh-CN" sz="2400" b="0" i="0" u="none" strike="noStrike" cap="none" normalizeH="0" baseline="0" dirty="0">
+                <a:ln>
+                  <a:noFill/>
+                </a:ln>
+                <a:solidFill>
+                  <a:schemeClr val="tx1"/>
+                </a:solidFill>
+                <a:effectLst/>
+                <a:latin typeface="Arial Unicode MS"/>
+              </a:rPr>
+              <a:t>for</a:t>
+            </a:r>
+            <a:r>
+              <a:rPr kumimoji="0" lang="zh-CN" altLang="zh-CN" sz="2400" b="0" i="0" u="none" strike="noStrike" cap="none" normalizeH="0" baseline="0" dirty="0">
+                <a:ln>
+                  <a:noFill/>
+                </a:ln>
+                <a:solidFill>
+                  <a:schemeClr val="tx1"/>
+                </a:solidFill>
+                <a:effectLst/>
+                <a:latin typeface="Arial" panose="020B0604020202020204" pitchFamily="34" charset="0"/>
+              </a:rPr>
+              <a:t>(Order</a:t>
+            </a:r>
+            <a:r>
+              <a:rPr kumimoji="0" lang="zh-CN" altLang="zh-CN" sz="2400" b="0" i="0" u="none" strike="noStrike" cap="none" normalizeH="0" baseline="0" dirty="0">
+                <a:ln>
+                  <a:noFill/>
+                </a:ln>
+                <a:solidFill>
+                  <a:schemeClr val="tx1"/>
+                </a:solidFill>
+                <a:effectLst/>
+                <a:latin typeface="Arial Unicode MS"/>
+              </a:rPr>
+              <a:t> </a:t>
+            </a:r>
+            <a:r>
+              <a:rPr kumimoji="0" lang="zh-CN" altLang="zh-CN" sz="2400" b="0" i="0" u="none" strike="noStrike" cap="none" normalizeH="0" baseline="0" dirty="0">
+                <a:ln>
+                  <a:noFill/>
+                </a:ln>
+                <a:solidFill>
+                  <a:schemeClr val="tx1"/>
+                </a:solidFill>
+                <a:effectLst/>
+                <a:latin typeface="Arial" panose="020B0604020202020204" pitchFamily="34" charset="0"/>
+              </a:rPr>
+              <a:t>order:</a:t>
+            </a:r>
+            <a:r>
+              <a:rPr kumimoji="0" lang="zh-CN" altLang="zh-CN" sz="2400" b="0" i="0" u="none" strike="noStrike" cap="none" normalizeH="0" baseline="0" dirty="0">
+                <a:ln>
+                  <a:noFill/>
+                </a:ln>
+                <a:solidFill>
+                  <a:schemeClr val="tx1"/>
+                </a:solidFill>
+                <a:effectLst/>
+                <a:latin typeface="Arial Unicode MS"/>
+              </a:rPr>
+              <a:t> </a:t>
+            </a:r>
+            <a:r>
+              <a:rPr kumimoji="0" lang="zh-CN" altLang="zh-CN" sz="2400" b="0" i="0" u="none" strike="noStrike" cap="none" normalizeH="0" baseline="0" dirty="0">
+                <a:ln>
+                  <a:noFill/>
+                </a:ln>
+                <a:solidFill>
+                  <a:schemeClr val="tx1"/>
+                </a:solidFill>
+                <a:effectLst/>
+                <a:latin typeface="Arial" panose="020B0604020202020204" pitchFamily="34" charset="0"/>
+              </a:rPr>
+              <a:t>orders){</a:t>
+            </a:r>
+            <a:r>
+              <a:rPr kumimoji="0" lang="zh-CN" altLang="zh-CN" sz="2400" b="0" i="0" u="none" strike="noStrike" cap="none" normalizeH="0" baseline="0" dirty="0">
+                <a:ln>
+                  <a:noFill/>
+                </a:ln>
+                <a:solidFill>
+                  <a:schemeClr val="tx1"/>
+                </a:solidFill>
+                <a:effectLst/>
+                <a:latin typeface="Arial Unicode MS"/>
+              </a:rPr>
+              <a:t> </a:t>
+            </a:r>
+            <a:endParaRPr kumimoji="0" lang="en-US" altLang="zh-CN" sz="2400" b="0" i="0" u="none" strike="noStrike" cap="none" normalizeH="0" baseline="0" dirty="0">
+              <a:ln>
+                <a:noFill/>
+              </a:ln>
+              <a:solidFill>
+                <a:schemeClr val="tx1"/>
+              </a:solidFill>
+              <a:effectLst/>
+              <a:latin typeface="Arial Unicode MS"/>
+            </a:endParaRPr>
+          </a:p>
+          <a:p>
+            <a:pPr marL="0" marR="0" lvl="0" indent="0" algn="l" defTabSz="914400" rtl="0" eaLnBrk="0" fontAlgn="base" latinLnBrk="0" hangingPunct="0">
+              <a:lnSpc>
+                <a:spcPct val="100000"/>
+              </a:lnSpc>
+              <a:spcBef>
+                <a:spcPct val="0"/>
+              </a:spcBef>
+              <a:spcAft>
+                <a:spcPct val="0"/>
+              </a:spcAft>
+              <a:buClrTx/>
+              <a:buSzTx/>
+              <a:buFontTx/>
+              <a:buNone/>
+              <a:tabLst/>
+            </a:pPr>
+            <a:r>
+              <a:rPr lang="en-US" altLang="zh-CN" sz="2400" dirty="0">
+                <a:latin typeface="Arial Unicode MS"/>
+              </a:rPr>
+              <a:t>     </a:t>
+            </a:r>
+            <a:r>
+              <a:rPr kumimoji="0" lang="zh-CN" altLang="zh-CN" sz="2400" b="0" i="0" u="none" strike="noStrike" cap="none" normalizeH="0" baseline="0" dirty="0">
+                <a:ln>
+                  <a:noFill/>
+                </a:ln>
+                <a:solidFill>
+                  <a:schemeClr val="tx1"/>
+                </a:solidFill>
+                <a:effectLst/>
+                <a:latin typeface="Arial" panose="020B0604020202020204" pitchFamily="34" charset="0"/>
+              </a:rPr>
+              <a:t>process(order.</a:t>
+            </a:r>
+            <a:r>
+              <a:rPr kumimoji="0" lang="zh-CN" altLang="zh-CN" sz="2400" b="0" i="0" u="none" strike="noStrike" cap="none" normalizeH="0" baseline="0" dirty="0">
+                <a:ln>
+                  <a:noFill/>
+                </a:ln>
+                <a:solidFill>
+                  <a:schemeClr val="tx1"/>
+                </a:solidFill>
+                <a:effectLst/>
+                <a:latin typeface="Arial Unicode MS"/>
+              </a:rPr>
+              <a:t>getDetails</a:t>
+            </a:r>
+            <a:r>
+              <a:rPr kumimoji="0" lang="zh-CN" altLang="zh-CN" sz="2400" b="0" i="0" u="none" strike="noStrike" cap="none" normalizeH="0" baseline="0" dirty="0">
+                <a:ln>
+                  <a:noFill/>
+                </a:ln>
+                <a:solidFill>
+                  <a:schemeClr val="tx1"/>
+                </a:solidFill>
+                <a:effectLst/>
+                <a:latin typeface="Arial" panose="020B0604020202020204" pitchFamily="34" charset="0"/>
+              </a:rPr>
+              <a:t>());</a:t>
+            </a:r>
+            <a:r>
+              <a:rPr kumimoji="0" lang="zh-CN" altLang="zh-CN" sz="2400" b="0" i="0" u="none" strike="noStrike" cap="none" normalizeH="0" baseline="0" dirty="0">
+                <a:ln>
+                  <a:noFill/>
+                </a:ln>
+                <a:solidFill>
+                  <a:schemeClr val="tx1"/>
+                </a:solidFill>
+                <a:effectLst/>
+                <a:latin typeface="Arial Unicode MS"/>
+              </a:rPr>
+              <a:t> </a:t>
+            </a:r>
+            <a:endParaRPr kumimoji="0" lang="en-US" altLang="zh-CN" sz="2400" b="0" i="0" u="none" strike="noStrike" cap="none" normalizeH="0" baseline="0" dirty="0">
+              <a:ln>
+                <a:noFill/>
+              </a:ln>
+              <a:solidFill>
+                <a:schemeClr val="tx1"/>
+              </a:solidFill>
+              <a:effectLst/>
+              <a:latin typeface="Arial Unicode MS"/>
+            </a:endParaRPr>
+          </a:p>
+          <a:p>
+            <a:pPr marL="0" marR="0" lvl="0" indent="0" algn="l" defTabSz="914400" rtl="0" eaLnBrk="0" fontAlgn="base" latinLnBrk="0" hangingPunct="0">
+              <a:lnSpc>
+                <a:spcPct val="100000"/>
+              </a:lnSpc>
+              <a:spcBef>
+                <a:spcPct val="0"/>
+              </a:spcBef>
+              <a:spcAft>
+                <a:spcPct val="0"/>
+              </a:spcAft>
+              <a:buClrTx/>
+              <a:buSzTx/>
+              <a:buFontTx/>
+              <a:buNone/>
+              <a:tabLst/>
+            </a:pPr>
+            <a:r>
+              <a:rPr kumimoji="0" lang="zh-CN" altLang="zh-CN" sz="2400" b="0" i="0" u="none" strike="noStrike" cap="none" normalizeH="0" baseline="0" dirty="0">
+                <a:ln>
+                  <a:noFill/>
+                </a:ln>
+                <a:solidFill>
+                  <a:schemeClr val="tx1"/>
+                </a:solidFill>
+                <a:effectLst/>
+                <a:latin typeface="Arial" panose="020B0604020202020204" pitchFamily="34" charset="0"/>
+              </a:rPr>
+              <a:t>}</a:t>
+            </a:r>
+          </a:p>
+        </p:txBody>
+      </p:sp>
+    </p:spTree>
+    <p:extLst>
+      <p:ext uri="{BB962C8B-B14F-4D97-AF65-F5344CB8AC3E}">
+        <p14:creationId xmlns:p14="http://schemas.microsoft.com/office/powerpoint/2010/main" val="95777387"/>
+      </p:ext>
+    </p:extLst>
+  </p:cSld>
+  <p:clrMapOvr>
+    <a:masterClrMapping/>
+  </p:clrMapOvr>
+</p:sld>
+</file>
+
+<file path=ppt/slides/slide9.xml><?xml version="1.0" encoding="utf-8"?>
+<p:sld xmlns:a="http://schemas.openxmlformats.org/drawingml/2006/main" xmlns:r="http://schemas.openxmlformats.org/officeDocument/2006/relationships" xmlns:p="http://schemas.openxmlformats.org/presentationml/2006/main">
+  <p:cSld>
+    <p:spTree>
+      <p:nvGrpSpPr>
+        <p:cNvPr id="1" name=""/>
+        <p:cNvGrpSpPr/>
+        <p:nvPr/>
+      </p:nvGrpSpPr>
+      <p:grpSpPr>
+        <a:xfrm>
+          <a:off x="0" y="0"/>
+          <a:ext cx="0" cy="0"/>
+          <a:chOff x="0" y="0"/>
+          <a:chExt cx="0" cy="0"/>
+        </a:xfrm>
+      </p:grpSpPr>
+      <p:pic>
+        <p:nvPicPr>
+          <p:cNvPr id="3" name="图片 2">
+            <a:extLst>
+              <a:ext uri="{FF2B5EF4-FFF2-40B4-BE49-F238E27FC236}">
+                <a16:creationId xmlns:a16="http://schemas.microsoft.com/office/drawing/2014/main" id="{AC87EDDB-1E43-486E-03E5-6E6C0523EFB0}"/>
+              </a:ext>
+            </a:extLst>
+          </p:cNvPr>
+          <p:cNvPicPr>
+            <a:picLocks noChangeAspect="1"/>
+          </p:cNvPicPr>
+          <p:nvPr/>
+        </p:nvPicPr>
+        <p:blipFill>
+          <a:blip r:embed="rId2"/>
+          <a:stretch>
+            <a:fillRect/>
+          </a:stretch>
+        </p:blipFill>
+        <p:spPr>
+          <a:xfrm>
+            <a:off x="1910441" y="1399329"/>
+            <a:ext cx="7543801" cy="5470827"/>
+          </a:xfrm>
+          <a:prstGeom prst="rect">
+            <a:avLst/>
+          </a:prstGeom>
+        </p:spPr>
+      </p:pic>
+      <p:sp>
+        <p:nvSpPr>
+          <p:cNvPr id="8" name="文本框 7">
+            <a:extLst>
+              <a:ext uri="{FF2B5EF4-FFF2-40B4-BE49-F238E27FC236}">
+                <a16:creationId xmlns:a16="http://schemas.microsoft.com/office/drawing/2014/main" id="{DFB1FE9B-8B28-28F7-2F2F-187EBC612C0D}"/>
               </a:ext>
             </a:extLst>
           </p:cNvPr>
@@ -4700,8 +5860,8 @@
         </p:nvSpPr>
         <p:spPr>
           <a:xfrm>
-            <a:off x="838200" y="1583872"/>
-            <a:ext cx="10208079" cy="2062103"/>
+            <a:off x="204105" y="506189"/>
+            <a:ext cx="6964138" cy="584775"/>
           </a:xfrm>
           <a:prstGeom prst="rect">
             <a:avLst/>
@@ -4714,75 +5874,26 @@
           </a:bodyPr>
           <a:lstStyle/>
           <a:p>
-            <a:pPr marL="457200" indent="-457200">
-              <a:buFont typeface="Wingdings" panose="05000000000000000000" pitchFamily="2" charset="2"/>
-              <a:buChar char="Ø"/>
-            </a:pPr>
-            <a:r>
-              <a:rPr lang="zh-CN" altLang="en-US" sz="3200" dirty="0"/>
-              <a:t>聚合根，主题对象</a:t>
-            </a:r>
-            <a:endParaRPr lang="en-US" altLang="zh-CN" sz="3200" dirty="0"/>
-          </a:p>
-          <a:p>
-            <a:pPr marL="457200" indent="-457200">
-              <a:buFont typeface="Wingdings" panose="05000000000000000000" pitchFamily="2" charset="2"/>
-              <a:buChar char="Ø"/>
-            </a:pPr>
-            <a:r>
-              <a:rPr lang="en-US" altLang="zh-CN" sz="3200" dirty="0"/>
-              <a:t>Entity </a:t>
-            </a:r>
-            <a:r>
-              <a:rPr lang="zh-CN" altLang="en-US" sz="3200" dirty="0"/>
-              <a:t>：数据的聚合</a:t>
-            </a:r>
-            <a:endParaRPr lang="en-US" altLang="zh-CN" sz="3200" dirty="0"/>
-          </a:p>
-          <a:p>
-            <a:pPr marL="457200" indent="-457200">
-              <a:buFont typeface="Wingdings" panose="05000000000000000000" pitchFamily="2" charset="2"/>
-              <a:buChar char="Ø"/>
-            </a:pPr>
-            <a:r>
-              <a:rPr lang="en-US" altLang="zh-CN" sz="3200" dirty="0" err="1"/>
-              <a:t>BizObject</a:t>
-            </a:r>
-            <a:r>
-              <a:rPr lang="en-US" altLang="zh-CN" sz="3200" dirty="0"/>
-              <a:t>: </a:t>
-            </a:r>
-            <a:r>
-              <a:rPr lang="zh-CN" altLang="en-US" sz="3200" dirty="0"/>
-              <a:t>行为的聚合</a:t>
-            </a:r>
-            <a:endParaRPr lang="en-US" altLang="zh-CN" sz="3200" dirty="0"/>
-          </a:p>
-          <a:p>
-            <a:pPr marL="457200" indent="-457200">
-              <a:buFont typeface="Wingdings" panose="05000000000000000000" pitchFamily="2" charset="2"/>
-              <a:buChar char="Ø"/>
-            </a:pPr>
-            <a:r>
-              <a:rPr lang="en-US" altLang="zh-CN" sz="3200" dirty="0" err="1"/>
+            <a:r>
+              <a:rPr lang="en-US" altLang="zh-CN" sz="3200" b="1" dirty="0" err="1"/>
               <a:t>GraphQL</a:t>
             </a:r>
             <a:r>
-              <a:rPr lang="en-US" altLang="zh-CN" sz="3200" dirty="0"/>
-              <a:t> </a:t>
-            </a:r>
-            <a:r>
-              <a:rPr lang="zh-CN" altLang="en-US" sz="3200" dirty="0"/>
-              <a:t>：对象的组合和选择</a:t>
-            </a:r>
-            <a:endParaRPr lang="en-US" altLang="zh-CN" sz="3200" dirty="0"/>
+              <a:rPr lang="en-US" altLang="zh-CN" sz="3200" b="1" dirty="0"/>
+              <a:t> over ORM over </a:t>
+            </a:r>
+            <a:r>
+              <a:rPr lang="en-US" altLang="zh-CN" sz="3200" b="1" dirty="0" err="1"/>
+              <a:t>GraphQL</a:t>
+            </a:r>
+            <a:endParaRPr lang="zh-CN" altLang="en-US" sz="3200" b="1" dirty="0"/>
           </a:p>
         </p:txBody>
       </p:sp>
     </p:spTree>
     <p:extLst>
       <p:ext uri="{BB962C8B-B14F-4D97-AF65-F5344CB8AC3E}">
-        <p14:creationId xmlns:p14="http://schemas.microsoft.com/office/powerpoint/2010/main" val="3671654214"/>
+        <p14:creationId xmlns:p14="http://schemas.microsoft.com/office/powerpoint/2010/main" val="881827011"/>
       </p:ext>
     </p:extLst>
   </p:cSld>

--- a/docs/ppt/nop-orm.pptx
+++ b/docs/ppt/nop-orm.pptx
@@ -7,14 +7,18 @@
   <p:sldIdLst>
     <p:sldId id="258" r:id="rId2"/>
     <p:sldId id="297" r:id="rId3"/>
-    <p:sldId id="291" r:id="rId4"/>
-    <p:sldId id="298" r:id="rId5"/>
-    <p:sldId id="293" r:id="rId6"/>
-    <p:sldId id="294" r:id="rId7"/>
-    <p:sldId id="295" r:id="rId8"/>
-    <p:sldId id="296" r:id="rId9"/>
-    <p:sldId id="269" r:id="rId10"/>
-    <p:sldId id="292" r:id="rId11"/>
+    <p:sldId id="263" r:id="rId4"/>
+    <p:sldId id="291" r:id="rId5"/>
+    <p:sldId id="301" r:id="rId6"/>
+    <p:sldId id="300" r:id="rId7"/>
+    <p:sldId id="298" r:id="rId8"/>
+    <p:sldId id="299" r:id="rId9"/>
+    <p:sldId id="293" r:id="rId10"/>
+    <p:sldId id="294" r:id="rId11"/>
+    <p:sldId id="296" r:id="rId12"/>
+    <p:sldId id="302" r:id="rId13"/>
+    <p:sldId id="269" r:id="rId14"/>
+    <p:sldId id="292" r:id="rId15"/>
   </p:sldIdLst>
   <p:sldSz cx="12192000" cy="6858000"/>
   <p:notesSz cx="6858000" cy="9144000"/>
@@ -3427,6 +3431,41 @@
           </a:p>
         </p:txBody>
       </p:sp>
+      <p:sp>
+        <p:nvSpPr>
+          <p:cNvPr id="3" name="文本框 2">
+            <a:extLst>
+              <a:ext uri="{FF2B5EF4-FFF2-40B4-BE49-F238E27FC236}">
+                <a16:creationId xmlns:a16="http://schemas.microsoft.com/office/drawing/2014/main" id="{2D216969-240D-95A7-90A4-CA6002F3B8EF}"/>
+              </a:ext>
+            </a:extLst>
+          </p:cNvPr>
+          <p:cNvSpPr txBox="1"/>
+          <p:nvPr/>
+        </p:nvSpPr>
+        <p:spPr>
+          <a:xfrm>
+            <a:off x="4141076" y="4025461"/>
+            <a:ext cx="5843752" cy="523220"/>
+          </a:xfrm>
+          <a:prstGeom prst="rect">
+            <a:avLst/>
+          </a:prstGeom>
+          <a:noFill/>
+        </p:spPr>
+        <p:txBody>
+          <a:bodyPr wrap="square" rtlCol="0">
+            <a:spAutoFit/>
+          </a:bodyPr>
+          <a:lstStyle/>
+          <a:p>
+            <a:r>
+              <a:rPr lang="zh-CN" altLang="en-US" sz="2800" dirty="0"/>
+              <a:t>下一代对象关系映射引擎</a:t>
+            </a:r>
+          </a:p>
+        </p:txBody>
+      </p:sp>
     </p:spTree>
     <p:extLst>
       <p:ext uri="{BB962C8B-B14F-4D97-AF65-F5344CB8AC3E}">
@@ -3479,867 +3518,6 @@
           <a:lstStyle/>
           <a:p>
             <a:r>
-              <a:rPr lang="en-US" altLang="zh-CN" b="1" dirty="0" err="1"/>
-              <a:t>Nop</a:t>
-            </a:r>
-            <a:r>
-              <a:rPr lang="zh-CN" altLang="en-US" b="1" dirty="0"/>
-              <a:t>平台中的</a:t>
-            </a:r>
-            <a:r>
-              <a:rPr lang="en-US" altLang="zh-CN" b="1" dirty="0"/>
-              <a:t>DDD</a:t>
-            </a:r>
-            <a:endParaRPr lang="zh-CN" altLang="en-US" b="1" dirty="0"/>
-          </a:p>
-        </p:txBody>
-      </p:sp>
-      <p:sp>
-        <p:nvSpPr>
-          <p:cNvPr id="9" name="文本框 8">
-            <a:extLst>
-              <a:ext uri="{FF2B5EF4-FFF2-40B4-BE49-F238E27FC236}">
-                <a16:creationId xmlns:a16="http://schemas.microsoft.com/office/drawing/2014/main" id="{540A60B3-93A5-7288-4BDF-50258236F659}"/>
-              </a:ext>
-            </a:extLst>
-          </p:cNvPr>
-          <p:cNvSpPr txBox="1"/>
-          <p:nvPr/>
-        </p:nvSpPr>
-        <p:spPr>
-          <a:xfrm>
-            <a:off x="838200" y="1583872"/>
-            <a:ext cx="10208079" cy="2062103"/>
-          </a:xfrm>
-          <a:prstGeom prst="rect">
-            <a:avLst/>
-          </a:prstGeom>
-          <a:noFill/>
-        </p:spPr>
-        <p:txBody>
-          <a:bodyPr wrap="square" rtlCol="0">
-            <a:spAutoFit/>
-          </a:bodyPr>
-          <a:lstStyle/>
-          <a:p>
-            <a:pPr marL="457200" indent="-457200">
-              <a:buFont typeface="Wingdings" panose="05000000000000000000" pitchFamily="2" charset="2"/>
-              <a:buChar char="Ø"/>
-            </a:pPr>
-            <a:r>
-              <a:rPr lang="zh-CN" altLang="en-US" sz="3200" dirty="0"/>
-              <a:t>聚合根，主题对象</a:t>
-            </a:r>
-            <a:endParaRPr lang="en-US" altLang="zh-CN" sz="3200" dirty="0"/>
-          </a:p>
-          <a:p>
-            <a:pPr marL="457200" indent="-457200">
-              <a:buFont typeface="Wingdings" panose="05000000000000000000" pitchFamily="2" charset="2"/>
-              <a:buChar char="Ø"/>
-            </a:pPr>
-            <a:r>
-              <a:rPr lang="en-US" altLang="zh-CN" sz="3200" dirty="0"/>
-              <a:t>Entity </a:t>
-            </a:r>
-            <a:r>
-              <a:rPr lang="zh-CN" altLang="en-US" sz="3200" dirty="0"/>
-              <a:t>：数据的聚合</a:t>
-            </a:r>
-            <a:endParaRPr lang="en-US" altLang="zh-CN" sz="3200" dirty="0"/>
-          </a:p>
-          <a:p>
-            <a:pPr marL="457200" indent="-457200">
-              <a:buFont typeface="Wingdings" panose="05000000000000000000" pitchFamily="2" charset="2"/>
-              <a:buChar char="Ø"/>
-            </a:pPr>
-            <a:r>
-              <a:rPr lang="en-US" altLang="zh-CN" sz="3200" dirty="0" err="1"/>
-              <a:t>BizObject</a:t>
-            </a:r>
-            <a:r>
-              <a:rPr lang="en-US" altLang="zh-CN" sz="3200" dirty="0"/>
-              <a:t>: </a:t>
-            </a:r>
-            <a:r>
-              <a:rPr lang="zh-CN" altLang="en-US" sz="3200" dirty="0"/>
-              <a:t>行为的聚合</a:t>
-            </a:r>
-            <a:endParaRPr lang="en-US" altLang="zh-CN" sz="3200" dirty="0"/>
-          </a:p>
-          <a:p>
-            <a:pPr marL="457200" indent="-457200">
-              <a:buFont typeface="Wingdings" panose="05000000000000000000" pitchFamily="2" charset="2"/>
-              <a:buChar char="Ø"/>
-            </a:pPr>
-            <a:r>
-              <a:rPr lang="en-US" altLang="zh-CN" sz="3200" dirty="0" err="1"/>
-              <a:t>GraphQL</a:t>
-            </a:r>
-            <a:r>
-              <a:rPr lang="en-US" altLang="zh-CN" sz="3200" dirty="0"/>
-              <a:t> </a:t>
-            </a:r>
-            <a:r>
-              <a:rPr lang="zh-CN" altLang="en-US" sz="3200" dirty="0"/>
-              <a:t>：对象的组合和选择</a:t>
-            </a:r>
-            <a:endParaRPr lang="en-US" altLang="zh-CN" sz="3200" dirty="0"/>
-          </a:p>
-        </p:txBody>
-      </p:sp>
-    </p:spTree>
-    <p:extLst>
-      <p:ext uri="{BB962C8B-B14F-4D97-AF65-F5344CB8AC3E}">
-        <p14:creationId xmlns:p14="http://schemas.microsoft.com/office/powerpoint/2010/main" val="3671654214"/>
-      </p:ext>
-    </p:extLst>
-  </p:cSld>
-  <p:clrMapOvr>
-    <a:masterClrMapping/>
-  </p:clrMapOvr>
-</p:sld>
-</file>
-
-<file path=ppt/slides/slide2.xml><?xml version="1.0" encoding="utf-8"?>
-<p:sld xmlns:a="http://schemas.openxmlformats.org/drawingml/2006/main" xmlns:r="http://schemas.openxmlformats.org/officeDocument/2006/relationships" xmlns:p="http://schemas.openxmlformats.org/presentationml/2006/main">
-  <p:cSld>
-    <p:spTree>
-      <p:nvGrpSpPr>
-        <p:cNvPr id="1" name="">
-          <a:extLst>
-            <a:ext uri="{FF2B5EF4-FFF2-40B4-BE49-F238E27FC236}">
-              <a16:creationId xmlns:a16="http://schemas.microsoft.com/office/drawing/2014/main" id="{1A998E85-E2B1-0FCD-2390-7072243D14DD}"/>
-            </a:ext>
-          </a:extLst>
-        </p:cNvPr>
-        <p:cNvGrpSpPr/>
-        <p:nvPr/>
-      </p:nvGrpSpPr>
-      <p:grpSpPr>
-        <a:xfrm>
-          <a:off x="0" y="0"/>
-          <a:ext cx="0" cy="0"/>
-          <a:chOff x="0" y="0"/>
-          <a:chExt cx="0" cy="0"/>
-        </a:xfrm>
-      </p:grpSpPr>
-      <p:sp>
-        <p:nvSpPr>
-          <p:cNvPr id="2" name="标题 1">
-            <a:extLst>
-              <a:ext uri="{FF2B5EF4-FFF2-40B4-BE49-F238E27FC236}">
-                <a16:creationId xmlns:a16="http://schemas.microsoft.com/office/drawing/2014/main" id="{AB5090CD-FA4A-E2F9-D349-ECCD44B0F282}"/>
-              </a:ext>
-            </a:extLst>
-          </p:cNvPr>
-          <p:cNvSpPr>
-            <a:spLocks noGrp="1"/>
-          </p:cNvSpPr>
-          <p:nvPr>
-            <p:ph type="title"/>
-          </p:nvPr>
-        </p:nvSpPr>
-        <p:spPr/>
-        <p:txBody>
-          <a:bodyPr/>
-          <a:lstStyle/>
-          <a:p>
-            <a:r>
-              <a:rPr lang="zh-CN" altLang="en-US" b="1" dirty="0"/>
-              <a:t>面向</a:t>
-            </a:r>
-            <a:r>
-              <a:rPr lang="en-US" altLang="zh-CN" b="1" dirty="0"/>
-              <a:t>DSL</a:t>
-            </a:r>
-            <a:r>
-              <a:rPr lang="zh-CN" altLang="en-US" b="1" dirty="0"/>
-              <a:t>的设计</a:t>
-            </a:r>
-          </a:p>
-        </p:txBody>
-      </p:sp>
-      <p:pic>
-        <p:nvPicPr>
-          <p:cNvPr id="7" name="图片 6">
-            <a:extLst>
-              <a:ext uri="{FF2B5EF4-FFF2-40B4-BE49-F238E27FC236}">
-                <a16:creationId xmlns:a16="http://schemas.microsoft.com/office/drawing/2014/main" id="{ECC88CA4-4957-E35E-BC44-1EFEB8765903}"/>
-              </a:ext>
-            </a:extLst>
-          </p:cNvPr>
-          <p:cNvPicPr>
-            <a:picLocks noChangeAspect="1"/>
-          </p:cNvPicPr>
-          <p:nvPr/>
-        </p:nvPicPr>
-        <p:blipFill>
-          <a:blip r:embed="rId2">
-            <a:extLst>
-              <a:ext uri="{28A0092B-C50C-407E-A947-70E740481C1C}">
-                <a14:useLocalDpi xmlns:a14="http://schemas.microsoft.com/office/drawing/2010/main" val="0"/>
-              </a:ext>
-            </a:extLst>
-          </a:blip>
-          <a:stretch>
-            <a:fillRect/>
-          </a:stretch>
-        </p:blipFill>
-        <p:spPr>
-          <a:xfrm>
-            <a:off x="1638134" y="1922689"/>
-            <a:ext cx="8915731" cy="3012622"/>
-          </a:xfrm>
-          <a:prstGeom prst="rect">
-            <a:avLst/>
-          </a:prstGeom>
-        </p:spPr>
-      </p:pic>
-    </p:spTree>
-    <p:extLst>
-      <p:ext uri="{BB962C8B-B14F-4D97-AF65-F5344CB8AC3E}">
-        <p14:creationId xmlns:p14="http://schemas.microsoft.com/office/powerpoint/2010/main" val="813164614"/>
-      </p:ext>
-    </p:extLst>
-  </p:cSld>
-  <p:clrMapOvr>
-    <a:masterClrMapping/>
-  </p:clrMapOvr>
-</p:sld>
-</file>
-
-<file path=ppt/slides/slide3.xml><?xml version="1.0" encoding="utf-8"?>
-<p:sld xmlns:a="http://schemas.openxmlformats.org/drawingml/2006/main" xmlns:r="http://schemas.openxmlformats.org/officeDocument/2006/relationships" xmlns:p="http://schemas.openxmlformats.org/presentationml/2006/main">
-  <p:cSld>
-    <p:spTree>
-      <p:nvGrpSpPr>
-        <p:cNvPr id="1" name=""/>
-        <p:cNvGrpSpPr/>
-        <p:nvPr/>
-      </p:nvGrpSpPr>
-      <p:grpSpPr>
-        <a:xfrm>
-          <a:off x="0" y="0"/>
-          <a:ext cx="0" cy="0"/>
-          <a:chOff x="0" y="0"/>
-          <a:chExt cx="0" cy="0"/>
-        </a:xfrm>
-      </p:grpSpPr>
-      <p:sp>
-        <p:nvSpPr>
-          <p:cNvPr id="2" name="标题 1">
-            <a:extLst>
-              <a:ext uri="{FF2B5EF4-FFF2-40B4-BE49-F238E27FC236}">
-                <a16:creationId xmlns:a16="http://schemas.microsoft.com/office/drawing/2014/main" id="{7B078A78-F1A6-B200-A327-496477BABCB1}"/>
-              </a:ext>
-            </a:extLst>
-          </p:cNvPr>
-          <p:cNvSpPr>
-            <a:spLocks noGrp="1"/>
-          </p:cNvSpPr>
-          <p:nvPr>
-            <p:ph type="title"/>
-          </p:nvPr>
-        </p:nvSpPr>
-        <p:spPr/>
-        <p:txBody>
-          <a:bodyPr/>
-          <a:lstStyle/>
-          <a:p>
-            <a:r>
-              <a:rPr lang="en-US" altLang="zh-CN" b="1" dirty="0"/>
-              <a:t>ORM</a:t>
-            </a:r>
-            <a:r>
-              <a:rPr lang="zh-CN" altLang="en-US" b="1" dirty="0"/>
-              <a:t>引擎的独特价值</a:t>
-            </a:r>
-          </a:p>
-        </p:txBody>
-      </p:sp>
-      <p:sp>
-        <p:nvSpPr>
-          <p:cNvPr id="9" name="文本框 8">
-            <a:extLst>
-              <a:ext uri="{FF2B5EF4-FFF2-40B4-BE49-F238E27FC236}">
-                <a16:creationId xmlns:a16="http://schemas.microsoft.com/office/drawing/2014/main" id="{540A60B3-93A5-7288-4BDF-50258236F659}"/>
-              </a:ext>
-            </a:extLst>
-          </p:cNvPr>
-          <p:cNvSpPr txBox="1"/>
-          <p:nvPr/>
-        </p:nvSpPr>
-        <p:spPr>
-          <a:xfrm>
-            <a:off x="2865664" y="3804557"/>
-            <a:ext cx="4980215" cy="584775"/>
-          </a:xfrm>
-          <a:prstGeom prst="rect">
-            <a:avLst/>
-          </a:prstGeom>
-          <a:noFill/>
-        </p:spPr>
-        <p:txBody>
-          <a:bodyPr wrap="square" rtlCol="0">
-            <a:spAutoFit/>
-          </a:bodyPr>
-          <a:lstStyle/>
-          <a:p>
-            <a:r>
-              <a:rPr lang="en-US" altLang="zh-CN" sz="3200" dirty="0"/>
-              <a:t>  EQL = SQL  + </a:t>
-            </a:r>
-            <a:r>
-              <a:rPr lang="en-US" altLang="zh-CN" sz="3200" dirty="0" err="1"/>
-              <a:t>AutoJoin</a:t>
-            </a:r>
-            <a:endParaRPr lang="en-US" altLang="zh-CN" sz="3200" dirty="0"/>
-          </a:p>
-        </p:txBody>
-      </p:sp>
-      <p:sp>
-        <p:nvSpPr>
-          <p:cNvPr id="3" name="文本框 2">
-            <a:extLst>
-              <a:ext uri="{FF2B5EF4-FFF2-40B4-BE49-F238E27FC236}">
-                <a16:creationId xmlns:a16="http://schemas.microsoft.com/office/drawing/2014/main" id="{A494B263-3F60-AD20-F673-BB98C8BC9B90}"/>
-              </a:ext>
-            </a:extLst>
-          </p:cNvPr>
-          <p:cNvSpPr txBox="1"/>
-          <p:nvPr/>
-        </p:nvSpPr>
-        <p:spPr>
-          <a:xfrm>
-            <a:off x="1338944" y="1904481"/>
-            <a:ext cx="7739742" cy="584775"/>
-          </a:xfrm>
-          <a:prstGeom prst="rect">
-            <a:avLst/>
-          </a:prstGeom>
-          <a:noFill/>
-        </p:spPr>
-        <p:txBody>
-          <a:bodyPr wrap="square" rtlCol="0">
-            <a:spAutoFit/>
-          </a:bodyPr>
-          <a:lstStyle/>
-          <a:p>
-            <a:r>
-              <a:rPr lang="zh-CN" altLang="en-US" sz="3200" dirty="0"/>
-              <a:t>关系数据库的秘密：关系数据库中无关系</a:t>
-            </a:r>
-            <a:endParaRPr lang="en-US" altLang="zh-CN" sz="3200" dirty="0"/>
-          </a:p>
-        </p:txBody>
-      </p:sp>
-      <p:sp>
-        <p:nvSpPr>
-          <p:cNvPr id="4" name="文本框 3">
-            <a:extLst>
-              <a:ext uri="{FF2B5EF4-FFF2-40B4-BE49-F238E27FC236}">
-                <a16:creationId xmlns:a16="http://schemas.microsoft.com/office/drawing/2014/main" id="{83348266-1580-CA90-F558-1275B72C088F}"/>
-              </a:ext>
-            </a:extLst>
-          </p:cNvPr>
-          <p:cNvSpPr txBox="1"/>
-          <p:nvPr/>
-        </p:nvSpPr>
-        <p:spPr>
-          <a:xfrm>
-            <a:off x="1466852" y="2816159"/>
-            <a:ext cx="7739742" cy="584775"/>
-          </a:xfrm>
-          <a:prstGeom prst="rect">
-            <a:avLst/>
-          </a:prstGeom>
-          <a:noFill/>
-        </p:spPr>
-        <p:txBody>
-          <a:bodyPr wrap="square" rtlCol="0">
-            <a:spAutoFit/>
-          </a:bodyPr>
-          <a:lstStyle/>
-          <a:p>
-            <a:r>
-              <a:rPr lang="zh-CN" altLang="en-US" sz="3200" dirty="0"/>
-              <a:t>重新认识主键和外键</a:t>
-            </a:r>
-            <a:r>
-              <a:rPr lang="en-US" altLang="zh-CN" sz="3200" dirty="0"/>
-              <a:t>:</a:t>
-            </a:r>
-          </a:p>
-        </p:txBody>
-      </p:sp>
-      <p:sp>
-        <p:nvSpPr>
-          <p:cNvPr id="5" name="文本框 4">
-            <a:extLst>
-              <a:ext uri="{FF2B5EF4-FFF2-40B4-BE49-F238E27FC236}">
-                <a16:creationId xmlns:a16="http://schemas.microsoft.com/office/drawing/2014/main" id="{36CB2863-D4E8-FF10-B471-3C8E52237EEB}"/>
-              </a:ext>
-            </a:extLst>
-          </p:cNvPr>
-          <p:cNvSpPr txBox="1"/>
-          <p:nvPr/>
-        </p:nvSpPr>
-        <p:spPr>
-          <a:xfrm>
-            <a:off x="3151417" y="4610100"/>
-            <a:ext cx="2857500" cy="584775"/>
-          </a:xfrm>
-          <a:prstGeom prst="rect">
-            <a:avLst/>
-          </a:prstGeom>
-          <a:noFill/>
-        </p:spPr>
-        <p:txBody>
-          <a:bodyPr wrap="square" rtlCol="0">
-            <a:spAutoFit/>
-          </a:bodyPr>
-          <a:lstStyle/>
-          <a:p>
-            <a:r>
-              <a:rPr lang="en-US" altLang="zh-CN" sz="3200" dirty="0"/>
-              <a:t>Row =&gt; Entity</a:t>
-            </a:r>
-          </a:p>
-        </p:txBody>
-      </p:sp>
-    </p:spTree>
-    <p:extLst>
-      <p:ext uri="{BB962C8B-B14F-4D97-AF65-F5344CB8AC3E}">
-        <p14:creationId xmlns:p14="http://schemas.microsoft.com/office/powerpoint/2010/main" val="3712466064"/>
-      </p:ext>
-    </p:extLst>
-  </p:cSld>
-  <p:clrMapOvr>
-    <a:masterClrMapping/>
-  </p:clrMapOvr>
-</p:sld>
-</file>
-
-<file path=ppt/slides/slide4.xml><?xml version="1.0" encoding="utf-8"?>
-<p:sld xmlns:a="http://schemas.openxmlformats.org/drawingml/2006/main" xmlns:r="http://schemas.openxmlformats.org/officeDocument/2006/relationships" xmlns:p="http://schemas.openxmlformats.org/presentationml/2006/main">
-  <p:cSld>
-    <p:spTree>
-      <p:nvGrpSpPr>
-        <p:cNvPr id="1" name="">
-          <a:extLst>
-            <a:ext uri="{FF2B5EF4-FFF2-40B4-BE49-F238E27FC236}">
-              <a16:creationId xmlns:a16="http://schemas.microsoft.com/office/drawing/2014/main" id="{8F85055B-23FD-4C3E-43FD-6FD31D4E3E07}"/>
-            </a:ext>
-          </a:extLst>
-        </p:cNvPr>
-        <p:cNvGrpSpPr/>
-        <p:nvPr/>
-      </p:nvGrpSpPr>
-      <p:grpSpPr>
-        <a:xfrm>
-          <a:off x="0" y="0"/>
-          <a:ext cx="0" cy="0"/>
-          <a:chOff x="0" y="0"/>
-          <a:chExt cx="0" cy="0"/>
-        </a:xfrm>
-      </p:grpSpPr>
-      <p:sp>
-        <p:nvSpPr>
-          <p:cNvPr id="2" name="标题 1">
-            <a:extLst>
-              <a:ext uri="{FF2B5EF4-FFF2-40B4-BE49-F238E27FC236}">
-                <a16:creationId xmlns:a16="http://schemas.microsoft.com/office/drawing/2014/main" id="{E644D40E-3705-6462-6790-1D4C8E63FE38}"/>
-              </a:ext>
-            </a:extLst>
-          </p:cNvPr>
-          <p:cNvSpPr>
-            <a:spLocks noGrp="1"/>
-          </p:cNvSpPr>
-          <p:nvPr>
-            <p:ph type="title"/>
-          </p:nvPr>
-        </p:nvSpPr>
-        <p:spPr/>
-        <p:txBody>
-          <a:bodyPr/>
-          <a:lstStyle/>
-          <a:p>
-            <a:r>
-              <a:rPr lang="zh-CN" altLang="en-US" b="1" dirty="0"/>
-              <a:t>一次表达，多次使用</a:t>
-            </a:r>
-          </a:p>
-        </p:txBody>
-      </p:sp>
-      <p:sp>
-        <p:nvSpPr>
-          <p:cNvPr id="3" name="文本框 2">
-            <a:extLst>
-              <a:ext uri="{FF2B5EF4-FFF2-40B4-BE49-F238E27FC236}">
-                <a16:creationId xmlns:a16="http://schemas.microsoft.com/office/drawing/2014/main" id="{65C8FC0A-153D-DDA4-6EFC-AAF8EC0E00F2}"/>
-              </a:ext>
-            </a:extLst>
-          </p:cNvPr>
-          <p:cNvSpPr txBox="1"/>
-          <p:nvPr/>
-        </p:nvSpPr>
-        <p:spPr>
-          <a:xfrm>
-            <a:off x="1338944" y="1904481"/>
-            <a:ext cx="7739742" cy="584775"/>
-          </a:xfrm>
-          <a:prstGeom prst="rect">
-            <a:avLst/>
-          </a:prstGeom>
-          <a:noFill/>
-        </p:spPr>
-        <p:txBody>
-          <a:bodyPr wrap="square" rtlCol="0">
-            <a:spAutoFit/>
-          </a:bodyPr>
-          <a:lstStyle/>
-          <a:p>
-            <a:r>
-              <a:rPr lang="en-US" altLang="zh-CN" sz="3200" dirty="0" err="1"/>
-              <a:t>entity.relatedEntity.displayName</a:t>
-            </a:r>
-            <a:endParaRPr lang="en-US" altLang="zh-CN" sz="3200" dirty="0"/>
-          </a:p>
-        </p:txBody>
-      </p:sp>
-      <p:sp>
-        <p:nvSpPr>
-          <p:cNvPr id="4" name="文本框 3">
-            <a:extLst>
-              <a:ext uri="{FF2B5EF4-FFF2-40B4-BE49-F238E27FC236}">
-                <a16:creationId xmlns:a16="http://schemas.microsoft.com/office/drawing/2014/main" id="{23694840-3E17-8C47-9CC6-CC3E7D9BC8B7}"/>
-              </a:ext>
-            </a:extLst>
-          </p:cNvPr>
-          <p:cNvSpPr txBox="1"/>
-          <p:nvPr/>
-        </p:nvSpPr>
-        <p:spPr>
-          <a:xfrm>
-            <a:off x="1466852" y="2816159"/>
-            <a:ext cx="9620248" cy="584775"/>
-          </a:xfrm>
-          <a:prstGeom prst="rect">
-            <a:avLst/>
-          </a:prstGeom>
-          <a:noFill/>
-        </p:spPr>
-        <p:txBody>
-          <a:bodyPr wrap="square" rtlCol="0">
-            <a:spAutoFit/>
-          </a:bodyPr>
-          <a:lstStyle/>
-          <a:p>
-            <a:r>
-              <a:rPr lang="zh-CN" altLang="en-US" sz="3200" dirty="0"/>
-              <a:t>关联属性在</a:t>
-            </a:r>
-            <a:r>
-              <a:rPr lang="en-US" altLang="zh-CN" sz="3200" dirty="0"/>
-              <a:t>Java</a:t>
-            </a:r>
-            <a:r>
-              <a:rPr lang="zh-CN" altLang="en-US" sz="3200" dirty="0"/>
-              <a:t>和</a:t>
-            </a:r>
-            <a:r>
-              <a:rPr lang="en-US" altLang="zh-CN" sz="3200" dirty="0"/>
-              <a:t>EQL</a:t>
-            </a:r>
-            <a:r>
-              <a:rPr lang="zh-CN" altLang="en-US" sz="3200"/>
-              <a:t>层面的自动推理</a:t>
-            </a:r>
-            <a:endParaRPr lang="en-US" altLang="zh-CN" sz="3200" dirty="0"/>
-          </a:p>
-        </p:txBody>
-      </p:sp>
-    </p:spTree>
-    <p:extLst>
-      <p:ext uri="{BB962C8B-B14F-4D97-AF65-F5344CB8AC3E}">
-        <p14:creationId xmlns:p14="http://schemas.microsoft.com/office/powerpoint/2010/main" val="1866375095"/>
-      </p:ext>
-    </p:extLst>
-  </p:cSld>
-  <p:clrMapOvr>
-    <a:masterClrMapping/>
-  </p:clrMapOvr>
-</p:sld>
-</file>
-
-<file path=ppt/slides/slide5.xml><?xml version="1.0" encoding="utf-8"?>
-<p:sld xmlns:a="http://schemas.openxmlformats.org/drawingml/2006/main" xmlns:r="http://schemas.openxmlformats.org/officeDocument/2006/relationships" xmlns:p="http://schemas.openxmlformats.org/presentationml/2006/main">
-  <p:cSld>
-    <p:spTree>
-      <p:nvGrpSpPr>
-        <p:cNvPr id="1" name=""/>
-        <p:cNvGrpSpPr/>
-        <p:nvPr/>
-      </p:nvGrpSpPr>
-      <p:grpSpPr>
-        <a:xfrm>
-          <a:off x="0" y="0"/>
-          <a:ext cx="0" cy="0"/>
-          <a:chOff x="0" y="0"/>
-          <a:chExt cx="0" cy="0"/>
-        </a:xfrm>
-      </p:grpSpPr>
-      <p:sp>
-        <p:nvSpPr>
-          <p:cNvPr id="2" name="标题 1">
-            <a:extLst>
-              <a:ext uri="{FF2B5EF4-FFF2-40B4-BE49-F238E27FC236}">
-                <a16:creationId xmlns:a16="http://schemas.microsoft.com/office/drawing/2014/main" id="{7B078A78-F1A6-B200-A327-496477BABCB1}"/>
-              </a:ext>
-            </a:extLst>
-          </p:cNvPr>
-          <p:cNvSpPr>
-            <a:spLocks noGrp="1"/>
-          </p:cNvSpPr>
-          <p:nvPr>
-            <p:ph type="title"/>
-          </p:nvPr>
-        </p:nvSpPr>
-        <p:spPr/>
-        <p:txBody>
-          <a:bodyPr/>
-          <a:lstStyle/>
-          <a:p>
-            <a:r>
-              <a:rPr lang="zh-CN" altLang="en-US" b="1" dirty="0"/>
-              <a:t>通用的横纵变换</a:t>
-            </a:r>
-          </a:p>
-        </p:txBody>
-      </p:sp>
-      <p:sp>
-        <p:nvSpPr>
-          <p:cNvPr id="9" name="文本框 8">
-            <a:extLst>
-              <a:ext uri="{FF2B5EF4-FFF2-40B4-BE49-F238E27FC236}">
-                <a16:creationId xmlns:a16="http://schemas.microsoft.com/office/drawing/2014/main" id="{540A60B3-93A5-7288-4BDF-50258236F659}"/>
-              </a:ext>
-            </a:extLst>
-          </p:cNvPr>
-          <p:cNvSpPr txBox="1"/>
-          <p:nvPr/>
-        </p:nvSpPr>
-        <p:spPr>
-          <a:xfrm>
-            <a:off x="1338943" y="3739244"/>
-            <a:ext cx="7413172" cy="584775"/>
-          </a:xfrm>
-          <a:prstGeom prst="rect">
-            <a:avLst/>
-          </a:prstGeom>
-          <a:noFill/>
-        </p:spPr>
-        <p:txBody>
-          <a:bodyPr wrap="square" rtlCol="0">
-            <a:spAutoFit/>
-          </a:bodyPr>
-          <a:lstStyle/>
-          <a:p>
-            <a:r>
-              <a:rPr lang="en-US" altLang="zh-CN" sz="3200" dirty="0"/>
-              <a:t>2. </a:t>
-            </a:r>
-            <a:r>
-              <a:rPr lang="zh-CN" altLang="en-US" sz="3200" dirty="0"/>
-              <a:t>通过别名隐藏属性路径</a:t>
-            </a:r>
-            <a:endParaRPr lang="en-US" altLang="zh-CN" sz="3200" dirty="0"/>
-          </a:p>
-        </p:txBody>
-      </p:sp>
-      <p:sp>
-        <p:nvSpPr>
-          <p:cNvPr id="3" name="文本框 2">
-            <a:extLst>
-              <a:ext uri="{FF2B5EF4-FFF2-40B4-BE49-F238E27FC236}">
-                <a16:creationId xmlns:a16="http://schemas.microsoft.com/office/drawing/2014/main" id="{A494B263-3F60-AD20-F673-BB98C8BC9B90}"/>
-              </a:ext>
-            </a:extLst>
-          </p:cNvPr>
-          <p:cNvSpPr txBox="1"/>
-          <p:nvPr/>
-        </p:nvSpPr>
-        <p:spPr>
-          <a:xfrm>
-            <a:off x="1338943" y="1904481"/>
-            <a:ext cx="10303327" cy="584775"/>
-          </a:xfrm>
-          <a:prstGeom prst="rect">
-            <a:avLst/>
-          </a:prstGeom>
-          <a:noFill/>
-        </p:spPr>
-        <p:txBody>
-          <a:bodyPr wrap="square" rtlCol="0">
-            <a:spAutoFit/>
-          </a:bodyPr>
-          <a:lstStyle/>
-          <a:p>
-            <a:r>
-              <a:rPr lang="en-US" altLang="zh-CN" sz="3200" dirty="0"/>
-              <a:t>1. </a:t>
-            </a:r>
-            <a:r>
-              <a:rPr lang="zh-CN" altLang="en-US" sz="3200" dirty="0"/>
-              <a:t>将属性访问语法扩展到一对多子表</a:t>
-            </a:r>
-            <a:endParaRPr lang="en-US" altLang="zh-CN" sz="3200" dirty="0"/>
-          </a:p>
-        </p:txBody>
-      </p:sp>
-      <p:sp>
-        <p:nvSpPr>
-          <p:cNvPr id="4" name="文本框 3">
-            <a:extLst>
-              <a:ext uri="{FF2B5EF4-FFF2-40B4-BE49-F238E27FC236}">
-                <a16:creationId xmlns:a16="http://schemas.microsoft.com/office/drawing/2014/main" id="{83348266-1580-CA90-F558-1275B72C088F}"/>
-              </a:ext>
-            </a:extLst>
-          </p:cNvPr>
-          <p:cNvSpPr txBox="1"/>
-          <p:nvPr/>
-        </p:nvSpPr>
-        <p:spPr>
-          <a:xfrm>
-            <a:off x="1232808" y="2710024"/>
-            <a:ext cx="10199912" cy="523220"/>
-          </a:xfrm>
-          <a:prstGeom prst="rect">
-            <a:avLst/>
-          </a:prstGeom>
-          <a:noFill/>
-        </p:spPr>
-        <p:txBody>
-          <a:bodyPr wrap="square" rtlCol="0">
-            <a:spAutoFit/>
-          </a:bodyPr>
-          <a:lstStyle/>
-          <a:p>
-            <a:r>
-              <a:rPr lang="en-US" altLang="zh-CN" sz="2800" dirty="0" err="1"/>
-              <a:t>entity.subList.a</a:t>
-            </a:r>
-            <a:r>
-              <a:rPr lang="en-US" altLang="zh-CN" sz="2800" dirty="0"/>
-              <a:t> == </a:t>
-            </a:r>
-            <a:r>
-              <a:rPr lang="en-US" altLang="zh-CN" sz="2800" dirty="0" err="1"/>
-              <a:t>entity.subList.find</a:t>
-            </a:r>
-            <a:r>
-              <a:rPr lang="en-US" altLang="zh-CN" sz="2800" dirty="0"/>
-              <a:t>(sub=&gt;sub.name==‘a’)</a:t>
-            </a:r>
-          </a:p>
-        </p:txBody>
-      </p:sp>
-      <p:sp>
-        <p:nvSpPr>
-          <p:cNvPr id="5" name="文本框 4">
-            <a:extLst>
-              <a:ext uri="{FF2B5EF4-FFF2-40B4-BE49-F238E27FC236}">
-                <a16:creationId xmlns:a16="http://schemas.microsoft.com/office/drawing/2014/main" id="{36CB2863-D4E8-FF10-B471-3C8E52237EEB}"/>
-              </a:ext>
-            </a:extLst>
-          </p:cNvPr>
-          <p:cNvSpPr txBox="1"/>
-          <p:nvPr/>
-        </p:nvSpPr>
-        <p:spPr>
-          <a:xfrm>
-            <a:off x="1714500" y="4610100"/>
-            <a:ext cx="5078187" cy="523220"/>
-          </a:xfrm>
-          <a:prstGeom prst="rect">
-            <a:avLst/>
-          </a:prstGeom>
-          <a:noFill/>
-        </p:spPr>
-        <p:txBody>
-          <a:bodyPr wrap="square" rtlCol="0">
-            <a:spAutoFit/>
-          </a:bodyPr>
-          <a:lstStyle/>
-          <a:p>
-            <a:r>
-              <a:rPr lang="en-US" altLang="zh-CN" sz="2800" dirty="0" err="1"/>
-              <a:t>entity.ext_a</a:t>
-            </a:r>
-            <a:r>
-              <a:rPr lang="en-US" altLang="zh-CN" sz="2800" dirty="0"/>
-              <a:t> = </a:t>
-            </a:r>
-            <a:r>
-              <a:rPr lang="en-US" altLang="zh-CN" sz="2800" dirty="0" err="1"/>
-              <a:t>entity.subList.a</a:t>
-            </a:r>
-            <a:endParaRPr lang="en-US" altLang="zh-CN" sz="2800" dirty="0"/>
-          </a:p>
-        </p:txBody>
-      </p:sp>
-    </p:spTree>
-    <p:extLst>
-      <p:ext uri="{BB962C8B-B14F-4D97-AF65-F5344CB8AC3E}">
-        <p14:creationId xmlns:p14="http://schemas.microsoft.com/office/powerpoint/2010/main" val="2737684326"/>
-      </p:ext>
-    </p:extLst>
-  </p:cSld>
-  <p:clrMapOvr>
-    <a:masterClrMapping/>
-  </p:clrMapOvr>
-</p:sld>
-</file>
-
-<file path=ppt/slides/slide6.xml><?xml version="1.0" encoding="utf-8"?>
-<p:sld xmlns:a="http://schemas.openxmlformats.org/drawingml/2006/main" xmlns:r="http://schemas.openxmlformats.org/officeDocument/2006/relationships" xmlns:p="http://schemas.openxmlformats.org/presentationml/2006/main">
-  <p:cSld>
-    <p:spTree>
-      <p:nvGrpSpPr>
-        <p:cNvPr id="1" name=""/>
-        <p:cNvGrpSpPr/>
-        <p:nvPr/>
-      </p:nvGrpSpPr>
-      <p:grpSpPr>
-        <a:xfrm>
-          <a:off x="0" y="0"/>
-          <a:ext cx="0" cy="0"/>
-          <a:chOff x="0" y="0"/>
-          <a:chExt cx="0" cy="0"/>
-        </a:xfrm>
-      </p:grpSpPr>
-      <p:sp>
-        <p:nvSpPr>
-          <p:cNvPr id="2" name="标题 1">
-            <a:extLst>
-              <a:ext uri="{FF2B5EF4-FFF2-40B4-BE49-F238E27FC236}">
-                <a16:creationId xmlns:a16="http://schemas.microsoft.com/office/drawing/2014/main" id="{7B078A78-F1A6-B200-A327-496477BABCB1}"/>
-              </a:ext>
-            </a:extLst>
-          </p:cNvPr>
-          <p:cNvSpPr>
-            <a:spLocks noGrp="1"/>
-          </p:cNvSpPr>
-          <p:nvPr>
-            <p:ph type="title"/>
-          </p:nvPr>
-        </p:nvSpPr>
-        <p:spPr/>
-        <p:txBody>
-          <a:bodyPr/>
-          <a:lstStyle/>
-          <a:p>
-            <a:r>
               <a:rPr lang="zh-CN" altLang="en-US" b="1" dirty="0"/>
               <a:t>纵表的</a:t>
             </a:r>
@@ -4549,260 +3727,7 @@
 </p:sld>
 </file>
 
-<file path=ppt/slides/slide7.xml><?xml version="1.0" encoding="utf-8"?>
-<p:sld xmlns:a="http://schemas.openxmlformats.org/drawingml/2006/main" xmlns:r="http://schemas.openxmlformats.org/officeDocument/2006/relationships" xmlns:p="http://schemas.openxmlformats.org/presentationml/2006/main">
-  <p:cSld>
-    <p:spTree>
-      <p:nvGrpSpPr>
-        <p:cNvPr id="1" name=""/>
-        <p:cNvGrpSpPr/>
-        <p:nvPr/>
-      </p:nvGrpSpPr>
-      <p:grpSpPr>
-        <a:xfrm>
-          <a:off x="0" y="0"/>
-          <a:ext cx="0" cy="0"/>
-          <a:chOff x="0" y="0"/>
-          <a:chExt cx="0" cy="0"/>
-        </a:xfrm>
-      </p:grpSpPr>
-      <p:sp>
-        <p:nvSpPr>
-          <p:cNvPr id="2" name="标题 1">
-            <a:extLst>
-              <a:ext uri="{FF2B5EF4-FFF2-40B4-BE49-F238E27FC236}">
-                <a16:creationId xmlns:a16="http://schemas.microsoft.com/office/drawing/2014/main" id="{7B078A78-F1A6-B200-A327-496477BABCB1}"/>
-              </a:ext>
-            </a:extLst>
-          </p:cNvPr>
-          <p:cNvSpPr>
-            <a:spLocks noGrp="1"/>
-          </p:cNvSpPr>
-          <p:nvPr>
-            <p:ph type="title"/>
-          </p:nvPr>
-        </p:nvSpPr>
-        <p:spPr/>
-        <p:txBody>
-          <a:bodyPr/>
-          <a:lstStyle/>
-          <a:p>
-            <a:r>
-              <a:rPr lang="zh-CN" altLang="en-US" b="1" dirty="0"/>
-              <a:t>纵表的</a:t>
-            </a:r>
-            <a:r>
-              <a:rPr lang="en-US" altLang="zh-CN" b="1" dirty="0"/>
-              <a:t>SQL</a:t>
-            </a:r>
-            <a:r>
-              <a:rPr lang="zh-CN" altLang="en-US" b="1" dirty="0"/>
-              <a:t>转换</a:t>
-            </a:r>
-          </a:p>
-        </p:txBody>
-      </p:sp>
-      <p:sp>
-        <p:nvSpPr>
-          <p:cNvPr id="3" name="文本框 2">
-            <a:extLst>
-              <a:ext uri="{FF2B5EF4-FFF2-40B4-BE49-F238E27FC236}">
-                <a16:creationId xmlns:a16="http://schemas.microsoft.com/office/drawing/2014/main" id="{A494B263-3F60-AD20-F673-BB98C8BC9B90}"/>
-              </a:ext>
-            </a:extLst>
-          </p:cNvPr>
-          <p:cNvSpPr txBox="1"/>
-          <p:nvPr/>
-        </p:nvSpPr>
-        <p:spPr>
-          <a:xfrm>
-            <a:off x="1338943" y="1765688"/>
-            <a:ext cx="10303327" cy="1384995"/>
-          </a:xfrm>
-          <a:prstGeom prst="rect">
-            <a:avLst/>
-          </a:prstGeom>
-          <a:noFill/>
-        </p:spPr>
-        <p:txBody>
-          <a:bodyPr wrap="square" rtlCol="0">
-            <a:spAutoFit/>
-          </a:bodyPr>
-          <a:lstStyle/>
-          <a:p>
-            <a:r>
-              <a:rPr lang="en-US" altLang="zh-CN" sz="2800" dirty="0"/>
-              <a:t>Select * from </a:t>
-            </a:r>
-            <a:r>
-              <a:rPr lang="en-US" altLang="zh-CN" sz="2800" dirty="0" err="1"/>
-              <a:t>MyEntity</a:t>
-            </a:r>
-            <a:r>
-              <a:rPr lang="en-US" altLang="zh-CN" sz="2800" dirty="0"/>
-              <a:t> o </a:t>
-            </a:r>
-          </a:p>
-          <a:p>
-            <a:r>
-              <a:rPr lang="en-US" altLang="zh-CN" sz="2800" dirty="0"/>
-              <a:t>where </a:t>
-            </a:r>
-            <a:r>
-              <a:rPr lang="en-US" altLang="zh-CN" sz="2800" dirty="0" err="1"/>
-              <a:t>substr</a:t>
-            </a:r>
-            <a:r>
-              <a:rPr lang="en-US" altLang="zh-CN" sz="2800" dirty="0"/>
-              <a:t>(o.extFields.a,1) = ‘1’</a:t>
-            </a:r>
-          </a:p>
-          <a:p>
-            <a:r>
-              <a:rPr lang="en-US" altLang="zh-CN" sz="2800" dirty="0"/>
-              <a:t>order by </a:t>
-            </a:r>
-            <a:r>
-              <a:rPr lang="en-US" altLang="zh-CN" sz="2800" dirty="0" err="1"/>
-              <a:t>o.extFields.b</a:t>
-            </a:r>
-            <a:endParaRPr lang="en-US" altLang="zh-CN" sz="2800" dirty="0"/>
-          </a:p>
-        </p:txBody>
-      </p:sp>
-      <p:sp>
-        <p:nvSpPr>
-          <p:cNvPr id="4" name="文本框 3">
-            <a:extLst>
-              <a:ext uri="{FF2B5EF4-FFF2-40B4-BE49-F238E27FC236}">
-                <a16:creationId xmlns:a16="http://schemas.microsoft.com/office/drawing/2014/main" id="{83348266-1580-CA90-F558-1275B72C088F}"/>
-              </a:ext>
-            </a:extLst>
-          </p:cNvPr>
-          <p:cNvSpPr txBox="1"/>
-          <p:nvPr/>
-        </p:nvSpPr>
-        <p:spPr>
-          <a:xfrm>
-            <a:off x="1338943" y="3567274"/>
-            <a:ext cx="10199912" cy="3108543"/>
-          </a:xfrm>
-          <a:prstGeom prst="rect">
-            <a:avLst/>
-          </a:prstGeom>
-          <a:noFill/>
-        </p:spPr>
-        <p:txBody>
-          <a:bodyPr wrap="square" rtlCol="0">
-            <a:spAutoFit/>
-          </a:bodyPr>
-          <a:lstStyle/>
-          <a:p>
-            <a:r>
-              <a:rPr lang="en-US" altLang="zh-CN" sz="2800" dirty="0"/>
-              <a:t>Select * from </a:t>
-            </a:r>
-            <a:r>
-              <a:rPr lang="en-US" altLang="zh-CN" sz="2800" dirty="0" err="1"/>
-              <a:t>MyEntity</a:t>
-            </a:r>
-            <a:r>
-              <a:rPr lang="en-US" altLang="zh-CN" sz="2800" dirty="0"/>
-              <a:t> o </a:t>
-            </a:r>
-          </a:p>
-          <a:p>
-            <a:r>
-              <a:rPr lang="en-US" altLang="zh-CN" sz="2800" dirty="0"/>
-              <a:t>join </a:t>
-            </a:r>
-            <a:r>
-              <a:rPr lang="en-US" altLang="zh-CN" sz="2800" dirty="0" err="1"/>
-              <a:t>ExtFields</a:t>
-            </a:r>
-            <a:r>
-              <a:rPr lang="en-US" altLang="zh-CN" sz="2800" dirty="0"/>
-              <a:t> e1 on e1.entityName = ‘</a:t>
-            </a:r>
-            <a:r>
-              <a:rPr lang="en-US" altLang="zh-CN" sz="2800" dirty="0" err="1"/>
-              <a:t>MyEntity</a:t>
-            </a:r>
-            <a:r>
-              <a:rPr lang="en-US" altLang="zh-CN" sz="2800" dirty="0"/>
-              <a:t>’ </a:t>
-            </a:r>
-          </a:p>
-          <a:p>
-            <a:r>
-              <a:rPr lang="en-US" altLang="zh-CN" sz="2800" dirty="0"/>
-              <a:t>        and e1.fieldName = ‘a’</a:t>
-            </a:r>
-          </a:p>
-          <a:p>
-            <a:r>
-              <a:rPr lang="en-US" altLang="zh-CN" sz="2800" dirty="0"/>
-              <a:t>Left Join </a:t>
-            </a:r>
-            <a:r>
-              <a:rPr lang="en-US" altLang="zh-CN" sz="2800" dirty="0" err="1"/>
-              <a:t>ExtFIelds</a:t>
-            </a:r>
-            <a:r>
-              <a:rPr lang="en-US" altLang="zh-CN" sz="2800" dirty="0"/>
-              <a:t> e2 on e2.entityName = ‘</a:t>
-            </a:r>
-            <a:r>
-              <a:rPr lang="en-US" altLang="zh-CN" sz="2800" dirty="0" err="1"/>
-              <a:t>MyEntity</a:t>
-            </a:r>
-            <a:r>
-              <a:rPr lang="en-US" altLang="zh-CN" sz="2800" dirty="0"/>
-              <a:t>’</a:t>
-            </a:r>
-          </a:p>
-          <a:p>
-            <a:r>
-              <a:rPr lang="en-US" altLang="zh-CN" sz="2800" dirty="0"/>
-              <a:t>        and e2.fieldName = ‘b’</a:t>
-            </a:r>
-          </a:p>
-          <a:p>
-            <a:r>
-              <a:rPr lang="en-US" altLang="zh-CN" sz="2800" dirty="0"/>
-              <a:t>Where </a:t>
-            </a:r>
-            <a:r>
-              <a:rPr lang="en-US" altLang="zh-CN" sz="2800" dirty="0" err="1"/>
-              <a:t>substr</a:t>
-            </a:r>
-            <a:r>
-              <a:rPr lang="en-US" altLang="zh-CN" sz="2800" dirty="0"/>
-              <a:t>(e1.value,1) = ‘1’</a:t>
-            </a:r>
-          </a:p>
-          <a:p>
-            <a:r>
-              <a:rPr lang="en-US" altLang="zh-CN" sz="2800" dirty="0"/>
-              <a:t>Order by e2.value </a:t>
-            </a:r>
-          </a:p>
-        </p:txBody>
-      </p:sp>
-    </p:spTree>
-    <p:extLst>
-      <p:ext uri="{BB962C8B-B14F-4D97-AF65-F5344CB8AC3E}">
-        <p14:creationId xmlns:p14="http://schemas.microsoft.com/office/powerpoint/2010/main" val="2317064406"/>
-      </p:ext>
-    </p:extLst>
-  </p:cSld>
-  <p:clrMapOvr>
-    <a:masterClrMapping/>
-  </p:clrMapOvr>
-</p:sld>
-</file>
-
-<file path=ppt/slides/slide8.xml><?xml version="1.0" encoding="utf-8"?>
+<file path=ppt/slides/slide11.xml><?xml version="1.0" encoding="utf-8"?>
 <p:sld xmlns:a="http://schemas.openxmlformats.org/drawingml/2006/main" xmlns:r="http://schemas.openxmlformats.org/officeDocument/2006/relationships" xmlns:p="http://schemas.openxmlformats.org/presentationml/2006/main">
   <p:cSld>
     <p:spTree>
@@ -5799,7 +4724,143 @@
 </p:sld>
 </file>
 
-<file path=ppt/slides/slide9.xml><?xml version="1.0" encoding="utf-8"?>
+<file path=ppt/slides/slide12.xml><?xml version="1.0" encoding="utf-8"?>
+<p:sld xmlns:a="http://schemas.openxmlformats.org/drawingml/2006/main" xmlns:r="http://schemas.openxmlformats.org/officeDocument/2006/relationships" xmlns:p="http://schemas.openxmlformats.org/presentationml/2006/main">
+  <p:cSld>
+    <p:spTree>
+      <p:nvGrpSpPr>
+        <p:cNvPr id="1" name="">
+          <a:extLst>
+            <a:ext uri="{FF2B5EF4-FFF2-40B4-BE49-F238E27FC236}">
+              <a16:creationId xmlns:a16="http://schemas.microsoft.com/office/drawing/2014/main" id="{632FA242-A6BE-EA92-B5ED-CE6C90E6F728}"/>
+            </a:ext>
+          </a:extLst>
+        </p:cNvPr>
+        <p:cNvGrpSpPr/>
+        <p:nvPr/>
+      </p:nvGrpSpPr>
+      <p:grpSpPr>
+        <a:xfrm>
+          <a:off x="0" y="0"/>
+          <a:ext cx="0" cy="0"/>
+          <a:chOff x="0" y="0"/>
+          <a:chExt cx="0" cy="0"/>
+        </a:xfrm>
+      </p:grpSpPr>
+      <p:sp>
+        <p:nvSpPr>
+          <p:cNvPr id="2" name="标题 1">
+            <a:extLst>
+              <a:ext uri="{FF2B5EF4-FFF2-40B4-BE49-F238E27FC236}">
+                <a16:creationId xmlns:a16="http://schemas.microsoft.com/office/drawing/2014/main" id="{DDEE55B7-0F62-40E9-9D1E-0C605DB7B7A0}"/>
+              </a:ext>
+            </a:extLst>
+          </p:cNvPr>
+          <p:cNvSpPr>
+            <a:spLocks noGrp="1"/>
+          </p:cNvSpPr>
+          <p:nvPr>
+            <p:ph type="title"/>
+          </p:nvPr>
+        </p:nvSpPr>
+        <p:spPr/>
+        <p:txBody>
+          <a:bodyPr/>
+          <a:lstStyle/>
+          <a:p>
+            <a:r>
+              <a:rPr lang="zh-CN" altLang="en-US" b="1" dirty="0"/>
+              <a:t>可逆计算指导下的元编程</a:t>
+            </a:r>
+          </a:p>
+        </p:txBody>
+      </p:sp>
+      <p:pic>
+        <p:nvPicPr>
+          <p:cNvPr id="6" name="图片 5">
+            <a:extLst>
+              <a:ext uri="{FF2B5EF4-FFF2-40B4-BE49-F238E27FC236}">
+                <a16:creationId xmlns:a16="http://schemas.microsoft.com/office/drawing/2014/main" id="{159D57CD-2F00-CD77-1DEE-A5090405B88F}"/>
+              </a:ext>
+            </a:extLst>
+          </p:cNvPr>
+          <p:cNvPicPr>
+            <a:picLocks noChangeAspect="1"/>
+          </p:cNvPicPr>
+          <p:nvPr/>
+        </p:nvPicPr>
+        <p:blipFill>
+          <a:blip r:embed="rId2">
+            <a:extLst>
+              <a:ext uri="{28A0092B-C50C-407E-A947-70E740481C1C}">
+                <a14:useLocalDpi xmlns:a14="http://schemas.microsoft.com/office/drawing/2010/main" val="0"/>
+              </a:ext>
+            </a:extLst>
+          </a:blip>
+          <a:stretch>
+            <a:fillRect/>
+          </a:stretch>
+        </p:blipFill>
+        <p:spPr>
+          <a:xfrm>
+            <a:off x="1492470" y="3214513"/>
+            <a:ext cx="8120154" cy="2923529"/>
+          </a:xfrm>
+          <a:prstGeom prst="rect">
+            <a:avLst/>
+          </a:prstGeom>
+        </p:spPr>
+      </p:pic>
+      <p:pic>
+        <p:nvPicPr>
+          <p:cNvPr id="8" name="图片 7">
+            <a:extLst>
+              <a:ext uri="{FF2B5EF4-FFF2-40B4-BE49-F238E27FC236}">
+                <a16:creationId xmlns:a16="http://schemas.microsoft.com/office/drawing/2014/main" id="{0F825706-51D5-6551-D507-9C741F6D6A79}"/>
+              </a:ext>
+            </a:extLst>
+          </p:cNvPr>
+          <p:cNvPicPr>
+            <a:picLocks noChangeAspect="1"/>
+          </p:cNvPicPr>
+          <p:nvPr/>
+        </p:nvPicPr>
+        <p:blipFill>
+          <a:blip r:embed="rId3">
+            <a:extLst>
+              <a:ext uri="{28A0092B-C50C-407E-A947-70E740481C1C}">
+                <a14:useLocalDpi xmlns:a14="http://schemas.microsoft.com/office/drawing/2010/main" val="0"/>
+              </a:ext>
+            </a:extLst>
+          </a:blip>
+          <a:stretch>
+            <a:fillRect/>
+          </a:stretch>
+        </p:blipFill>
+        <p:spPr>
+          <a:xfrm>
+            <a:off x="1492470" y="1588955"/>
+            <a:ext cx="8120154" cy="1051753"/>
+          </a:xfrm>
+          <a:prstGeom prst="rect">
+            <a:avLst/>
+          </a:prstGeom>
+        </p:spPr>
+      </p:pic>
+    </p:spTree>
+    <p:extLst>
+      <p:ext uri="{BB962C8B-B14F-4D97-AF65-F5344CB8AC3E}">
+        <p14:creationId xmlns:p14="http://schemas.microsoft.com/office/powerpoint/2010/main" val="2762400131"/>
+      </p:ext>
+    </p:extLst>
+  </p:cSld>
+  <p:clrMapOvr>
+    <a:masterClrMapping/>
+  </p:clrMapOvr>
+</p:sld>
+</file>
+
+<file path=ppt/slides/slide13.xml><?xml version="1.0" encoding="utf-8"?>
 <p:sld xmlns:a="http://schemas.openxmlformats.org/drawingml/2006/main" xmlns:r="http://schemas.openxmlformats.org/officeDocument/2006/relationships" xmlns:p="http://schemas.openxmlformats.org/presentationml/2006/main">
   <p:cSld>
     <p:spTree>
@@ -5894,6 +4955,2607 @@
     <p:extLst>
       <p:ext uri="{BB962C8B-B14F-4D97-AF65-F5344CB8AC3E}">
         <p14:creationId xmlns:p14="http://schemas.microsoft.com/office/powerpoint/2010/main" val="881827011"/>
+      </p:ext>
+    </p:extLst>
+  </p:cSld>
+  <p:clrMapOvr>
+    <a:masterClrMapping/>
+  </p:clrMapOvr>
+</p:sld>
+</file>
+
+<file path=ppt/slides/slide14.xml><?xml version="1.0" encoding="utf-8"?>
+<p:sld xmlns:a="http://schemas.openxmlformats.org/drawingml/2006/main" xmlns:r="http://schemas.openxmlformats.org/officeDocument/2006/relationships" xmlns:p="http://schemas.openxmlformats.org/presentationml/2006/main">
+  <p:cSld>
+    <p:spTree>
+      <p:nvGrpSpPr>
+        <p:cNvPr id="1" name=""/>
+        <p:cNvGrpSpPr/>
+        <p:nvPr/>
+      </p:nvGrpSpPr>
+      <p:grpSpPr>
+        <a:xfrm>
+          <a:off x="0" y="0"/>
+          <a:ext cx="0" cy="0"/>
+          <a:chOff x="0" y="0"/>
+          <a:chExt cx="0" cy="0"/>
+        </a:xfrm>
+      </p:grpSpPr>
+      <p:sp>
+        <p:nvSpPr>
+          <p:cNvPr id="2" name="标题 1">
+            <a:extLst>
+              <a:ext uri="{FF2B5EF4-FFF2-40B4-BE49-F238E27FC236}">
+                <a16:creationId xmlns:a16="http://schemas.microsoft.com/office/drawing/2014/main" id="{7B078A78-F1A6-B200-A327-496477BABCB1}"/>
+              </a:ext>
+            </a:extLst>
+          </p:cNvPr>
+          <p:cNvSpPr>
+            <a:spLocks noGrp="1"/>
+          </p:cNvSpPr>
+          <p:nvPr>
+            <p:ph type="title"/>
+          </p:nvPr>
+        </p:nvSpPr>
+        <p:spPr/>
+        <p:txBody>
+          <a:bodyPr/>
+          <a:lstStyle/>
+          <a:p>
+            <a:r>
+              <a:rPr lang="en-US" altLang="zh-CN" b="1" dirty="0" err="1"/>
+              <a:t>Nop</a:t>
+            </a:r>
+            <a:r>
+              <a:rPr lang="zh-CN" altLang="en-US" b="1" dirty="0"/>
+              <a:t>平台中的</a:t>
+            </a:r>
+            <a:r>
+              <a:rPr lang="en-US" altLang="zh-CN" b="1" dirty="0"/>
+              <a:t>DDD</a:t>
+            </a:r>
+            <a:endParaRPr lang="zh-CN" altLang="en-US" b="1" dirty="0"/>
+          </a:p>
+        </p:txBody>
+      </p:sp>
+      <p:sp>
+        <p:nvSpPr>
+          <p:cNvPr id="9" name="文本框 8">
+            <a:extLst>
+              <a:ext uri="{FF2B5EF4-FFF2-40B4-BE49-F238E27FC236}">
+                <a16:creationId xmlns:a16="http://schemas.microsoft.com/office/drawing/2014/main" id="{540A60B3-93A5-7288-4BDF-50258236F659}"/>
+              </a:ext>
+            </a:extLst>
+          </p:cNvPr>
+          <p:cNvSpPr txBox="1"/>
+          <p:nvPr/>
+        </p:nvSpPr>
+        <p:spPr>
+          <a:xfrm>
+            <a:off x="838200" y="1583872"/>
+            <a:ext cx="10208079" cy="2062103"/>
+          </a:xfrm>
+          <a:prstGeom prst="rect">
+            <a:avLst/>
+          </a:prstGeom>
+          <a:noFill/>
+        </p:spPr>
+        <p:txBody>
+          <a:bodyPr wrap="square" rtlCol="0">
+            <a:spAutoFit/>
+          </a:bodyPr>
+          <a:lstStyle/>
+          <a:p>
+            <a:pPr marL="457200" indent="-457200">
+              <a:buFont typeface="Wingdings" panose="05000000000000000000" pitchFamily="2" charset="2"/>
+              <a:buChar char="Ø"/>
+            </a:pPr>
+            <a:r>
+              <a:rPr lang="zh-CN" altLang="en-US" sz="3200" dirty="0"/>
+              <a:t>聚合根，主题对象</a:t>
+            </a:r>
+            <a:endParaRPr lang="en-US" altLang="zh-CN" sz="3200" dirty="0"/>
+          </a:p>
+          <a:p>
+            <a:pPr marL="457200" indent="-457200">
+              <a:buFont typeface="Wingdings" panose="05000000000000000000" pitchFamily="2" charset="2"/>
+              <a:buChar char="Ø"/>
+            </a:pPr>
+            <a:r>
+              <a:rPr lang="en-US" altLang="zh-CN" sz="3200" dirty="0"/>
+              <a:t>Entity </a:t>
+            </a:r>
+            <a:r>
+              <a:rPr lang="zh-CN" altLang="en-US" sz="3200" dirty="0"/>
+              <a:t>：数据的聚合</a:t>
+            </a:r>
+            <a:endParaRPr lang="en-US" altLang="zh-CN" sz="3200" dirty="0"/>
+          </a:p>
+          <a:p>
+            <a:pPr marL="457200" indent="-457200">
+              <a:buFont typeface="Wingdings" panose="05000000000000000000" pitchFamily="2" charset="2"/>
+              <a:buChar char="Ø"/>
+            </a:pPr>
+            <a:r>
+              <a:rPr lang="en-US" altLang="zh-CN" sz="3200" dirty="0" err="1"/>
+              <a:t>BizObject</a:t>
+            </a:r>
+            <a:r>
+              <a:rPr lang="en-US" altLang="zh-CN" sz="3200" dirty="0"/>
+              <a:t>: </a:t>
+            </a:r>
+            <a:r>
+              <a:rPr lang="zh-CN" altLang="en-US" sz="3200" dirty="0"/>
+              <a:t>行为的聚合</a:t>
+            </a:r>
+            <a:endParaRPr lang="en-US" altLang="zh-CN" sz="3200" dirty="0"/>
+          </a:p>
+          <a:p>
+            <a:pPr marL="457200" indent="-457200">
+              <a:buFont typeface="Wingdings" panose="05000000000000000000" pitchFamily="2" charset="2"/>
+              <a:buChar char="Ø"/>
+            </a:pPr>
+            <a:r>
+              <a:rPr lang="en-US" altLang="zh-CN" sz="3200" dirty="0" err="1"/>
+              <a:t>GraphQL</a:t>
+            </a:r>
+            <a:r>
+              <a:rPr lang="en-US" altLang="zh-CN" sz="3200" dirty="0"/>
+              <a:t> </a:t>
+            </a:r>
+            <a:r>
+              <a:rPr lang="zh-CN" altLang="en-US" sz="3200" dirty="0"/>
+              <a:t>：对象的组合和选择</a:t>
+            </a:r>
+            <a:endParaRPr lang="en-US" altLang="zh-CN" sz="3200" dirty="0"/>
+          </a:p>
+        </p:txBody>
+      </p:sp>
+    </p:spTree>
+    <p:extLst>
+      <p:ext uri="{BB962C8B-B14F-4D97-AF65-F5344CB8AC3E}">
+        <p14:creationId xmlns:p14="http://schemas.microsoft.com/office/powerpoint/2010/main" val="3671654214"/>
+      </p:ext>
+    </p:extLst>
+  </p:cSld>
+  <p:clrMapOvr>
+    <a:masterClrMapping/>
+  </p:clrMapOvr>
+</p:sld>
+</file>
+
+<file path=ppt/slides/slide2.xml><?xml version="1.0" encoding="utf-8"?>
+<p:sld xmlns:a="http://schemas.openxmlformats.org/drawingml/2006/main" xmlns:r="http://schemas.openxmlformats.org/officeDocument/2006/relationships" xmlns:p="http://schemas.openxmlformats.org/presentationml/2006/main">
+  <p:cSld>
+    <p:spTree>
+      <p:nvGrpSpPr>
+        <p:cNvPr id="1" name="">
+          <a:extLst>
+            <a:ext uri="{FF2B5EF4-FFF2-40B4-BE49-F238E27FC236}">
+              <a16:creationId xmlns:a16="http://schemas.microsoft.com/office/drawing/2014/main" id="{1A998E85-E2B1-0FCD-2390-7072243D14DD}"/>
+            </a:ext>
+          </a:extLst>
+        </p:cNvPr>
+        <p:cNvGrpSpPr/>
+        <p:nvPr/>
+      </p:nvGrpSpPr>
+      <p:grpSpPr>
+        <a:xfrm>
+          <a:off x="0" y="0"/>
+          <a:ext cx="0" cy="0"/>
+          <a:chOff x="0" y="0"/>
+          <a:chExt cx="0" cy="0"/>
+        </a:xfrm>
+      </p:grpSpPr>
+      <p:sp>
+        <p:nvSpPr>
+          <p:cNvPr id="2" name="标题 1">
+            <a:extLst>
+              <a:ext uri="{FF2B5EF4-FFF2-40B4-BE49-F238E27FC236}">
+                <a16:creationId xmlns:a16="http://schemas.microsoft.com/office/drawing/2014/main" id="{AB5090CD-FA4A-E2F9-D349-ECCD44B0F282}"/>
+              </a:ext>
+            </a:extLst>
+          </p:cNvPr>
+          <p:cNvSpPr>
+            <a:spLocks noGrp="1"/>
+          </p:cNvSpPr>
+          <p:nvPr>
+            <p:ph type="title"/>
+          </p:nvPr>
+        </p:nvSpPr>
+        <p:spPr/>
+        <p:txBody>
+          <a:bodyPr/>
+          <a:lstStyle/>
+          <a:p>
+            <a:r>
+              <a:rPr lang="zh-CN" altLang="en-US" b="1" dirty="0"/>
+              <a:t>面向</a:t>
+            </a:r>
+            <a:r>
+              <a:rPr lang="en-US" altLang="zh-CN" b="1" dirty="0"/>
+              <a:t>DSL</a:t>
+            </a:r>
+            <a:r>
+              <a:rPr lang="zh-CN" altLang="en-US" b="1" dirty="0"/>
+              <a:t>的设计</a:t>
+            </a:r>
+          </a:p>
+        </p:txBody>
+      </p:sp>
+      <p:pic>
+        <p:nvPicPr>
+          <p:cNvPr id="7" name="图片 6">
+            <a:extLst>
+              <a:ext uri="{FF2B5EF4-FFF2-40B4-BE49-F238E27FC236}">
+                <a16:creationId xmlns:a16="http://schemas.microsoft.com/office/drawing/2014/main" id="{ECC88CA4-4957-E35E-BC44-1EFEB8765903}"/>
+              </a:ext>
+            </a:extLst>
+          </p:cNvPr>
+          <p:cNvPicPr>
+            <a:picLocks noChangeAspect="1"/>
+          </p:cNvPicPr>
+          <p:nvPr/>
+        </p:nvPicPr>
+        <p:blipFill>
+          <a:blip r:embed="rId2">
+            <a:extLst>
+              <a:ext uri="{28A0092B-C50C-407E-A947-70E740481C1C}">
+                <a14:useLocalDpi xmlns:a14="http://schemas.microsoft.com/office/drawing/2010/main" val="0"/>
+              </a:ext>
+            </a:extLst>
+          </a:blip>
+          <a:stretch>
+            <a:fillRect/>
+          </a:stretch>
+        </p:blipFill>
+        <p:spPr>
+          <a:xfrm>
+            <a:off x="1638134" y="1743075"/>
+            <a:ext cx="8915731" cy="3012622"/>
+          </a:xfrm>
+          <a:prstGeom prst="rect">
+            <a:avLst/>
+          </a:prstGeom>
+        </p:spPr>
+      </p:pic>
+      <p:pic>
+        <p:nvPicPr>
+          <p:cNvPr id="4" name="图片 3">
+            <a:extLst>
+              <a:ext uri="{FF2B5EF4-FFF2-40B4-BE49-F238E27FC236}">
+                <a16:creationId xmlns:a16="http://schemas.microsoft.com/office/drawing/2014/main" id="{B6334446-DA4B-7CF2-2F26-5E11A81F2121}"/>
+              </a:ext>
+            </a:extLst>
+          </p:cNvPr>
+          <p:cNvPicPr>
+            <a:picLocks noChangeAspect="1"/>
+          </p:cNvPicPr>
+          <p:nvPr/>
+        </p:nvPicPr>
+        <p:blipFill>
+          <a:blip r:embed="rId3">
+            <a:extLst>
+              <a:ext uri="{28A0092B-C50C-407E-A947-70E740481C1C}">
+                <a14:useLocalDpi xmlns:a14="http://schemas.microsoft.com/office/drawing/2010/main" val="0"/>
+              </a:ext>
+            </a:extLst>
+          </a:blip>
+          <a:stretch>
+            <a:fillRect/>
+          </a:stretch>
+        </p:blipFill>
+        <p:spPr>
+          <a:xfrm>
+            <a:off x="1638134" y="4342922"/>
+            <a:ext cx="5244359" cy="1311090"/>
+          </a:xfrm>
+          <a:prstGeom prst="rect">
+            <a:avLst/>
+          </a:prstGeom>
+        </p:spPr>
+      </p:pic>
+    </p:spTree>
+    <p:extLst>
+      <p:ext uri="{BB962C8B-B14F-4D97-AF65-F5344CB8AC3E}">
+        <p14:creationId xmlns:p14="http://schemas.microsoft.com/office/powerpoint/2010/main" val="813164614"/>
+      </p:ext>
+    </p:extLst>
+  </p:cSld>
+  <p:clrMapOvr>
+    <a:masterClrMapping/>
+  </p:clrMapOvr>
+</p:sld>
+</file>
+
+<file path=ppt/slides/slide3.xml><?xml version="1.0" encoding="utf-8"?>
+<p:sld xmlns:a="http://schemas.openxmlformats.org/drawingml/2006/main" xmlns:r="http://schemas.openxmlformats.org/officeDocument/2006/relationships" xmlns:p="http://schemas.openxmlformats.org/presentationml/2006/main">
+  <p:cSld>
+    <p:spTree>
+      <p:nvGrpSpPr>
+        <p:cNvPr id="1" name=""/>
+        <p:cNvGrpSpPr/>
+        <p:nvPr/>
+      </p:nvGrpSpPr>
+      <p:grpSpPr>
+        <a:xfrm>
+          <a:off x="0" y="0"/>
+          <a:ext cx="0" cy="0"/>
+          <a:chOff x="0" y="0"/>
+          <a:chExt cx="0" cy="0"/>
+        </a:xfrm>
+      </p:grpSpPr>
+      <p:sp>
+        <p:nvSpPr>
+          <p:cNvPr id="4" name="矩形 3">
+            <a:extLst>
+              <a:ext uri="{FF2B5EF4-FFF2-40B4-BE49-F238E27FC236}">
+                <a16:creationId xmlns:a16="http://schemas.microsoft.com/office/drawing/2014/main" id="{82624254-68F0-2252-7C78-0D7D3F200AEA}"/>
+              </a:ext>
+            </a:extLst>
+          </p:cNvPr>
+          <p:cNvSpPr/>
+          <p:nvPr/>
+        </p:nvSpPr>
+        <p:spPr>
+          <a:xfrm>
+            <a:off x="1118773" y="3680866"/>
+            <a:ext cx="1661602" cy="751537"/>
+          </a:xfrm>
+          <a:prstGeom prst="rect">
+            <a:avLst/>
+          </a:prstGeom>
+        </p:spPr>
+        <p:style>
+          <a:lnRef idx="2">
+            <a:schemeClr val="accent1">
+              <a:shade val="50000"/>
+            </a:schemeClr>
+          </a:lnRef>
+          <a:fillRef idx="1">
+            <a:schemeClr val="accent1"/>
+          </a:fillRef>
+          <a:effectRef idx="0">
+            <a:schemeClr val="accent1"/>
+          </a:effectRef>
+          <a:fontRef idx="minor">
+            <a:schemeClr val="lt1"/>
+          </a:fontRef>
+        </p:style>
+        <p:txBody>
+          <a:bodyPr rtlCol="0" anchor="ctr"/>
+          <a:lstStyle/>
+          <a:p>
+            <a:pPr algn="ctr"/>
+            <a:r>
+              <a:rPr lang="en-US" altLang="zh-CN" dirty="0"/>
+              <a:t>_XORM</a:t>
+            </a:r>
+            <a:endParaRPr lang="zh-CN" altLang="en-US" dirty="0"/>
+          </a:p>
+        </p:txBody>
+      </p:sp>
+      <p:sp>
+        <p:nvSpPr>
+          <p:cNvPr id="5" name="矩形 4">
+            <a:extLst>
+              <a:ext uri="{FF2B5EF4-FFF2-40B4-BE49-F238E27FC236}">
+                <a16:creationId xmlns:a16="http://schemas.microsoft.com/office/drawing/2014/main" id="{CE1A4767-FE4D-56D1-40B2-262D4B5896C7}"/>
+              </a:ext>
+            </a:extLst>
+          </p:cNvPr>
+          <p:cNvSpPr/>
+          <p:nvPr/>
+        </p:nvSpPr>
+        <p:spPr>
+          <a:xfrm>
+            <a:off x="1118773" y="2953653"/>
+            <a:ext cx="1661602" cy="751537"/>
+          </a:xfrm>
+          <a:prstGeom prst="rect">
+            <a:avLst/>
+          </a:prstGeom>
+        </p:spPr>
+        <p:style>
+          <a:lnRef idx="2">
+            <a:schemeClr val="accent1">
+              <a:shade val="50000"/>
+            </a:schemeClr>
+          </a:lnRef>
+          <a:fillRef idx="1">
+            <a:schemeClr val="accent1"/>
+          </a:fillRef>
+          <a:effectRef idx="0">
+            <a:schemeClr val="accent1"/>
+          </a:effectRef>
+          <a:fontRef idx="minor">
+            <a:schemeClr val="lt1"/>
+          </a:fontRef>
+        </p:style>
+        <p:txBody>
+          <a:bodyPr rtlCol="0" anchor="ctr"/>
+          <a:lstStyle/>
+          <a:p>
+            <a:pPr algn="ctr"/>
+            <a:r>
+              <a:rPr lang="en-US" altLang="zh-CN" dirty="0"/>
+              <a:t>XORM</a:t>
+            </a:r>
+            <a:endParaRPr lang="zh-CN" altLang="en-US" dirty="0"/>
+          </a:p>
+        </p:txBody>
+      </p:sp>
+      <p:sp>
+        <p:nvSpPr>
+          <p:cNvPr id="12" name="矩形 11">
+            <a:extLst>
+              <a:ext uri="{FF2B5EF4-FFF2-40B4-BE49-F238E27FC236}">
+                <a16:creationId xmlns:a16="http://schemas.microsoft.com/office/drawing/2014/main" id="{D596708B-FC6D-BF5E-34FA-D9730BE8E7E6}"/>
+              </a:ext>
+            </a:extLst>
+          </p:cNvPr>
+          <p:cNvSpPr/>
+          <p:nvPr/>
+        </p:nvSpPr>
+        <p:spPr>
+          <a:xfrm>
+            <a:off x="3743005" y="3692778"/>
+            <a:ext cx="1661602" cy="751537"/>
+          </a:xfrm>
+          <a:prstGeom prst="rect">
+            <a:avLst/>
+          </a:prstGeom>
+        </p:spPr>
+        <p:style>
+          <a:lnRef idx="2">
+            <a:schemeClr val="accent1">
+              <a:shade val="50000"/>
+            </a:schemeClr>
+          </a:lnRef>
+          <a:fillRef idx="1">
+            <a:schemeClr val="accent1"/>
+          </a:fillRef>
+          <a:effectRef idx="0">
+            <a:schemeClr val="accent1"/>
+          </a:effectRef>
+          <a:fontRef idx="minor">
+            <a:schemeClr val="lt1"/>
+          </a:fontRef>
+        </p:style>
+        <p:txBody>
+          <a:bodyPr rtlCol="0" anchor="ctr"/>
+          <a:lstStyle/>
+          <a:p>
+            <a:pPr algn="ctr"/>
+            <a:r>
+              <a:rPr lang="en-US" altLang="zh-CN" dirty="0"/>
+              <a:t>_</a:t>
+            </a:r>
+            <a:r>
+              <a:rPr lang="en-US" altLang="zh-CN" dirty="0" err="1"/>
+              <a:t>XMeta</a:t>
+            </a:r>
+            <a:endParaRPr lang="zh-CN" altLang="en-US" dirty="0"/>
+          </a:p>
+        </p:txBody>
+      </p:sp>
+      <p:sp>
+        <p:nvSpPr>
+          <p:cNvPr id="14" name="矩形 13">
+            <a:extLst>
+              <a:ext uri="{FF2B5EF4-FFF2-40B4-BE49-F238E27FC236}">
+                <a16:creationId xmlns:a16="http://schemas.microsoft.com/office/drawing/2014/main" id="{4EAEFFBD-C790-40AB-8120-0ED2F6F3E3AA}"/>
+              </a:ext>
+            </a:extLst>
+          </p:cNvPr>
+          <p:cNvSpPr/>
+          <p:nvPr/>
+        </p:nvSpPr>
+        <p:spPr>
+          <a:xfrm>
+            <a:off x="6455593" y="3705358"/>
+            <a:ext cx="1661602" cy="751537"/>
+          </a:xfrm>
+          <a:prstGeom prst="rect">
+            <a:avLst/>
+          </a:prstGeom>
+          <a:solidFill>
+            <a:srgbClr val="C00000"/>
+          </a:solidFill>
+        </p:spPr>
+        <p:style>
+          <a:lnRef idx="2">
+            <a:schemeClr val="accent1">
+              <a:shade val="50000"/>
+            </a:schemeClr>
+          </a:lnRef>
+          <a:fillRef idx="1">
+            <a:schemeClr val="accent1"/>
+          </a:fillRef>
+          <a:effectRef idx="0">
+            <a:schemeClr val="accent1"/>
+          </a:effectRef>
+          <a:fontRef idx="minor">
+            <a:schemeClr val="lt1"/>
+          </a:fontRef>
+        </p:style>
+        <p:txBody>
+          <a:bodyPr rtlCol="0" anchor="ctr"/>
+          <a:lstStyle/>
+          <a:p>
+            <a:pPr algn="ctr"/>
+            <a:r>
+              <a:rPr lang="en-US" altLang="zh-CN" dirty="0"/>
+              <a:t>_</a:t>
+            </a:r>
+            <a:r>
+              <a:rPr lang="en-US" altLang="zh-CN" dirty="0" err="1"/>
+              <a:t>XView</a:t>
+            </a:r>
+            <a:endParaRPr lang="zh-CN" altLang="en-US" dirty="0"/>
+          </a:p>
+        </p:txBody>
+      </p:sp>
+      <p:sp>
+        <p:nvSpPr>
+          <p:cNvPr id="19" name="矩形 18">
+            <a:extLst>
+              <a:ext uri="{FF2B5EF4-FFF2-40B4-BE49-F238E27FC236}">
+                <a16:creationId xmlns:a16="http://schemas.microsoft.com/office/drawing/2014/main" id="{1DDE44B1-52E8-98C7-D898-D63D745B0F63}"/>
+              </a:ext>
+            </a:extLst>
+          </p:cNvPr>
+          <p:cNvSpPr/>
+          <p:nvPr/>
+        </p:nvSpPr>
+        <p:spPr>
+          <a:xfrm>
+            <a:off x="9171697" y="2941241"/>
+            <a:ext cx="1661602" cy="751537"/>
+          </a:xfrm>
+          <a:prstGeom prst="rect">
+            <a:avLst/>
+          </a:prstGeom>
+          <a:solidFill>
+            <a:srgbClr val="C00000"/>
+          </a:solidFill>
+        </p:spPr>
+        <p:style>
+          <a:lnRef idx="2">
+            <a:schemeClr val="accent1">
+              <a:shade val="50000"/>
+            </a:schemeClr>
+          </a:lnRef>
+          <a:fillRef idx="1">
+            <a:schemeClr val="accent1"/>
+          </a:fillRef>
+          <a:effectRef idx="0">
+            <a:schemeClr val="accent1"/>
+          </a:effectRef>
+          <a:fontRef idx="minor">
+            <a:schemeClr val="lt1"/>
+          </a:fontRef>
+        </p:style>
+        <p:txBody>
+          <a:bodyPr rtlCol="0" anchor="ctr"/>
+          <a:lstStyle/>
+          <a:p>
+            <a:pPr algn="ctr"/>
+            <a:r>
+              <a:rPr lang="en-US" altLang="zh-CN" dirty="0" err="1"/>
+              <a:t>XPage</a:t>
+            </a:r>
+            <a:endParaRPr lang="zh-CN" altLang="en-US" dirty="0"/>
+          </a:p>
+        </p:txBody>
+      </p:sp>
+      <p:sp>
+        <p:nvSpPr>
+          <p:cNvPr id="49" name="文本框 48">
+            <a:extLst>
+              <a:ext uri="{FF2B5EF4-FFF2-40B4-BE49-F238E27FC236}">
+                <a16:creationId xmlns:a16="http://schemas.microsoft.com/office/drawing/2014/main" id="{C76386B8-0A78-88D0-283F-26AEFDECAB74}"/>
+              </a:ext>
+            </a:extLst>
+          </p:cNvPr>
+          <p:cNvSpPr txBox="1"/>
+          <p:nvPr/>
+        </p:nvSpPr>
+        <p:spPr>
+          <a:xfrm>
+            <a:off x="434689" y="267393"/>
+            <a:ext cx="2380430" cy="523220"/>
+          </a:xfrm>
+          <a:prstGeom prst="rect">
+            <a:avLst/>
+          </a:prstGeom>
+          <a:noFill/>
+        </p:spPr>
+        <p:txBody>
+          <a:bodyPr wrap="square" rtlCol="0">
+            <a:spAutoFit/>
+          </a:bodyPr>
+          <a:lstStyle/>
+          <a:p>
+            <a:r>
+              <a:rPr lang="zh-CN" altLang="en-US" sz="2800" b="1" dirty="0"/>
+              <a:t>差量流水线</a:t>
+            </a:r>
+          </a:p>
+        </p:txBody>
+      </p:sp>
+      <p:sp>
+        <p:nvSpPr>
+          <p:cNvPr id="2" name="矩形 1">
+            <a:extLst>
+              <a:ext uri="{FF2B5EF4-FFF2-40B4-BE49-F238E27FC236}">
+                <a16:creationId xmlns:a16="http://schemas.microsoft.com/office/drawing/2014/main" id="{D9D7C2E0-53A0-8A71-7E5A-41DA55453420}"/>
+              </a:ext>
+            </a:extLst>
+          </p:cNvPr>
+          <p:cNvSpPr/>
+          <p:nvPr/>
+        </p:nvSpPr>
+        <p:spPr>
+          <a:xfrm>
+            <a:off x="3739489" y="2941242"/>
+            <a:ext cx="1661602" cy="751537"/>
+          </a:xfrm>
+          <a:prstGeom prst="rect">
+            <a:avLst/>
+          </a:prstGeom>
+        </p:spPr>
+        <p:style>
+          <a:lnRef idx="2">
+            <a:schemeClr val="accent1">
+              <a:shade val="50000"/>
+            </a:schemeClr>
+          </a:lnRef>
+          <a:fillRef idx="1">
+            <a:schemeClr val="accent1"/>
+          </a:fillRef>
+          <a:effectRef idx="0">
+            <a:schemeClr val="accent1"/>
+          </a:effectRef>
+          <a:fontRef idx="minor">
+            <a:schemeClr val="lt1"/>
+          </a:fontRef>
+        </p:style>
+        <p:txBody>
+          <a:bodyPr rtlCol="0" anchor="ctr"/>
+          <a:lstStyle/>
+          <a:p>
+            <a:pPr algn="ctr"/>
+            <a:r>
+              <a:rPr lang="en-US" altLang="zh-CN" dirty="0" err="1"/>
+              <a:t>XMeta</a:t>
+            </a:r>
+            <a:endParaRPr lang="zh-CN" altLang="en-US" dirty="0"/>
+          </a:p>
+        </p:txBody>
+      </p:sp>
+      <p:sp>
+        <p:nvSpPr>
+          <p:cNvPr id="11" name="矩形 10">
+            <a:extLst>
+              <a:ext uri="{FF2B5EF4-FFF2-40B4-BE49-F238E27FC236}">
+                <a16:creationId xmlns:a16="http://schemas.microsoft.com/office/drawing/2014/main" id="{656E952D-7207-7257-2CE4-D3885B5052C3}"/>
+              </a:ext>
+            </a:extLst>
+          </p:cNvPr>
+          <p:cNvSpPr/>
+          <p:nvPr/>
+        </p:nvSpPr>
+        <p:spPr>
+          <a:xfrm>
+            <a:off x="6455593" y="2953653"/>
+            <a:ext cx="1661602" cy="751537"/>
+          </a:xfrm>
+          <a:prstGeom prst="rect">
+            <a:avLst/>
+          </a:prstGeom>
+          <a:solidFill>
+            <a:srgbClr val="C00000"/>
+          </a:solidFill>
+        </p:spPr>
+        <p:style>
+          <a:lnRef idx="2">
+            <a:schemeClr val="accent1">
+              <a:shade val="50000"/>
+            </a:schemeClr>
+          </a:lnRef>
+          <a:fillRef idx="1">
+            <a:schemeClr val="accent1"/>
+          </a:fillRef>
+          <a:effectRef idx="0">
+            <a:schemeClr val="accent1"/>
+          </a:effectRef>
+          <a:fontRef idx="minor">
+            <a:schemeClr val="lt1"/>
+          </a:fontRef>
+        </p:style>
+        <p:txBody>
+          <a:bodyPr rtlCol="0" anchor="ctr"/>
+          <a:lstStyle/>
+          <a:p>
+            <a:pPr algn="ctr"/>
+            <a:r>
+              <a:rPr lang="en-US" altLang="zh-CN" dirty="0" err="1"/>
+              <a:t>XView</a:t>
+            </a:r>
+            <a:endParaRPr lang="en-US" altLang="zh-CN" dirty="0"/>
+          </a:p>
+        </p:txBody>
+      </p:sp>
+      <p:sp>
+        <p:nvSpPr>
+          <p:cNvPr id="22" name="矩形 21">
+            <a:extLst>
+              <a:ext uri="{FF2B5EF4-FFF2-40B4-BE49-F238E27FC236}">
+                <a16:creationId xmlns:a16="http://schemas.microsoft.com/office/drawing/2014/main" id="{CA4418D9-C431-D727-C854-E7CFD25EAA57}"/>
+              </a:ext>
+            </a:extLst>
+          </p:cNvPr>
+          <p:cNvSpPr/>
+          <p:nvPr/>
+        </p:nvSpPr>
+        <p:spPr>
+          <a:xfrm>
+            <a:off x="9170477" y="3691632"/>
+            <a:ext cx="1661602" cy="751537"/>
+          </a:xfrm>
+          <a:prstGeom prst="rect">
+            <a:avLst/>
+          </a:prstGeom>
+          <a:solidFill>
+            <a:srgbClr val="C00000"/>
+          </a:solidFill>
+        </p:spPr>
+        <p:style>
+          <a:lnRef idx="2">
+            <a:schemeClr val="accent1">
+              <a:shade val="50000"/>
+            </a:schemeClr>
+          </a:lnRef>
+          <a:fillRef idx="1">
+            <a:schemeClr val="accent1"/>
+          </a:fillRef>
+          <a:effectRef idx="0">
+            <a:schemeClr val="accent1"/>
+          </a:effectRef>
+          <a:fontRef idx="minor">
+            <a:schemeClr val="lt1"/>
+          </a:fontRef>
+        </p:style>
+        <p:txBody>
+          <a:bodyPr rtlCol="0" anchor="ctr"/>
+          <a:lstStyle/>
+          <a:p>
+            <a:pPr algn="ctr"/>
+            <a:r>
+              <a:rPr lang="en-US" altLang="zh-CN" dirty="0"/>
+              <a:t>_</a:t>
+            </a:r>
+            <a:r>
+              <a:rPr lang="en-US" altLang="zh-CN" dirty="0" err="1"/>
+              <a:t>XPage</a:t>
+            </a:r>
+            <a:endParaRPr lang="zh-CN" altLang="en-US" dirty="0"/>
+          </a:p>
+        </p:txBody>
+      </p:sp>
+      <p:sp>
+        <p:nvSpPr>
+          <p:cNvPr id="7" name="椭圆 6">
+            <a:extLst>
+              <a:ext uri="{FF2B5EF4-FFF2-40B4-BE49-F238E27FC236}">
+                <a16:creationId xmlns:a16="http://schemas.microsoft.com/office/drawing/2014/main" id="{C8313F1A-B63D-3A10-E8C1-AB28C38E41FE}"/>
+              </a:ext>
+            </a:extLst>
+          </p:cNvPr>
+          <p:cNvSpPr/>
+          <p:nvPr/>
+        </p:nvSpPr>
+        <p:spPr>
+          <a:xfrm>
+            <a:off x="1119759" y="5255029"/>
+            <a:ext cx="1661602" cy="751537"/>
+          </a:xfrm>
+          <a:prstGeom prst="ellipse">
+            <a:avLst/>
+          </a:prstGeom>
+          <a:solidFill>
+            <a:srgbClr val="7030A0"/>
+          </a:solidFill>
+        </p:spPr>
+        <p:style>
+          <a:lnRef idx="2">
+            <a:schemeClr val="accent1">
+              <a:shade val="50000"/>
+            </a:schemeClr>
+          </a:lnRef>
+          <a:fillRef idx="1">
+            <a:schemeClr val="accent1"/>
+          </a:fillRef>
+          <a:effectRef idx="0">
+            <a:schemeClr val="accent1"/>
+          </a:effectRef>
+          <a:fontRef idx="minor">
+            <a:schemeClr val="lt1"/>
+          </a:fontRef>
+        </p:style>
+        <p:txBody>
+          <a:bodyPr rtlCol="0" anchor="ctr"/>
+          <a:lstStyle/>
+          <a:p>
+            <a:pPr algn="ctr"/>
+            <a:r>
+              <a:rPr lang="en-US" altLang="zh-CN" dirty="0"/>
+              <a:t>Excel</a:t>
+            </a:r>
+            <a:endParaRPr lang="zh-CN" altLang="en-US" dirty="0"/>
+          </a:p>
+        </p:txBody>
+      </p:sp>
+      <p:sp>
+        <p:nvSpPr>
+          <p:cNvPr id="8" name="箭头: 右 7">
+            <a:extLst>
+              <a:ext uri="{FF2B5EF4-FFF2-40B4-BE49-F238E27FC236}">
+                <a16:creationId xmlns:a16="http://schemas.microsoft.com/office/drawing/2014/main" id="{5B1CFA59-D8A1-E062-7710-F234E2186247}"/>
+              </a:ext>
+            </a:extLst>
+          </p:cNvPr>
+          <p:cNvSpPr/>
+          <p:nvPr/>
+        </p:nvSpPr>
+        <p:spPr>
+          <a:xfrm rot="16200000">
+            <a:off x="1632536" y="4765617"/>
+            <a:ext cx="529841" cy="202391"/>
+          </a:xfrm>
+          <a:prstGeom prst="rightArrow">
+            <a:avLst/>
+          </a:prstGeom>
+        </p:spPr>
+        <p:style>
+          <a:lnRef idx="2">
+            <a:schemeClr val="accent1">
+              <a:shade val="50000"/>
+            </a:schemeClr>
+          </a:lnRef>
+          <a:fillRef idx="1">
+            <a:schemeClr val="accent1"/>
+          </a:fillRef>
+          <a:effectRef idx="0">
+            <a:schemeClr val="accent1"/>
+          </a:effectRef>
+          <a:fontRef idx="minor">
+            <a:schemeClr val="lt1"/>
+          </a:fontRef>
+        </p:style>
+        <p:txBody>
+          <a:bodyPr rtlCol="0" anchor="ctr"/>
+          <a:lstStyle/>
+          <a:p>
+            <a:pPr algn="ctr"/>
+            <a:endParaRPr lang="zh-CN" altLang="en-US"/>
+          </a:p>
+        </p:txBody>
+      </p:sp>
+      <p:sp>
+        <p:nvSpPr>
+          <p:cNvPr id="15" name="文本框 14">
+            <a:extLst>
+              <a:ext uri="{FF2B5EF4-FFF2-40B4-BE49-F238E27FC236}">
+                <a16:creationId xmlns:a16="http://schemas.microsoft.com/office/drawing/2014/main" id="{AC6C489F-E051-914F-A225-76E8289574A4}"/>
+              </a:ext>
+            </a:extLst>
+          </p:cNvPr>
+          <p:cNvSpPr txBox="1"/>
+          <p:nvPr/>
+        </p:nvSpPr>
+        <p:spPr>
+          <a:xfrm>
+            <a:off x="2049427" y="4677527"/>
+            <a:ext cx="708917" cy="369332"/>
+          </a:xfrm>
+          <a:prstGeom prst="rect">
+            <a:avLst/>
+          </a:prstGeom>
+          <a:noFill/>
+        </p:spPr>
+        <p:txBody>
+          <a:bodyPr wrap="square" rtlCol="0">
+            <a:spAutoFit/>
+          </a:bodyPr>
+          <a:lstStyle/>
+          <a:p>
+            <a:r>
+              <a:rPr lang="zh-CN" altLang="en-US" dirty="0"/>
+              <a:t>生成</a:t>
+            </a:r>
+          </a:p>
+        </p:txBody>
+      </p:sp>
+      <p:sp>
+        <p:nvSpPr>
+          <p:cNvPr id="26" name="椭圆 25">
+            <a:extLst>
+              <a:ext uri="{FF2B5EF4-FFF2-40B4-BE49-F238E27FC236}">
+                <a16:creationId xmlns:a16="http://schemas.microsoft.com/office/drawing/2014/main" id="{FAFE2A35-9FD0-1A68-9CAD-731A094AA618}"/>
+              </a:ext>
+            </a:extLst>
+          </p:cNvPr>
+          <p:cNvSpPr/>
+          <p:nvPr/>
+        </p:nvSpPr>
+        <p:spPr>
+          <a:xfrm>
+            <a:off x="9171697" y="1267187"/>
+            <a:ext cx="1661602" cy="751537"/>
+          </a:xfrm>
+          <a:prstGeom prst="ellipse">
+            <a:avLst/>
+          </a:prstGeom>
+          <a:solidFill>
+            <a:srgbClr val="7030A0"/>
+          </a:solidFill>
+        </p:spPr>
+        <p:style>
+          <a:lnRef idx="2">
+            <a:schemeClr val="accent1">
+              <a:shade val="50000"/>
+            </a:schemeClr>
+          </a:lnRef>
+          <a:fillRef idx="1">
+            <a:schemeClr val="accent1"/>
+          </a:fillRef>
+          <a:effectRef idx="0">
+            <a:schemeClr val="accent1"/>
+          </a:effectRef>
+          <a:fontRef idx="minor">
+            <a:schemeClr val="lt1"/>
+          </a:fontRef>
+        </p:style>
+        <p:txBody>
+          <a:bodyPr rtlCol="0" anchor="ctr"/>
+          <a:lstStyle/>
+          <a:p>
+            <a:pPr algn="ctr"/>
+            <a:r>
+              <a:rPr lang="zh-CN" altLang="en-US" dirty="0"/>
+              <a:t>界面</a:t>
+            </a:r>
+          </a:p>
+        </p:txBody>
+      </p:sp>
+      <p:sp>
+        <p:nvSpPr>
+          <p:cNvPr id="27" name="箭头: 右 26">
+            <a:extLst>
+              <a:ext uri="{FF2B5EF4-FFF2-40B4-BE49-F238E27FC236}">
+                <a16:creationId xmlns:a16="http://schemas.microsoft.com/office/drawing/2014/main" id="{0705D658-343D-D9A0-4C7A-321BC4AEAD24}"/>
+              </a:ext>
+            </a:extLst>
+          </p:cNvPr>
+          <p:cNvSpPr/>
+          <p:nvPr/>
+        </p:nvSpPr>
+        <p:spPr>
+          <a:xfrm rot="16200000">
+            <a:off x="9655636" y="2400626"/>
+            <a:ext cx="588892" cy="184934"/>
+          </a:xfrm>
+          <a:prstGeom prst="rightArrow">
+            <a:avLst>
+              <a:gd name="adj1" fmla="val 62154"/>
+              <a:gd name="adj2" fmla="val 50000"/>
+            </a:avLst>
+          </a:prstGeom>
+        </p:spPr>
+        <p:style>
+          <a:lnRef idx="2">
+            <a:schemeClr val="accent1">
+              <a:shade val="50000"/>
+            </a:schemeClr>
+          </a:lnRef>
+          <a:fillRef idx="1">
+            <a:schemeClr val="accent1"/>
+          </a:fillRef>
+          <a:effectRef idx="0">
+            <a:schemeClr val="accent1"/>
+          </a:effectRef>
+          <a:fontRef idx="minor">
+            <a:schemeClr val="lt1"/>
+          </a:fontRef>
+        </p:style>
+        <p:txBody>
+          <a:bodyPr rtlCol="0" anchor="ctr"/>
+          <a:lstStyle/>
+          <a:p>
+            <a:pPr algn="ctr"/>
+            <a:endParaRPr lang="zh-CN" altLang="en-US"/>
+          </a:p>
+        </p:txBody>
+      </p:sp>
+      <p:sp>
+        <p:nvSpPr>
+          <p:cNvPr id="28" name="文本框 27">
+            <a:extLst>
+              <a:ext uri="{FF2B5EF4-FFF2-40B4-BE49-F238E27FC236}">
+                <a16:creationId xmlns:a16="http://schemas.microsoft.com/office/drawing/2014/main" id="{7CE677EA-6653-B122-5525-0AF100D20D78}"/>
+              </a:ext>
+            </a:extLst>
+          </p:cNvPr>
+          <p:cNvSpPr txBox="1"/>
+          <p:nvPr/>
+        </p:nvSpPr>
+        <p:spPr>
+          <a:xfrm>
+            <a:off x="10128609" y="2303996"/>
+            <a:ext cx="921004" cy="369332"/>
+          </a:xfrm>
+          <a:prstGeom prst="rect">
+            <a:avLst/>
+          </a:prstGeom>
+          <a:noFill/>
+        </p:spPr>
+        <p:txBody>
+          <a:bodyPr wrap="square" rtlCol="0">
+            <a:spAutoFit/>
+          </a:bodyPr>
+          <a:lstStyle/>
+          <a:p>
+            <a:r>
+              <a:rPr lang="en-US" altLang="zh-CN" dirty="0"/>
+              <a:t>Render</a:t>
+            </a:r>
+            <a:endParaRPr lang="zh-CN" altLang="en-US" dirty="0"/>
+          </a:p>
+        </p:txBody>
+      </p:sp>
+      <p:cxnSp>
+        <p:nvCxnSpPr>
+          <p:cNvPr id="42" name="直接连接符 41">
+            <a:extLst>
+              <a:ext uri="{FF2B5EF4-FFF2-40B4-BE49-F238E27FC236}">
+                <a16:creationId xmlns:a16="http://schemas.microsoft.com/office/drawing/2014/main" id="{D50D6AB5-4D89-4BA6-A7E8-F8E26F6D2885}"/>
+              </a:ext>
+            </a:extLst>
+          </p:cNvPr>
+          <p:cNvCxnSpPr>
+            <a:cxnSpLocks/>
+          </p:cNvCxnSpPr>
+          <p:nvPr/>
+        </p:nvCxnSpPr>
+        <p:spPr>
+          <a:xfrm>
+            <a:off x="5900792" y="2749600"/>
+            <a:ext cx="0" cy="4018151"/>
+          </a:xfrm>
+          <a:prstGeom prst="line">
+            <a:avLst/>
+          </a:prstGeom>
+          <a:ln>
+            <a:solidFill>
+              <a:schemeClr val="accent1"/>
+            </a:solidFill>
+            <a:prstDash val="dash"/>
+          </a:ln>
+        </p:spPr>
+        <p:style>
+          <a:lnRef idx="1">
+            <a:schemeClr val="accent1"/>
+          </a:lnRef>
+          <a:fillRef idx="0">
+            <a:schemeClr val="accent1"/>
+          </a:fillRef>
+          <a:effectRef idx="0">
+            <a:schemeClr val="accent1"/>
+          </a:effectRef>
+          <a:fontRef idx="minor">
+            <a:schemeClr val="tx1"/>
+          </a:fontRef>
+        </p:style>
+      </p:cxnSp>
+      <p:sp>
+        <p:nvSpPr>
+          <p:cNvPr id="16" name="文本框 15">
+            <a:extLst>
+              <a:ext uri="{FF2B5EF4-FFF2-40B4-BE49-F238E27FC236}">
+                <a16:creationId xmlns:a16="http://schemas.microsoft.com/office/drawing/2014/main" id="{07128EE0-A808-4AAB-488A-DAAF10473AC0}"/>
+              </a:ext>
+            </a:extLst>
+          </p:cNvPr>
+          <p:cNvSpPr txBox="1"/>
+          <p:nvPr/>
+        </p:nvSpPr>
+        <p:spPr>
+          <a:xfrm>
+            <a:off x="2871297" y="2813342"/>
+            <a:ext cx="708917" cy="369332"/>
+          </a:xfrm>
+          <a:prstGeom prst="rect">
+            <a:avLst/>
+          </a:prstGeom>
+          <a:noFill/>
+        </p:spPr>
+        <p:txBody>
+          <a:bodyPr wrap="square" rtlCol="0">
+            <a:spAutoFit/>
+          </a:bodyPr>
+          <a:lstStyle/>
+          <a:p>
+            <a:r>
+              <a:rPr lang="zh-CN" altLang="en-US" dirty="0"/>
+              <a:t>生成</a:t>
+            </a:r>
+          </a:p>
+        </p:txBody>
+      </p:sp>
+      <p:sp>
+        <p:nvSpPr>
+          <p:cNvPr id="18" name="文本框 17">
+            <a:extLst>
+              <a:ext uri="{FF2B5EF4-FFF2-40B4-BE49-F238E27FC236}">
+                <a16:creationId xmlns:a16="http://schemas.microsoft.com/office/drawing/2014/main" id="{035EADB8-B836-BBCB-4B3A-4AD98E84DCBD}"/>
+              </a:ext>
+            </a:extLst>
+          </p:cNvPr>
+          <p:cNvSpPr txBox="1"/>
+          <p:nvPr/>
+        </p:nvSpPr>
+        <p:spPr>
+          <a:xfrm>
+            <a:off x="5581843" y="2848847"/>
+            <a:ext cx="708917" cy="369332"/>
+          </a:xfrm>
+          <a:prstGeom prst="rect">
+            <a:avLst/>
+          </a:prstGeom>
+          <a:noFill/>
+        </p:spPr>
+        <p:txBody>
+          <a:bodyPr wrap="square" rtlCol="0">
+            <a:spAutoFit/>
+          </a:bodyPr>
+          <a:lstStyle/>
+          <a:p>
+            <a:r>
+              <a:rPr lang="zh-CN" altLang="en-US" dirty="0"/>
+              <a:t>生成</a:t>
+            </a:r>
+          </a:p>
+        </p:txBody>
+      </p:sp>
+      <p:sp>
+        <p:nvSpPr>
+          <p:cNvPr id="21" name="矩形 20">
+            <a:extLst>
+              <a:ext uri="{FF2B5EF4-FFF2-40B4-BE49-F238E27FC236}">
+                <a16:creationId xmlns:a16="http://schemas.microsoft.com/office/drawing/2014/main" id="{53272BCD-B3A7-5DDB-7DF7-DE9D53F7B669}"/>
+              </a:ext>
+            </a:extLst>
+          </p:cNvPr>
+          <p:cNvSpPr/>
+          <p:nvPr/>
+        </p:nvSpPr>
+        <p:spPr>
+          <a:xfrm>
+            <a:off x="3744932" y="1393457"/>
+            <a:ext cx="1661602" cy="751537"/>
+          </a:xfrm>
+          <a:prstGeom prst="rect">
+            <a:avLst/>
+          </a:prstGeom>
+        </p:spPr>
+        <p:style>
+          <a:lnRef idx="2">
+            <a:schemeClr val="accent1">
+              <a:shade val="50000"/>
+            </a:schemeClr>
+          </a:lnRef>
+          <a:fillRef idx="1">
+            <a:schemeClr val="accent1"/>
+          </a:fillRef>
+          <a:effectRef idx="0">
+            <a:schemeClr val="accent1"/>
+          </a:effectRef>
+          <a:fontRef idx="minor">
+            <a:schemeClr val="lt1"/>
+          </a:fontRef>
+        </p:style>
+        <p:txBody>
+          <a:bodyPr rtlCol="0" anchor="ctr"/>
+          <a:lstStyle/>
+          <a:p>
+            <a:pPr algn="ctr"/>
+            <a:r>
+              <a:rPr lang="en-US" altLang="zh-CN" dirty="0" err="1"/>
+              <a:t>GraphQL</a:t>
+            </a:r>
+            <a:endParaRPr lang="zh-CN" altLang="en-US" dirty="0"/>
+          </a:p>
+        </p:txBody>
+      </p:sp>
+      <p:sp>
+        <p:nvSpPr>
+          <p:cNvPr id="36" name="箭头: 上 35">
+            <a:extLst>
+              <a:ext uri="{FF2B5EF4-FFF2-40B4-BE49-F238E27FC236}">
+                <a16:creationId xmlns:a16="http://schemas.microsoft.com/office/drawing/2014/main" id="{AF326EC7-1256-780A-B70E-2888D1738247}"/>
+              </a:ext>
+            </a:extLst>
+          </p:cNvPr>
+          <p:cNvSpPr/>
+          <p:nvPr/>
+        </p:nvSpPr>
+        <p:spPr>
+          <a:xfrm>
+            <a:off x="4436907" y="2299827"/>
+            <a:ext cx="168315" cy="369331"/>
+          </a:xfrm>
+          <a:prstGeom prst="upArrow">
+            <a:avLst/>
+          </a:prstGeom>
+        </p:spPr>
+        <p:style>
+          <a:lnRef idx="2">
+            <a:schemeClr val="accent1">
+              <a:shade val="50000"/>
+            </a:schemeClr>
+          </a:lnRef>
+          <a:fillRef idx="1">
+            <a:schemeClr val="accent1"/>
+          </a:fillRef>
+          <a:effectRef idx="0">
+            <a:schemeClr val="accent1"/>
+          </a:effectRef>
+          <a:fontRef idx="minor">
+            <a:schemeClr val="lt1"/>
+          </a:fontRef>
+        </p:style>
+        <p:txBody>
+          <a:bodyPr rtlCol="0" anchor="ctr"/>
+          <a:lstStyle/>
+          <a:p>
+            <a:pPr algn="ctr"/>
+            <a:endParaRPr lang="zh-CN" altLang="en-US"/>
+          </a:p>
+        </p:txBody>
+      </p:sp>
+      <p:sp>
+        <p:nvSpPr>
+          <p:cNvPr id="37" name="文本框 36">
+            <a:extLst>
+              <a:ext uri="{FF2B5EF4-FFF2-40B4-BE49-F238E27FC236}">
+                <a16:creationId xmlns:a16="http://schemas.microsoft.com/office/drawing/2014/main" id="{0A0BDC57-58BE-9A32-3FB7-E926CFEAEE82}"/>
+              </a:ext>
+            </a:extLst>
+          </p:cNvPr>
+          <p:cNvSpPr txBox="1"/>
+          <p:nvPr/>
+        </p:nvSpPr>
+        <p:spPr>
+          <a:xfrm>
+            <a:off x="4693796" y="2287587"/>
+            <a:ext cx="1220709" cy="369332"/>
+          </a:xfrm>
+          <a:prstGeom prst="rect">
+            <a:avLst/>
+          </a:prstGeom>
+          <a:noFill/>
+        </p:spPr>
+        <p:txBody>
+          <a:bodyPr wrap="square" rtlCol="0">
+            <a:spAutoFit/>
+          </a:bodyPr>
+          <a:lstStyle/>
+          <a:p>
+            <a:r>
+              <a:rPr lang="en-US" altLang="zh-CN" dirty="0" err="1"/>
+              <a:t>BizModel</a:t>
+            </a:r>
+            <a:endParaRPr lang="en-US" altLang="zh-CN" dirty="0"/>
+          </a:p>
+        </p:txBody>
+      </p:sp>
+      <p:sp>
+        <p:nvSpPr>
+          <p:cNvPr id="41" name="加号 40">
+            <a:extLst>
+              <a:ext uri="{FF2B5EF4-FFF2-40B4-BE49-F238E27FC236}">
+                <a16:creationId xmlns:a16="http://schemas.microsoft.com/office/drawing/2014/main" id="{9231E943-E955-B34C-F9CC-CCDADFCEF50E}"/>
+              </a:ext>
+            </a:extLst>
+          </p:cNvPr>
+          <p:cNvSpPr/>
+          <p:nvPr/>
+        </p:nvSpPr>
+        <p:spPr>
+          <a:xfrm>
+            <a:off x="4348332" y="2322000"/>
+            <a:ext cx="345464" cy="369332"/>
+          </a:xfrm>
+          <a:prstGeom prst="mathPlus">
+            <a:avLst/>
+          </a:prstGeom>
+        </p:spPr>
+        <p:style>
+          <a:lnRef idx="2">
+            <a:schemeClr val="accent1">
+              <a:shade val="50000"/>
+            </a:schemeClr>
+          </a:lnRef>
+          <a:fillRef idx="1">
+            <a:schemeClr val="accent1"/>
+          </a:fillRef>
+          <a:effectRef idx="0">
+            <a:schemeClr val="accent1"/>
+          </a:effectRef>
+          <a:fontRef idx="minor">
+            <a:schemeClr val="lt1"/>
+          </a:fontRef>
+        </p:style>
+        <p:txBody>
+          <a:bodyPr rtlCol="0" anchor="ctr"/>
+          <a:lstStyle/>
+          <a:p>
+            <a:pPr algn="ctr"/>
+            <a:endParaRPr lang="zh-CN" altLang="en-US"/>
+          </a:p>
+        </p:txBody>
+      </p:sp>
+      <p:cxnSp>
+        <p:nvCxnSpPr>
+          <p:cNvPr id="50" name="连接符: 肘形 49">
+            <a:extLst>
+              <a:ext uri="{FF2B5EF4-FFF2-40B4-BE49-F238E27FC236}">
+                <a16:creationId xmlns:a16="http://schemas.microsoft.com/office/drawing/2014/main" id="{D53C0396-B1E4-2401-DA0E-CCA76C4CC91E}"/>
+              </a:ext>
+            </a:extLst>
+          </p:cNvPr>
+          <p:cNvCxnSpPr>
+            <a:cxnSpLocks/>
+          </p:cNvCxnSpPr>
+          <p:nvPr/>
+        </p:nvCxnSpPr>
+        <p:spPr>
+          <a:xfrm>
+            <a:off x="2878955" y="3380746"/>
+            <a:ext cx="763177" cy="590140"/>
+          </a:xfrm>
+          <a:prstGeom prst="bentConnector3">
+            <a:avLst>
+              <a:gd name="adj1" fmla="val 50000"/>
+            </a:avLst>
+          </a:prstGeom>
+          <a:ln w="53975">
+            <a:tailEnd type="triangle"/>
+          </a:ln>
+        </p:spPr>
+        <p:style>
+          <a:lnRef idx="1">
+            <a:schemeClr val="accent1"/>
+          </a:lnRef>
+          <a:fillRef idx="0">
+            <a:schemeClr val="accent1"/>
+          </a:fillRef>
+          <a:effectRef idx="0">
+            <a:schemeClr val="accent1"/>
+          </a:effectRef>
+          <a:fontRef idx="minor">
+            <a:schemeClr val="tx1"/>
+          </a:fontRef>
+        </p:style>
+      </p:cxnSp>
+      <p:cxnSp>
+        <p:nvCxnSpPr>
+          <p:cNvPr id="56" name="连接符: 肘形 55">
+            <a:extLst>
+              <a:ext uri="{FF2B5EF4-FFF2-40B4-BE49-F238E27FC236}">
+                <a16:creationId xmlns:a16="http://schemas.microsoft.com/office/drawing/2014/main" id="{57F9F954-A1D8-9A79-F3ED-BD312B9031E7}"/>
+              </a:ext>
+            </a:extLst>
+          </p:cNvPr>
+          <p:cNvCxnSpPr>
+            <a:cxnSpLocks/>
+          </p:cNvCxnSpPr>
+          <p:nvPr/>
+        </p:nvCxnSpPr>
+        <p:spPr>
+          <a:xfrm>
+            <a:off x="5531645" y="3430406"/>
+            <a:ext cx="763177" cy="590140"/>
+          </a:xfrm>
+          <a:prstGeom prst="bentConnector3">
+            <a:avLst>
+              <a:gd name="adj1" fmla="val 50000"/>
+            </a:avLst>
+          </a:prstGeom>
+          <a:ln w="53975">
+            <a:tailEnd type="triangle"/>
+          </a:ln>
+        </p:spPr>
+        <p:style>
+          <a:lnRef idx="1">
+            <a:schemeClr val="accent1"/>
+          </a:lnRef>
+          <a:fillRef idx="0">
+            <a:schemeClr val="accent1"/>
+          </a:fillRef>
+          <a:effectRef idx="0">
+            <a:schemeClr val="accent1"/>
+          </a:effectRef>
+          <a:fontRef idx="minor">
+            <a:schemeClr val="tx1"/>
+          </a:fontRef>
+        </p:style>
+      </p:cxnSp>
+      <p:cxnSp>
+        <p:nvCxnSpPr>
+          <p:cNvPr id="57" name="连接符: 肘形 56">
+            <a:extLst>
+              <a:ext uri="{FF2B5EF4-FFF2-40B4-BE49-F238E27FC236}">
+                <a16:creationId xmlns:a16="http://schemas.microsoft.com/office/drawing/2014/main" id="{69B37F02-B6DF-3079-E988-DFAEC8F2B29E}"/>
+              </a:ext>
+            </a:extLst>
+          </p:cNvPr>
+          <p:cNvCxnSpPr>
+            <a:cxnSpLocks/>
+          </p:cNvCxnSpPr>
+          <p:nvPr/>
+        </p:nvCxnSpPr>
+        <p:spPr>
+          <a:xfrm>
+            <a:off x="8273129" y="3428696"/>
+            <a:ext cx="763177" cy="590140"/>
+          </a:xfrm>
+          <a:prstGeom prst="bentConnector3">
+            <a:avLst>
+              <a:gd name="adj1" fmla="val 50000"/>
+            </a:avLst>
+          </a:prstGeom>
+          <a:ln w="53975">
+            <a:tailEnd type="triangle"/>
+          </a:ln>
+        </p:spPr>
+        <p:style>
+          <a:lnRef idx="1">
+            <a:schemeClr val="accent1"/>
+          </a:lnRef>
+          <a:fillRef idx="0">
+            <a:schemeClr val="accent1"/>
+          </a:fillRef>
+          <a:effectRef idx="0">
+            <a:schemeClr val="accent1"/>
+          </a:effectRef>
+          <a:fontRef idx="minor">
+            <a:schemeClr val="tx1"/>
+          </a:fontRef>
+        </p:style>
+      </p:cxnSp>
+      <p:sp>
+        <p:nvSpPr>
+          <p:cNvPr id="59" name="文本框 58">
+            <a:extLst>
+              <a:ext uri="{FF2B5EF4-FFF2-40B4-BE49-F238E27FC236}">
+                <a16:creationId xmlns:a16="http://schemas.microsoft.com/office/drawing/2014/main" id="{61EA4447-5C5C-F1A0-4594-4664B9C02180}"/>
+              </a:ext>
+            </a:extLst>
+          </p:cNvPr>
+          <p:cNvSpPr txBox="1"/>
+          <p:nvPr/>
+        </p:nvSpPr>
+        <p:spPr>
+          <a:xfrm>
+            <a:off x="8179491" y="2847137"/>
+            <a:ext cx="708917" cy="369332"/>
+          </a:xfrm>
+          <a:prstGeom prst="rect">
+            <a:avLst/>
+          </a:prstGeom>
+          <a:noFill/>
+        </p:spPr>
+        <p:txBody>
+          <a:bodyPr wrap="square" rtlCol="0">
+            <a:spAutoFit/>
+          </a:bodyPr>
+          <a:lstStyle/>
+          <a:p>
+            <a:r>
+              <a:rPr lang="zh-CN" altLang="en-US" dirty="0"/>
+              <a:t>生成</a:t>
+            </a:r>
+          </a:p>
+        </p:txBody>
+      </p:sp>
+    </p:spTree>
+    <p:extLst>
+      <p:ext uri="{BB962C8B-B14F-4D97-AF65-F5344CB8AC3E}">
+        <p14:creationId xmlns:p14="http://schemas.microsoft.com/office/powerpoint/2010/main" val="138928013"/>
+      </p:ext>
+    </p:extLst>
+  </p:cSld>
+  <p:clrMapOvr>
+    <a:masterClrMapping/>
+  </p:clrMapOvr>
+</p:sld>
+</file>
+
+<file path=ppt/slides/slide4.xml><?xml version="1.0" encoding="utf-8"?>
+<p:sld xmlns:a="http://schemas.openxmlformats.org/drawingml/2006/main" xmlns:r="http://schemas.openxmlformats.org/officeDocument/2006/relationships" xmlns:p="http://schemas.openxmlformats.org/presentationml/2006/main">
+  <p:cSld>
+    <p:spTree>
+      <p:nvGrpSpPr>
+        <p:cNvPr id="1" name=""/>
+        <p:cNvGrpSpPr/>
+        <p:nvPr/>
+      </p:nvGrpSpPr>
+      <p:grpSpPr>
+        <a:xfrm>
+          <a:off x="0" y="0"/>
+          <a:ext cx="0" cy="0"/>
+          <a:chOff x="0" y="0"/>
+          <a:chExt cx="0" cy="0"/>
+        </a:xfrm>
+      </p:grpSpPr>
+      <p:sp>
+        <p:nvSpPr>
+          <p:cNvPr id="2" name="标题 1">
+            <a:extLst>
+              <a:ext uri="{FF2B5EF4-FFF2-40B4-BE49-F238E27FC236}">
+                <a16:creationId xmlns:a16="http://schemas.microsoft.com/office/drawing/2014/main" id="{7B078A78-F1A6-B200-A327-496477BABCB1}"/>
+              </a:ext>
+            </a:extLst>
+          </p:cNvPr>
+          <p:cNvSpPr>
+            <a:spLocks noGrp="1"/>
+          </p:cNvSpPr>
+          <p:nvPr>
+            <p:ph type="title"/>
+          </p:nvPr>
+        </p:nvSpPr>
+        <p:spPr/>
+        <p:txBody>
+          <a:bodyPr/>
+          <a:lstStyle/>
+          <a:p>
+            <a:r>
+              <a:rPr lang="en-US" altLang="zh-CN" b="1" dirty="0"/>
+              <a:t>Excel</a:t>
+            </a:r>
+            <a:r>
+              <a:rPr lang="zh-CN" altLang="en-US" b="1" dirty="0"/>
+              <a:t>数据模型</a:t>
+            </a:r>
+          </a:p>
+        </p:txBody>
+      </p:sp>
+      <p:pic>
+        <p:nvPicPr>
+          <p:cNvPr id="7" name="图片 6">
+            <a:extLst>
+              <a:ext uri="{FF2B5EF4-FFF2-40B4-BE49-F238E27FC236}">
+                <a16:creationId xmlns:a16="http://schemas.microsoft.com/office/drawing/2014/main" id="{7C3F6C2A-6BAA-928C-EDE3-D97696914E36}"/>
+              </a:ext>
+            </a:extLst>
+          </p:cNvPr>
+          <p:cNvPicPr>
+            <a:picLocks noChangeAspect="1"/>
+          </p:cNvPicPr>
+          <p:nvPr/>
+        </p:nvPicPr>
+        <p:blipFill>
+          <a:blip r:embed="rId2">
+            <a:extLst>
+              <a:ext uri="{28A0092B-C50C-407E-A947-70E740481C1C}">
+                <a14:useLocalDpi xmlns:a14="http://schemas.microsoft.com/office/drawing/2010/main" val="0"/>
+              </a:ext>
+            </a:extLst>
+          </a:blip>
+          <a:stretch>
+            <a:fillRect/>
+          </a:stretch>
+        </p:blipFill>
+        <p:spPr>
+          <a:xfrm>
+            <a:off x="1079938" y="1501502"/>
+            <a:ext cx="10684448" cy="4499905"/>
+          </a:xfrm>
+          <a:prstGeom prst="rect">
+            <a:avLst/>
+          </a:prstGeom>
+        </p:spPr>
+      </p:pic>
+    </p:spTree>
+    <p:extLst>
+      <p:ext uri="{BB962C8B-B14F-4D97-AF65-F5344CB8AC3E}">
+        <p14:creationId xmlns:p14="http://schemas.microsoft.com/office/powerpoint/2010/main" val="3712466064"/>
+      </p:ext>
+    </p:extLst>
+  </p:cSld>
+  <p:clrMapOvr>
+    <a:masterClrMapping/>
+  </p:clrMapOvr>
+</p:sld>
+</file>
+
+<file path=ppt/slides/slide5.xml><?xml version="1.0" encoding="utf-8"?>
+<p:sld xmlns:a="http://schemas.openxmlformats.org/drawingml/2006/main" xmlns:r="http://schemas.openxmlformats.org/officeDocument/2006/relationships" xmlns:p="http://schemas.openxmlformats.org/presentationml/2006/main">
+  <p:cSld>
+    <p:spTree>
+      <p:nvGrpSpPr>
+        <p:cNvPr id="1" name="">
+          <a:extLst>
+            <a:ext uri="{FF2B5EF4-FFF2-40B4-BE49-F238E27FC236}">
+              <a16:creationId xmlns:a16="http://schemas.microsoft.com/office/drawing/2014/main" id="{F9F9726A-6E68-71D3-36D9-4F238885440F}"/>
+            </a:ext>
+          </a:extLst>
+        </p:cNvPr>
+        <p:cNvGrpSpPr/>
+        <p:nvPr/>
+      </p:nvGrpSpPr>
+      <p:grpSpPr>
+        <a:xfrm>
+          <a:off x="0" y="0"/>
+          <a:ext cx="0" cy="0"/>
+          <a:chOff x="0" y="0"/>
+          <a:chExt cx="0" cy="0"/>
+        </a:xfrm>
+      </p:grpSpPr>
+      <p:sp>
+        <p:nvSpPr>
+          <p:cNvPr id="49" name="文本框 48">
+            <a:extLst>
+              <a:ext uri="{FF2B5EF4-FFF2-40B4-BE49-F238E27FC236}">
+                <a16:creationId xmlns:a16="http://schemas.microsoft.com/office/drawing/2014/main" id="{7F975287-4D3E-ACD5-FE56-746721F704FA}"/>
+              </a:ext>
+            </a:extLst>
+          </p:cNvPr>
+          <p:cNvSpPr txBox="1"/>
+          <p:nvPr/>
+        </p:nvSpPr>
+        <p:spPr>
+          <a:xfrm>
+            <a:off x="434688" y="267394"/>
+            <a:ext cx="4716975" cy="523220"/>
+          </a:xfrm>
+          <a:prstGeom prst="rect">
+            <a:avLst/>
+          </a:prstGeom>
+          <a:noFill/>
+        </p:spPr>
+        <p:txBody>
+          <a:bodyPr wrap="square" rtlCol="0">
+            <a:spAutoFit/>
+          </a:bodyPr>
+          <a:lstStyle/>
+          <a:p>
+            <a:r>
+              <a:rPr lang="zh-CN" altLang="en-US" sz="2800" b="1" dirty="0"/>
+              <a:t>数据驱动的差量化代码生成</a:t>
+            </a:r>
+          </a:p>
+        </p:txBody>
+      </p:sp>
+      <p:pic>
+        <p:nvPicPr>
+          <p:cNvPr id="6" name="图片 5">
+            <a:extLst>
+              <a:ext uri="{FF2B5EF4-FFF2-40B4-BE49-F238E27FC236}">
+                <a16:creationId xmlns:a16="http://schemas.microsoft.com/office/drawing/2014/main" id="{062F14C3-66A0-60F9-5297-BA17DE2E6B18}"/>
+              </a:ext>
+            </a:extLst>
+          </p:cNvPr>
+          <p:cNvPicPr>
+            <a:picLocks noChangeAspect="1"/>
+          </p:cNvPicPr>
+          <p:nvPr/>
+        </p:nvPicPr>
+        <p:blipFill>
+          <a:blip r:embed="rId2">
+            <a:extLst>
+              <a:ext uri="{28A0092B-C50C-407E-A947-70E740481C1C}">
+                <a14:useLocalDpi xmlns:a14="http://schemas.microsoft.com/office/drawing/2010/main" val="0"/>
+              </a:ext>
+            </a:extLst>
+          </a:blip>
+          <a:stretch>
+            <a:fillRect/>
+          </a:stretch>
+        </p:blipFill>
+        <p:spPr>
+          <a:xfrm>
+            <a:off x="848961" y="1001232"/>
+            <a:ext cx="4514976" cy="5473232"/>
+          </a:xfrm>
+          <a:prstGeom prst="rect">
+            <a:avLst/>
+          </a:prstGeom>
+        </p:spPr>
+      </p:pic>
+      <p:pic>
+        <p:nvPicPr>
+          <p:cNvPr id="10" name="图片 9">
+            <a:extLst>
+              <a:ext uri="{FF2B5EF4-FFF2-40B4-BE49-F238E27FC236}">
+                <a16:creationId xmlns:a16="http://schemas.microsoft.com/office/drawing/2014/main" id="{13650D80-ACB8-9F57-275E-42FBBF1145AE}"/>
+              </a:ext>
+            </a:extLst>
+          </p:cNvPr>
+          <p:cNvPicPr>
+            <a:picLocks noChangeAspect="1"/>
+          </p:cNvPicPr>
+          <p:nvPr/>
+        </p:nvPicPr>
+        <p:blipFill>
+          <a:blip r:embed="rId3">
+            <a:extLst>
+              <a:ext uri="{28A0092B-C50C-407E-A947-70E740481C1C}">
+                <a14:useLocalDpi xmlns:a14="http://schemas.microsoft.com/office/drawing/2010/main" val="0"/>
+              </a:ext>
+            </a:extLst>
+          </a:blip>
+          <a:stretch>
+            <a:fillRect/>
+          </a:stretch>
+        </p:blipFill>
+        <p:spPr>
+          <a:xfrm>
+            <a:off x="6961412" y="1001232"/>
+            <a:ext cx="4672693" cy="5392127"/>
+          </a:xfrm>
+          <a:prstGeom prst="rect">
+            <a:avLst/>
+          </a:prstGeom>
+        </p:spPr>
+      </p:pic>
+      <p:sp>
+        <p:nvSpPr>
+          <p:cNvPr id="13" name="箭头: 右 12">
+            <a:extLst>
+              <a:ext uri="{FF2B5EF4-FFF2-40B4-BE49-F238E27FC236}">
+                <a16:creationId xmlns:a16="http://schemas.microsoft.com/office/drawing/2014/main" id="{32C67A98-4F2B-FDC7-688A-B305E2D6DAD1}"/>
+              </a:ext>
+            </a:extLst>
+          </p:cNvPr>
+          <p:cNvSpPr/>
+          <p:nvPr/>
+        </p:nvSpPr>
+        <p:spPr>
+          <a:xfrm>
+            <a:off x="5788479" y="3126921"/>
+            <a:ext cx="685800" cy="302079"/>
+          </a:xfrm>
+          <a:prstGeom prst="rightArrow">
+            <a:avLst/>
+          </a:prstGeom>
+        </p:spPr>
+        <p:style>
+          <a:lnRef idx="2">
+            <a:schemeClr val="accent1">
+              <a:shade val="15000"/>
+            </a:schemeClr>
+          </a:lnRef>
+          <a:fillRef idx="1">
+            <a:schemeClr val="accent1"/>
+          </a:fillRef>
+          <a:effectRef idx="0">
+            <a:schemeClr val="accent1"/>
+          </a:effectRef>
+          <a:fontRef idx="minor">
+            <a:schemeClr val="lt1"/>
+          </a:fontRef>
+        </p:style>
+        <p:txBody>
+          <a:bodyPr rtlCol="0" anchor="ctr"/>
+          <a:lstStyle/>
+          <a:p>
+            <a:pPr algn="ctr"/>
+            <a:endParaRPr lang="zh-CN" altLang="en-US"/>
+          </a:p>
+        </p:txBody>
+      </p:sp>
+    </p:spTree>
+    <p:extLst>
+      <p:ext uri="{BB962C8B-B14F-4D97-AF65-F5344CB8AC3E}">
+        <p14:creationId xmlns:p14="http://schemas.microsoft.com/office/powerpoint/2010/main" val="437123652"/>
+      </p:ext>
+    </p:extLst>
+  </p:cSld>
+  <p:clrMapOvr>
+    <a:masterClrMapping/>
+  </p:clrMapOvr>
+</p:sld>
+</file>
+
+<file path=ppt/slides/slide6.xml><?xml version="1.0" encoding="utf-8"?>
+<p:sld xmlns:a="http://schemas.openxmlformats.org/drawingml/2006/main" xmlns:r="http://schemas.openxmlformats.org/officeDocument/2006/relationships" xmlns:p="http://schemas.openxmlformats.org/presentationml/2006/main">
+  <p:cSld>
+    <p:spTree>
+      <p:nvGrpSpPr>
+        <p:cNvPr id="1" name="">
+          <a:extLst>
+            <a:ext uri="{FF2B5EF4-FFF2-40B4-BE49-F238E27FC236}">
+              <a16:creationId xmlns:a16="http://schemas.microsoft.com/office/drawing/2014/main" id="{0CFA1B38-6E2B-8D9B-4A5F-625AF799367C}"/>
+            </a:ext>
+          </a:extLst>
+        </p:cNvPr>
+        <p:cNvGrpSpPr/>
+        <p:nvPr/>
+      </p:nvGrpSpPr>
+      <p:grpSpPr>
+        <a:xfrm>
+          <a:off x="0" y="0"/>
+          <a:ext cx="0" cy="0"/>
+          <a:chOff x="0" y="0"/>
+          <a:chExt cx="0" cy="0"/>
+        </a:xfrm>
+      </p:grpSpPr>
+      <p:sp>
+        <p:nvSpPr>
+          <p:cNvPr id="2" name="标题 1">
+            <a:extLst>
+              <a:ext uri="{FF2B5EF4-FFF2-40B4-BE49-F238E27FC236}">
+                <a16:creationId xmlns:a16="http://schemas.microsoft.com/office/drawing/2014/main" id="{F50614B5-15B6-8B14-2553-6DDF85B03431}"/>
+              </a:ext>
+            </a:extLst>
+          </p:cNvPr>
+          <p:cNvSpPr>
+            <a:spLocks noGrp="1"/>
+          </p:cNvSpPr>
+          <p:nvPr>
+            <p:ph type="title"/>
+          </p:nvPr>
+        </p:nvSpPr>
+        <p:spPr/>
+        <p:txBody>
+          <a:bodyPr/>
+          <a:lstStyle/>
+          <a:p>
+            <a:r>
+              <a:rPr lang="en-US" altLang="zh-CN" b="1" dirty="0"/>
+              <a:t>ORM</a:t>
+            </a:r>
+            <a:r>
+              <a:rPr lang="zh-CN" altLang="en-US" b="1" dirty="0"/>
+              <a:t>引擎的独特价值</a:t>
+            </a:r>
+          </a:p>
+        </p:txBody>
+      </p:sp>
+      <p:sp>
+        <p:nvSpPr>
+          <p:cNvPr id="9" name="文本框 8">
+            <a:extLst>
+              <a:ext uri="{FF2B5EF4-FFF2-40B4-BE49-F238E27FC236}">
+                <a16:creationId xmlns:a16="http://schemas.microsoft.com/office/drawing/2014/main" id="{ED371A97-4A14-39FE-AC57-BBBE7EC4DC76}"/>
+              </a:ext>
+            </a:extLst>
+          </p:cNvPr>
+          <p:cNvSpPr txBox="1"/>
+          <p:nvPr/>
+        </p:nvSpPr>
+        <p:spPr>
+          <a:xfrm>
+            <a:off x="2865664" y="3804557"/>
+            <a:ext cx="4980215" cy="584775"/>
+          </a:xfrm>
+          <a:prstGeom prst="rect">
+            <a:avLst/>
+          </a:prstGeom>
+          <a:noFill/>
+        </p:spPr>
+        <p:txBody>
+          <a:bodyPr wrap="square" rtlCol="0">
+            <a:spAutoFit/>
+          </a:bodyPr>
+          <a:lstStyle/>
+          <a:p>
+            <a:r>
+              <a:rPr lang="en-US" altLang="zh-CN" sz="3200" dirty="0"/>
+              <a:t>  EQL = SQL  + </a:t>
+            </a:r>
+            <a:r>
+              <a:rPr lang="en-US" altLang="zh-CN" sz="3200" dirty="0" err="1"/>
+              <a:t>AutoJoin</a:t>
+            </a:r>
+            <a:endParaRPr lang="en-US" altLang="zh-CN" sz="3200" dirty="0"/>
+          </a:p>
+        </p:txBody>
+      </p:sp>
+      <p:sp>
+        <p:nvSpPr>
+          <p:cNvPr id="3" name="文本框 2">
+            <a:extLst>
+              <a:ext uri="{FF2B5EF4-FFF2-40B4-BE49-F238E27FC236}">
+                <a16:creationId xmlns:a16="http://schemas.microsoft.com/office/drawing/2014/main" id="{37337049-D1EF-60B7-03C4-F0281B084B80}"/>
+              </a:ext>
+            </a:extLst>
+          </p:cNvPr>
+          <p:cNvSpPr txBox="1"/>
+          <p:nvPr/>
+        </p:nvSpPr>
+        <p:spPr>
+          <a:xfrm>
+            <a:off x="1338944" y="1904481"/>
+            <a:ext cx="7739742" cy="584775"/>
+          </a:xfrm>
+          <a:prstGeom prst="rect">
+            <a:avLst/>
+          </a:prstGeom>
+          <a:noFill/>
+        </p:spPr>
+        <p:txBody>
+          <a:bodyPr wrap="square" rtlCol="0">
+            <a:spAutoFit/>
+          </a:bodyPr>
+          <a:lstStyle/>
+          <a:p>
+            <a:r>
+              <a:rPr lang="zh-CN" altLang="en-US" sz="3200" dirty="0"/>
+              <a:t>关系数据库的秘密：关系数据库中无关系</a:t>
+            </a:r>
+            <a:endParaRPr lang="en-US" altLang="zh-CN" sz="3200" dirty="0"/>
+          </a:p>
+        </p:txBody>
+      </p:sp>
+      <p:sp>
+        <p:nvSpPr>
+          <p:cNvPr id="4" name="文本框 3">
+            <a:extLst>
+              <a:ext uri="{FF2B5EF4-FFF2-40B4-BE49-F238E27FC236}">
+                <a16:creationId xmlns:a16="http://schemas.microsoft.com/office/drawing/2014/main" id="{3E05CAD1-8561-AC22-CD3C-68E80AD79B90}"/>
+              </a:ext>
+            </a:extLst>
+          </p:cNvPr>
+          <p:cNvSpPr txBox="1"/>
+          <p:nvPr/>
+        </p:nvSpPr>
+        <p:spPr>
+          <a:xfrm>
+            <a:off x="1466852" y="2816159"/>
+            <a:ext cx="7739742" cy="584775"/>
+          </a:xfrm>
+          <a:prstGeom prst="rect">
+            <a:avLst/>
+          </a:prstGeom>
+          <a:noFill/>
+        </p:spPr>
+        <p:txBody>
+          <a:bodyPr wrap="square" rtlCol="0">
+            <a:spAutoFit/>
+          </a:bodyPr>
+          <a:lstStyle/>
+          <a:p>
+            <a:r>
+              <a:rPr lang="zh-CN" altLang="en-US" sz="3200" dirty="0"/>
+              <a:t>重新认识主键和外键</a:t>
+            </a:r>
+            <a:r>
+              <a:rPr lang="en-US" altLang="zh-CN" sz="3200" dirty="0"/>
+              <a:t>:</a:t>
+            </a:r>
+          </a:p>
+        </p:txBody>
+      </p:sp>
+      <p:sp>
+        <p:nvSpPr>
+          <p:cNvPr id="5" name="文本框 4">
+            <a:extLst>
+              <a:ext uri="{FF2B5EF4-FFF2-40B4-BE49-F238E27FC236}">
+                <a16:creationId xmlns:a16="http://schemas.microsoft.com/office/drawing/2014/main" id="{B6572029-0B9F-77A5-8E46-13566111C6D5}"/>
+              </a:ext>
+            </a:extLst>
+          </p:cNvPr>
+          <p:cNvSpPr txBox="1"/>
+          <p:nvPr/>
+        </p:nvSpPr>
+        <p:spPr>
+          <a:xfrm>
+            <a:off x="3151417" y="4610100"/>
+            <a:ext cx="2857500" cy="584775"/>
+          </a:xfrm>
+          <a:prstGeom prst="rect">
+            <a:avLst/>
+          </a:prstGeom>
+          <a:noFill/>
+        </p:spPr>
+        <p:txBody>
+          <a:bodyPr wrap="square" rtlCol="0">
+            <a:spAutoFit/>
+          </a:bodyPr>
+          <a:lstStyle/>
+          <a:p>
+            <a:r>
+              <a:rPr lang="en-US" altLang="zh-CN" sz="3200" dirty="0"/>
+              <a:t>Row =&gt; Entity</a:t>
+            </a:r>
+          </a:p>
+        </p:txBody>
+      </p:sp>
+    </p:spTree>
+    <p:extLst>
+      <p:ext uri="{BB962C8B-B14F-4D97-AF65-F5344CB8AC3E}">
+        <p14:creationId xmlns:p14="http://schemas.microsoft.com/office/powerpoint/2010/main" val="2716673285"/>
+      </p:ext>
+    </p:extLst>
+  </p:cSld>
+  <p:clrMapOvr>
+    <a:masterClrMapping/>
+  </p:clrMapOvr>
+</p:sld>
+</file>
+
+<file path=ppt/slides/slide7.xml><?xml version="1.0" encoding="utf-8"?>
+<p:sld xmlns:a="http://schemas.openxmlformats.org/drawingml/2006/main" xmlns:r="http://schemas.openxmlformats.org/officeDocument/2006/relationships" xmlns:p="http://schemas.openxmlformats.org/presentationml/2006/main">
+  <p:cSld>
+    <p:spTree>
+      <p:nvGrpSpPr>
+        <p:cNvPr id="1" name="">
+          <a:extLst>
+            <a:ext uri="{FF2B5EF4-FFF2-40B4-BE49-F238E27FC236}">
+              <a16:creationId xmlns:a16="http://schemas.microsoft.com/office/drawing/2014/main" id="{8F85055B-23FD-4C3E-43FD-6FD31D4E3E07}"/>
+            </a:ext>
+          </a:extLst>
+        </p:cNvPr>
+        <p:cNvGrpSpPr/>
+        <p:nvPr/>
+      </p:nvGrpSpPr>
+      <p:grpSpPr>
+        <a:xfrm>
+          <a:off x="0" y="0"/>
+          <a:ext cx="0" cy="0"/>
+          <a:chOff x="0" y="0"/>
+          <a:chExt cx="0" cy="0"/>
+        </a:xfrm>
+      </p:grpSpPr>
+      <p:sp>
+        <p:nvSpPr>
+          <p:cNvPr id="2" name="标题 1">
+            <a:extLst>
+              <a:ext uri="{FF2B5EF4-FFF2-40B4-BE49-F238E27FC236}">
+                <a16:creationId xmlns:a16="http://schemas.microsoft.com/office/drawing/2014/main" id="{E644D40E-3705-6462-6790-1D4C8E63FE38}"/>
+              </a:ext>
+            </a:extLst>
+          </p:cNvPr>
+          <p:cNvSpPr>
+            <a:spLocks noGrp="1"/>
+          </p:cNvSpPr>
+          <p:nvPr>
+            <p:ph type="title"/>
+          </p:nvPr>
+        </p:nvSpPr>
+        <p:spPr/>
+        <p:txBody>
+          <a:bodyPr/>
+          <a:lstStyle/>
+          <a:p>
+            <a:r>
+              <a:rPr lang="en-US" altLang="zh-CN" b="1" dirty="0" err="1"/>
+              <a:t>MyBatis</a:t>
+            </a:r>
+            <a:r>
+              <a:rPr lang="zh-CN" altLang="en-US" b="1" dirty="0"/>
+              <a:t>做不到的</a:t>
+            </a:r>
+          </a:p>
+        </p:txBody>
+      </p:sp>
+      <p:sp>
+        <p:nvSpPr>
+          <p:cNvPr id="3" name="文本框 2">
+            <a:extLst>
+              <a:ext uri="{FF2B5EF4-FFF2-40B4-BE49-F238E27FC236}">
+                <a16:creationId xmlns:a16="http://schemas.microsoft.com/office/drawing/2014/main" id="{65C8FC0A-153D-DDA4-6EFC-AAF8EC0E00F2}"/>
+              </a:ext>
+            </a:extLst>
+          </p:cNvPr>
+          <p:cNvSpPr txBox="1"/>
+          <p:nvPr/>
+        </p:nvSpPr>
+        <p:spPr>
+          <a:xfrm>
+            <a:off x="1285876" y="4070727"/>
+            <a:ext cx="7739742" cy="584775"/>
+          </a:xfrm>
+          <a:prstGeom prst="rect">
+            <a:avLst/>
+          </a:prstGeom>
+          <a:noFill/>
+        </p:spPr>
+        <p:txBody>
+          <a:bodyPr wrap="square" rtlCol="0">
+            <a:spAutoFit/>
+          </a:bodyPr>
+          <a:lstStyle/>
+          <a:p>
+            <a:r>
+              <a:rPr lang="en-US" altLang="zh-CN" sz="3200" dirty="0" err="1"/>
+              <a:t>entity.relatedEntity.displayName</a:t>
+            </a:r>
+            <a:endParaRPr lang="en-US" altLang="zh-CN" sz="3200" dirty="0"/>
+          </a:p>
+        </p:txBody>
+      </p:sp>
+      <p:sp>
+        <p:nvSpPr>
+          <p:cNvPr id="4" name="文本框 3">
+            <a:extLst>
+              <a:ext uri="{FF2B5EF4-FFF2-40B4-BE49-F238E27FC236}">
+                <a16:creationId xmlns:a16="http://schemas.microsoft.com/office/drawing/2014/main" id="{23694840-3E17-8C47-9CC6-CC3E7D9BC8B7}"/>
+              </a:ext>
+            </a:extLst>
+          </p:cNvPr>
+          <p:cNvSpPr txBox="1"/>
+          <p:nvPr/>
+        </p:nvSpPr>
+        <p:spPr>
+          <a:xfrm>
+            <a:off x="1285876" y="2117802"/>
+            <a:ext cx="9620248" cy="584775"/>
+          </a:xfrm>
+          <a:prstGeom prst="rect">
+            <a:avLst/>
+          </a:prstGeom>
+          <a:noFill/>
+        </p:spPr>
+        <p:txBody>
+          <a:bodyPr wrap="square" rtlCol="0">
+            <a:spAutoFit/>
+          </a:bodyPr>
+          <a:lstStyle/>
+          <a:p>
+            <a:r>
+              <a:rPr lang="zh-CN" altLang="en-US" sz="3200" dirty="0"/>
+              <a:t>关联属性在</a:t>
+            </a:r>
+            <a:r>
+              <a:rPr lang="en-US" altLang="zh-CN" sz="3200" dirty="0"/>
+              <a:t>Java</a:t>
+            </a:r>
+            <a:r>
+              <a:rPr lang="zh-CN" altLang="en-US" sz="3200" dirty="0"/>
+              <a:t>和</a:t>
+            </a:r>
+            <a:r>
+              <a:rPr lang="en-US" altLang="zh-CN" sz="3200" dirty="0"/>
+              <a:t>EQL</a:t>
+            </a:r>
+            <a:r>
+              <a:rPr lang="zh-CN" altLang="en-US" sz="3200" dirty="0"/>
+              <a:t>层面的自动推理</a:t>
+            </a:r>
+            <a:endParaRPr lang="en-US" altLang="zh-CN" sz="3200" dirty="0"/>
+          </a:p>
+        </p:txBody>
+      </p:sp>
+      <p:sp>
+        <p:nvSpPr>
+          <p:cNvPr id="5" name="文本框 4">
+            <a:extLst>
+              <a:ext uri="{FF2B5EF4-FFF2-40B4-BE49-F238E27FC236}">
+                <a16:creationId xmlns:a16="http://schemas.microsoft.com/office/drawing/2014/main" id="{98306CBB-8C2B-9CA1-E8A1-4E8C835DD27F}"/>
+              </a:ext>
+            </a:extLst>
+          </p:cNvPr>
+          <p:cNvSpPr txBox="1"/>
+          <p:nvPr/>
+        </p:nvSpPr>
+        <p:spPr>
+          <a:xfrm>
+            <a:off x="1285876" y="3143534"/>
+            <a:ext cx="9620248" cy="584775"/>
+          </a:xfrm>
+          <a:prstGeom prst="rect">
+            <a:avLst/>
+          </a:prstGeom>
+          <a:noFill/>
+        </p:spPr>
+        <p:txBody>
+          <a:bodyPr wrap="square" rtlCol="0">
+            <a:spAutoFit/>
+          </a:bodyPr>
+          <a:lstStyle/>
+          <a:p>
+            <a:r>
+              <a:rPr lang="zh-CN" altLang="en-US" sz="3200" dirty="0"/>
+              <a:t>一次表达，多处使用</a:t>
+            </a:r>
+            <a:endParaRPr lang="en-US" altLang="zh-CN" sz="3200" dirty="0"/>
+          </a:p>
+        </p:txBody>
+      </p:sp>
+    </p:spTree>
+    <p:extLst>
+      <p:ext uri="{BB962C8B-B14F-4D97-AF65-F5344CB8AC3E}">
+        <p14:creationId xmlns:p14="http://schemas.microsoft.com/office/powerpoint/2010/main" val="1866375095"/>
+      </p:ext>
+    </p:extLst>
+  </p:cSld>
+  <p:clrMapOvr>
+    <a:masterClrMapping/>
+  </p:clrMapOvr>
+</p:sld>
+</file>
+
+<file path=ppt/slides/slide8.xml><?xml version="1.0" encoding="utf-8"?>
+<p:sld xmlns:a="http://schemas.openxmlformats.org/drawingml/2006/main" xmlns:r="http://schemas.openxmlformats.org/officeDocument/2006/relationships" xmlns:p="http://schemas.openxmlformats.org/presentationml/2006/main">
+  <p:cSld>
+    <p:spTree>
+      <p:nvGrpSpPr>
+        <p:cNvPr id="1" name="">
+          <a:extLst>
+            <a:ext uri="{FF2B5EF4-FFF2-40B4-BE49-F238E27FC236}">
+              <a16:creationId xmlns:a16="http://schemas.microsoft.com/office/drawing/2014/main" id="{630DE4B0-4802-6243-35C6-C3F34FC3BE14}"/>
+            </a:ext>
+          </a:extLst>
+        </p:cNvPr>
+        <p:cNvGrpSpPr/>
+        <p:nvPr/>
+      </p:nvGrpSpPr>
+      <p:grpSpPr>
+        <a:xfrm>
+          <a:off x="0" y="0"/>
+          <a:ext cx="0" cy="0"/>
+          <a:chOff x="0" y="0"/>
+          <a:chExt cx="0" cy="0"/>
+        </a:xfrm>
+      </p:grpSpPr>
+      <p:sp>
+        <p:nvSpPr>
+          <p:cNvPr id="2" name="标题 1">
+            <a:extLst>
+              <a:ext uri="{FF2B5EF4-FFF2-40B4-BE49-F238E27FC236}">
+                <a16:creationId xmlns:a16="http://schemas.microsoft.com/office/drawing/2014/main" id="{7985F1E8-662E-6949-BD50-5DAC869ADEBC}"/>
+              </a:ext>
+            </a:extLst>
+          </p:cNvPr>
+          <p:cNvSpPr>
+            <a:spLocks noGrp="1"/>
+          </p:cNvSpPr>
+          <p:nvPr>
+            <p:ph type="title"/>
+          </p:nvPr>
+        </p:nvSpPr>
+        <p:spPr/>
+        <p:txBody>
+          <a:bodyPr/>
+          <a:lstStyle/>
+          <a:p>
+            <a:r>
+              <a:rPr lang="en-US" altLang="zh-CN" b="1" dirty="0"/>
+              <a:t>Hibernate</a:t>
+            </a:r>
+            <a:r>
+              <a:rPr lang="zh-CN" altLang="en-US" b="1" dirty="0"/>
+              <a:t>做不到的</a:t>
+            </a:r>
+          </a:p>
+        </p:txBody>
+      </p:sp>
+      <p:sp>
+        <p:nvSpPr>
+          <p:cNvPr id="3" name="文本框 2">
+            <a:extLst>
+              <a:ext uri="{FF2B5EF4-FFF2-40B4-BE49-F238E27FC236}">
+                <a16:creationId xmlns:a16="http://schemas.microsoft.com/office/drawing/2014/main" id="{D861B647-C3BC-0AF5-DAAB-21AF34DAD63F}"/>
+              </a:ext>
+            </a:extLst>
+          </p:cNvPr>
+          <p:cNvSpPr txBox="1"/>
+          <p:nvPr/>
+        </p:nvSpPr>
+        <p:spPr>
+          <a:xfrm>
+            <a:off x="838200" y="1952878"/>
+            <a:ext cx="10752364" cy="3046988"/>
+          </a:xfrm>
+          <a:prstGeom prst="rect">
+            <a:avLst/>
+          </a:prstGeom>
+          <a:noFill/>
+        </p:spPr>
+        <p:txBody>
+          <a:bodyPr wrap="square" rtlCol="0">
+            <a:spAutoFit/>
+          </a:bodyPr>
+          <a:lstStyle/>
+          <a:p>
+            <a:r>
+              <a:rPr lang="zh-CN" altLang="en-US" sz="3200" dirty="0"/>
+              <a:t>丧失了</a:t>
+            </a:r>
+            <a:r>
+              <a:rPr lang="en-US" altLang="zh-CN" sz="3200" dirty="0"/>
+              <a:t>SQL</a:t>
+            </a:r>
+            <a:r>
+              <a:rPr lang="zh-CN" altLang="en-US" sz="3200" dirty="0"/>
+              <a:t>语言一直具有的数据再组织功能</a:t>
+            </a:r>
+            <a:endParaRPr lang="en-US" altLang="zh-CN" sz="3200" dirty="0"/>
+          </a:p>
+          <a:p>
+            <a:endParaRPr lang="en-US" altLang="zh-CN" sz="3200" dirty="0"/>
+          </a:p>
+          <a:p>
+            <a:r>
+              <a:rPr lang="en-US" altLang="zh-CN" sz="3200" dirty="0"/>
+              <a:t>Select *</a:t>
+            </a:r>
+          </a:p>
+          <a:p>
+            <a:r>
+              <a:rPr lang="en-US" altLang="zh-CN" sz="3200" dirty="0"/>
+              <a:t>From </a:t>
+            </a:r>
+            <a:r>
+              <a:rPr lang="en-US" altLang="zh-CN" sz="3200" dirty="0" err="1"/>
+              <a:t>MyEntity</a:t>
+            </a:r>
+            <a:r>
+              <a:rPr lang="en-US" altLang="zh-CN" sz="3200" dirty="0"/>
+              <a:t> o left join</a:t>
+            </a:r>
+          </a:p>
+          <a:p>
+            <a:r>
+              <a:rPr lang="en-US" altLang="zh-CN" sz="3200" dirty="0"/>
+              <a:t> (select t.name, count(1) from </a:t>
+            </a:r>
+            <a:r>
+              <a:rPr lang="en-US" altLang="zh-CN" sz="3200" dirty="0" err="1"/>
+              <a:t>OtherEntity</a:t>
+            </a:r>
+            <a:r>
+              <a:rPr lang="en-US" altLang="zh-CN" sz="3200" dirty="0"/>
+              <a:t> t group by name) </a:t>
+            </a:r>
+          </a:p>
+          <a:p>
+            <a:r>
+              <a:rPr lang="en-US" altLang="zh-CN" sz="3200" dirty="0"/>
+              <a:t>on o.name = t.name</a:t>
+            </a:r>
+          </a:p>
+        </p:txBody>
+      </p:sp>
+    </p:spTree>
+    <p:extLst>
+      <p:ext uri="{BB962C8B-B14F-4D97-AF65-F5344CB8AC3E}">
+        <p14:creationId xmlns:p14="http://schemas.microsoft.com/office/powerpoint/2010/main" val="1551254069"/>
+      </p:ext>
+    </p:extLst>
+  </p:cSld>
+  <p:clrMapOvr>
+    <a:masterClrMapping/>
+  </p:clrMapOvr>
+</p:sld>
+</file>
+
+<file path=ppt/slides/slide9.xml><?xml version="1.0" encoding="utf-8"?>
+<p:sld xmlns:a="http://schemas.openxmlformats.org/drawingml/2006/main" xmlns:r="http://schemas.openxmlformats.org/officeDocument/2006/relationships" xmlns:p="http://schemas.openxmlformats.org/presentationml/2006/main">
+  <p:cSld>
+    <p:spTree>
+      <p:nvGrpSpPr>
+        <p:cNvPr id="1" name=""/>
+        <p:cNvGrpSpPr/>
+        <p:nvPr/>
+      </p:nvGrpSpPr>
+      <p:grpSpPr>
+        <a:xfrm>
+          <a:off x="0" y="0"/>
+          <a:ext cx="0" cy="0"/>
+          <a:chOff x="0" y="0"/>
+          <a:chExt cx="0" cy="0"/>
+        </a:xfrm>
+      </p:grpSpPr>
+      <p:sp>
+        <p:nvSpPr>
+          <p:cNvPr id="2" name="标题 1">
+            <a:extLst>
+              <a:ext uri="{FF2B5EF4-FFF2-40B4-BE49-F238E27FC236}">
+                <a16:creationId xmlns:a16="http://schemas.microsoft.com/office/drawing/2014/main" id="{7B078A78-F1A6-B200-A327-496477BABCB1}"/>
+              </a:ext>
+            </a:extLst>
+          </p:cNvPr>
+          <p:cNvSpPr>
+            <a:spLocks noGrp="1"/>
+          </p:cNvSpPr>
+          <p:nvPr>
+            <p:ph type="title"/>
+          </p:nvPr>
+        </p:nvSpPr>
+        <p:spPr/>
+        <p:txBody>
+          <a:bodyPr/>
+          <a:lstStyle/>
+          <a:p>
+            <a:r>
+              <a:rPr lang="zh-CN" altLang="en-US" b="1" dirty="0"/>
+              <a:t>通用的横纵变换</a:t>
+            </a:r>
+          </a:p>
+        </p:txBody>
+      </p:sp>
+      <p:sp>
+        <p:nvSpPr>
+          <p:cNvPr id="9" name="文本框 8">
+            <a:extLst>
+              <a:ext uri="{FF2B5EF4-FFF2-40B4-BE49-F238E27FC236}">
+                <a16:creationId xmlns:a16="http://schemas.microsoft.com/office/drawing/2014/main" id="{540A60B3-93A5-7288-4BDF-50258236F659}"/>
+              </a:ext>
+            </a:extLst>
+          </p:cNvPr>
+          <p:cNvSpPr txBox="1"/>
+          <p:nvPr/>
+        </p:nvSpPr>
+        <p:spPr>
+          <a:xfrm>
+            <a:off x="1338943" y="3739244"/>
+            <a:ext cx="7413172" cy="584775"/>
+          </a:xfrm>
+          <a:prstGeom prst="rect">
+            <a:avLst/>
+          </a:prstGeom>
+          <a:noFill/>
+        </p:spPr>
+        <p:txBody>
+          <a:bodyPr wrap="square" rtlCol="0">
+            <a:spAutoFit/>
+          </a:bodyPr>
+          <a:lstStyle/>
+          <a:p>
+            <a:r>
+              <a:rPr lang="en-US" altLang="zh-CN" sz="3200" dirty="0"/>
+              <a:t>2. </a:t>
+            </a:r>
+            <a:r>
+              <a:rPr lang="zh-CN" altLang="en-US" sz="3200" dirty="0"/>
+              <a:t>通过别名隐藏属性路径</a:t>
+            </a:r>
+            <a:endParaRPr lang="en-US" altLang="zh-CN" sz="3200" dirty="0"/>
+          </a:p>
+        </p:txBody>
+      </p:sp>
+      <p:sp>
+        <p:nvSpPr>
+          <p:cNvPr id="3" name="文本框 2">
+            <a:extLst>
+              <a:ext uri="{FF2B5EF4-FFF2-40B4-BE49-F238E27FC236}">
+                <a16:creationId xmlns:a16="http://schemas.microsoft.com/office/drawing/2014/main" id="{A494B263-3F60-AD20-F673-BB98C8BC9B90}"/>
+              </a:ext>
+            </a:extLst>
+          </p:cNvPr>
+          <p:cNvSpPr txBox="1"/>
+          <p:nvPr/>
+        </p:nvSpPr>
+        <p:spPr>
+          <a:xfrm>
+            <a:off x="1338943" y="1904481"/>
+            <a:ext cx="10303327" cy="584775"/>
+          </a:xfrm>
+          <a:prstGeom prst="rect">
+            <a:avLst/>
+          </a:prstGeom>
+          <a:noFill/>
+        </p:spPr>
+        <p:txBody>
+          <a:bodyPr wrap="square" rtlCol="0">
+            <a:spAutoFit/>
+          </a:bodyPr>
+          <a:lstStyle/>
+          <a:p>
+            <a:r>
+              <a:rPr lang="en-US" altLang="zh-CN" sz="3200" dirty="0"/>
+              <a:t>1. </a:t>
+            </a:r>
+            <a:r>
+              <a:rPr lang="zh-CN" altLang="en-US" sz="3200" dirty="0"/>
+              <a:t>将属性访问语法扩展到一对多子表</a:t>
+            </a:r>
+            <a:endParaRPr lang="en-US" altLang="zh-CN" sz="3200" dirty="0"/>
+          </a:p>
+        </p:txBody>
+      </p:sp>
+      <p:sp>
+        <p:nvSpPr>
+          <p:cNvPr id="4" name="文本框 3">
+            <a:extLst>
+              <a:ext uri="{FF2B5EF4-FFF2-40B4-BE49-F238E27FC236}">
+                <a16:creationId xmlns:a16="http://schemas.microsoft.com/office/drawing/2014/main" id="{83348266-1580-CA90-F558-1275B72C088F}"/>
+              </a:ext>
+            </a:extLst>
+          </p:cNvPr>
+          <p:cNvSpPr txBox="1"/>
+          <p:nvPr/>
+        </p:nvSpPr>
+        <p:spPr>
+          <a:xfrm>
+            <a:off x="1232808" y="2710024"/>
+            <a:ext cx="10199912" cy="523220"/>
+          </a:xfrm>
+          <a:prstGeom prst="rect">
+            <a:avLst/>
+          </a:prstGeom>
+          <a:noFill/>
+        </p:spPr>
+        <p:txBody>
+          <a:bodyPr wrap="square" rtlCol="0">
+            <a:spAutoFit/>
+          </a:bodyPr>
+          <a:lstStyle/>
+          <a:p>
+            <a:r>
+              <a:rPr lang="en-US" altLang="zh-CN" sz="2800" dirty="0" err="1"/>
+              <a:t>entity.subList.a</a:t>
+            </a:r>
+            <a:r>
+              <a:rPr lang="en-US" altLang="zh-CN" sz="2800" dirty="0"/>
+              <a:t> == </a:t>
+            </a:r>
+            <a:r>
+              <a:rPr lang="en-US" altLang="zh-CN" sz="2800" dirty="0" err="1"/>
+              <a:t>entity.subList.find</a:t>
+            </a:r>
+            <a:r>
+              <a:rPr lang="en-US" altLang="zh-CN" sz="2800" dirty="0"/>
+              <a:t>(sub=&gt;sub.name==‘a’)</a:t>
+            </a:r>
+          </a:p>
+        </p:txBody>
+      </p:sp>
+      <p:sp>
+        <p:nvSpPr>
+          <p:cNvPr id="5" name="文本框 4">
+            <a:extLst>
+              <a:ext uri="{FF2B5EF4-FFF2-40B4-BE49-F238E27FC236}">
+                <a16:creationId xmlns:a16="http://schemas.microsoft.com/office/drawing/2014/main" id="{36CB2863-D4E8-FF10-B471-3C8E52237EEB}"/>
+              </a:ext>
+            </a:extLst>
+          </p:cNvPr>
+          <p:cNvSpPr txBox="1"/>
+          <p:nvPr/>
+        </p:nvSpPr>
+        <p:spPr>
+          <a:xfrm>
+            <a:off x="1714500" y="4610100"/>
+            <a:ext cx="5078187" cy="523220"/>
+          </a:xfrm>
+          <a:prstGeom prst="rect">
+            <a:avLst/>
+          </a:prstGeom>
+          <a:noFill/>
+        </p:spPr>
+        <p:txBody>
+          <a:bodyPr wrap="square" rtlCol="0">
+            <a:spAutoFit/>
+          </a:bodyPr>
+          <a:lstStyle/>
+          <a:p>
+            <a:r>
+              <a:rPr lang="en-US" altLang="zh-CN" sz="2800" dirty="0" err="1"/>
+              <a:t>entity.ext_a</a:t>
+            </a:r>
+            <a:r>
+              <a:rPr lang="en-US" altLang="zh-CN" sz="2800" dirty="0"/>
+              <a:t> = </a:t>
+            </a:r>
+            <a:r>
+              <a:rPr lang="en-US" altLang="zh-CN" sz="2800" dirty="0" err="1"/>
+              <a:t>entity.subList.a</a:t>
+            </a:r>
+            <a:endParaRPr lang="en-US" altLang="zh-CN" sz="2800" dirty="0"/>
+          </a:p>
+        </p:txBody>
+      </p:sp>
+    </p:spTree>
+    <p:extLst>
+      <p:ext uri="{BB962C8B-B14F-4D97-AF65-F5344CB8AC3E}">
+        <p14:creationId xmlns:p14="http://schemas.microsoft.com/office/powerpoint/2010/main" val="2737684326"/>
       </p:ext>
     </p:extLst>
   </p:cSld>
